--- a/master/Modern Industry Practice/Phase2/毕业答辩 (09)---.pptx
+++ b/master/Modern Industry Practice/Phase2/毕业答辩 (09)---.pptx
@@ -5,53 +5,47 @@
     <p:sldMasterId id="2147483648" r:id="rId1"/>
   </p:sldMasterIdLst>
   <p:notesMasterIdLst>
-    <p:notesMasterId r:id="rId4"/>
+    <p:notesMasterId r:id="rId25"/>
   </p:notesMasterIdLst>
   <p:sldIdLst>
-    <p:sldId id="399" r:id="rId3"/>
-    <p:sldId id="384" r:id="rId5"/>
-    <p:sldId id="414" r:id="rId6"/>
-    <p:sldId id="400" r:id="rId7"/>
-    <p:sldId id="379" r:id="rId8"/>
-    <p:sldId id="403" r:id="rId9"/>
-    <p:sldId id="404" r:id="rId10"/>
-    <p:sldId id="385" r:id="rId11"/>
-    <p:sldId id="415" r:id="rId12"/>
-    <p:sldId id="405" r:id="rId13"/>
-    <p:sldId id="407" r:id="rId14"/>
-    <p:sldId id="406" r:id="rId15"/>
-    <p:sldId id="416" r:id="rId16"/>
-    <p:sldId id="408" r:id="rId17"/>
-    <p:sldId id="409" r:id="rId18"/>
-    <p:sldId id="410" r:id="rId19"/>
-    <p:sldId id="417" r:id="rId20"/>
-    <p:sldId id="411" r:id="rId21"/>
-    <p:sldId id="397" r:id="rId22"/>
-    <p:sldId id="418" r:id="rId23"/>
-    <p:sldId id="281" r:id="rId24"/>
-    <p:sldId id="413" r:id="rId25"/>
+    <p:sldId id="399" r:id="rId2"/>
+    <p:sldId id="384" r:id="rId3"/>
+    <p:sldId id="414" r:id="rId4"/>
+    <p:sldId id="400" r:id="rId5"/>
+    <p:sldId id="379" r:id="rId6"/>
+    <p:sldId id="403" r:id="rId7"/>
+    <p:sldId id="404" r:id="rId8"/>
+    <p:sldId id="385" r:id="rId9"/>
+    <p:sldId id="415" r:id="rId10"/>
+    <p:sldId id="405" r:id="rId11"/>
+    <p:sldId id="407" r:id="rId12"/>
+    <p:sldId id="406" r:id="rId13"/>
+    <p:sldId id="416" r:id="rId14"/>
+    <p:sldId id="408" r:id="rId15"/>
+    <p:sldId id="419" r:id="rId16"/>
+    <p:sldId id="409" r:id="rId17"/>
+    <p:sldId id="410" r:id="rId18"/>
+    <p:sldId id="417" r:id="rId19"/>
+    <p:sldId id="411" r:id="rId20"/>
+    <p:sldId id="397" r:id="rId21"/>
+    <p:sldId id="418" r:id="rId22"/>
+    <p:sldId id="281" r:id="rId23"/>
+    <p:sldId id="413" r:id="rId24"/>
   </p:sldIdLst>
   <p:sldSz cx="9144000" cy="5143500" type="screen16x9"/>
   <p:notesSz cx="6858000" cy="9144000"/>
   <p:embeddedFontLst>
     <p:embeddedFont>
-      <p:font typeface="Calibri" panose="020F0502020204030204" pitchFamily="34" charset="0"/>
-      <p:regular r:id="rId29"/>
-      <p:bold r:id="rId30"/>
-      <p:italic r:id="rId31"/>
-      <p:boldItalic r:id="rId32"/>
+      <p:font typeface="字魂5号-无外润黑体" panose="00000500000000000000" charset="-122"/>
+      <p:regular r:id="rId26"/>
     </p:embeddedFont>
     <p:embeddedFont>
-      <p:font typeface="字魂5号-无外润黑体" panose="00000500000000000000" charset="-122"/>
-      <p:regular r:id="rId33"/>
-    </p:embeddedFont>
-    <p:embeddedFont>
-      <p:font typeface="字魂59号-创粗黑" panose="00000500000000000000" charset="-122"/>
-      <p:regular r:id="rId34"/>
+      <p:font typeface="Abadi" panose="020B0604020104020204" pitchFamily="34" charset="0"/>
+      <p:regular r:id="rId27"/>
     </p:embeddedFont>
   </p:embeddedFontLst>
   <p:custDataLst>
-    <p:tags r:id="rId35"/>
+    <p:tags r:id="rId28"/>
   </p:custDataLst>
   <p:defaultTextStyle>
     <a:defPPr>
@@ -238,6 +232,11 @@
       </a:defRPr>
     </a:lvl9pPr>
   </p:defaultTextStyle>
+  <p:extLst>
+    <p:ext uri="{EFAFB233-063F-42B5-8137-9DF3F51BA10A}">
+      <p15:sldGuideLst xmlns:p15="http://schemas.microsoft.com/office/powerpoint/2012/main"/>
+    </p:ext>
+  </p:extLst>
 </p:presentation>
 </file>
 
@@ -522,20 +521,6 @@
               </a:rPr>
               <a:t>单击此处编辑母版文本样式</a:t>
             </a:r>
-            <a:endParaRPr kumimoji="0" lang="zh-CN" altLang="en-US" sz="900" b="0" i="0" u="none" strike="noStrike" kern="1200" cap="none" spc="0" normalizeH="0" baseline="0" noProof="0">
-              <a:ln>
-                <a:noFill/>
-              </a:ln>
-              <a:solidFill>
-                <a:schemeClr val="tx1"/>
-              </a:solidFill>
-              <a:effectLst/>
-              <a:uLnTx/>
-              <a:uFillTx/>
-              <a:latin typeface="+mn-lt"/>
-              <a:ea typeface="+mn-ea"/>
-              <a:cs typeface="+mn-cs"/>
-            </a:endParaRPr>
           </a:p>
           <a:p>
             <a:pPr marL="342900" marR="0" lvl="1" indent="0" algn="l" defTabSz="685800" rtl="0" eaLnBrk="1" fontAlgn="base" latinLnBrk="0" hangingPunct="1">
@@ -571,20 +556,6 @@
               </a:rPr>
               <a:t>第二级</a:t>
             </a:r>
-            <a:endParaRPr kumimoji="0" lang="zh-CN" altLang="en-US" sz="900" b="0" i="0" u="none" strike="noStrike" kern="1200" cap="none" spc="0" normalizeH="0" baseline="0" noProof="0">
-              <a:ln>
-                <a:noFill/>
-              </a:ln>
-              <a:solidFill>
-                <a:schemeClr val="tx1"/>
-              </a:solidFill>
-              <a:effectLst/>
-              <a:uLnTx/>
-              <a:uFillTx/>
-              <a:latin typeface="+mn-lt"/>
-              <a:ea typeface="+mn-ea"/>
-              <a:cs typeface="+mn-cs"/>
-            </a:endParaRPr>
           </a:p>
           <a:p>
             <a:pPr marL="685800" marR="0" lvl="2" indent="0" algn="l" defTabSz="685800" rtl="0" eaLnBrk="1" fontAlgn="base" latinLnBrk="0" hangingPunct="1">
@@ -620,20 +591,6 @@
               </a:rPr>
               <a:t>第三级</a:t>
             </a:r>
-            <a:endParaRPr kumimoji="0" lang="zh-CN" altLang="en-US" sz="900" b="0" i="0" u="none" strike="noStrike" kern="1200" cap="none" spc="0" normalizeH="0" baseline="0" noProof="0">
-              <a:ln>
-                <a:noFill/>
-              </a:ln>
-              <a:solidFill>
-                <a:schemeClr val="tx1"/>
-              </a:solidFill>
-              <a:effectLst/>
-              <a:uLnTx/>
-              <a:uFillTx/>
-              <a:latin typeface="+mn-lt"/>
-              <a:ea typeface="+mn-ea"/>
-              <a:cs typeface="+mn-cs"/>
-            </a:endParaRPr>
           </a:p>
           <a:p>
             <a:pPr marL="1028700" marR="0" lvl="3" indent="0" algn="l" defTabSz="685800" rtl="0" eaLnBrk="1" fontAlgn="base" latinLnBrk="0" hangingPunct="1">
@@ -669,20 +626,6 @@
               </a:rPr>
               <a:t>第四级</a:t>
             </a:r>
-            <a:endParaRPr kumimoji="0" lang="zh-CN" altLang="en-US" sz="900" b="0" i="0" u="none" strike="noStrike" kern="1200" cap="none" spc="0" normalizeH="0" baseline="0" noProof="0">
-              <a:ln>
-                <a:noFill/>
-              </a:ln>
-              <a:solidFill>
-                <a:schemeClr val="tx1"/>
-              </a:solidFill>
-              <a:effectLst/>
-              <a:uLnTx/>
-              <a:uFillTx/>
-              <a:latin typeface="+mn-lt"/>
-              <a:ea typeface="+mn-ea"/>
-              <a:cs typeface="+mn-cs"/>
-            </a:endParaRPr>
           </a:p>
           <a:p>
             <a:pPr marL="1371600" marR="0" lvl="4" indent="0" algn="l" defTabSz="685800" rtl="0" eaLnBrk="1" fontAlgn="base" latinLnBrk="0" hangingPunct="1">
@@ -718,20 +661,6 @@
               </a:rPr>
               <a:t>第五级</a:t>
             </a:r>
-            <a:endParaRPr kumimoji="0" lang="zh-CN" altLang="en-US" sz="900" b="0" i="0" u="none" strike="noStrike" kern="1200" cap="none" spc="0" normalizeH="0" baseline="0" noProof="0">
-              <a:ln>
-                <a:noFill/>
-              </a:ln>
-              <a:solidFill>
-                <a:schemeClr val="tx1"/>
-              </a:solidFill>
-              <a:effectLst/>
-              <a:uLnTx/>
-              <a:uFillTx/>
-              <a:latin typeface="+mn-lt"/>
-              <a:ea typeface="+mn-ea"/>
-              <a:cs typeface="+mn-cs"/>
-            </a:endParaRPr>
           </a:p>
         </p:txBody>
       </p:sp>
@@ -871,6 +800,7 @@
                 <a:ea typeface="+mn-ea"/>
                 <a:cs typeface="+mn-cs"/>
               </a:rPr>
+              <a:t>‹#›</a:t>
             </a:fld>
             <a:endParaRPr kumimoji="0" lang="zh-CN" altLang="en-US" sz="1200" b="0" i="0" u="none" strike="noStrike" kern="1200" cap="none" spc="0" normalizeH="0" baseline="0" noProof="0">
               <a:ln>
@@ -1174,6 +1104,7 @@
                 <a:latin typeface="Calibri" panose="020F0502020204030204" pitchFamily="34" charset="0"/>
                 <a:ea typeface="宋体" panose="02010600030101010101" pitchFamily="2" charset="-122"/>
               </a:rPr>
+              <a:t>10</a:t>
             </a:fld>
             <a:endParaRPr lang="zh-CN" altLang="en-US" sz="1200" dirty="0">
               <a:latin typeface="Calibri" panose="020F0502020204030204" pitchFamily="34" charset="0"/>
@@ -1290,6 +1221,7 @@
                 <a:latin typeface="Calibri" panose="020F0502020204030204" pitchFamily="34" charset="0"/>
                 <a:ea typeface="宋体" panose="02010600030101010101" pitchFamily="2" charset="-122"/>
               </a:rPr>
+              <a:t>11</a:t>
             </a:fld>
             <a:endParaRPr lang="zh-CN" altLang="en-US" sz="1200" dirty="0">
               <a:latin typeface="Calibri" panose="020F0502020204030204" pitchFamily="34" charset="0"/>
@@ -1406,6 +1338,7 @@
                 <a:latin typeface="Calibri" panose="020F0502020204030204" pitchFamily="34" charset="0"/>
                 <a:ea typeface="宋体" panose="02010600030101010101" pitchFamily="2" charset="-122"/>
               </a:rPr>
+              <a:t>12</a:t>
             </a:fld>
             <a:endParaRPr lang="zh-CN" altLang="en-US" sz="1200" dirty="0">
               <a:latin typeface="Calibri" panose="020F0502020204030204" pitchFamily="34" charset="0"/>
@@ -1522,6 +1455,7 @@
                 <a:latin typeface="Calibri" panose="020F0502020204030204" pitchFamily="34" charset="0"/>
                 <a:ea typeface="宋体" panose="02010600030101010101" pitchFamily="2" charset="-122"/>
               </a:rPr>
+              <a:t>13</a:t>
             </a:fld>
             <a:endParaRPr lang="zh-CN" altLang="en-US" sz="1200" dirty="0">
               <a:latin typeface="Calibri" panose="020F0502020204030204" pitchFamily="34" charset="0"/>
@@ -1638,6 +1572,7 @@
                 <a:latin typeface="Calibri" panose="020F0502020204030204" pitchFamily="34" charset="0"/>
                 <a:ea typeface="宋体" panose="02010600030101010101" pitchFamily="2" charset="-122"/>
               </a:rPr>
+              <a:t>14</a:t>
             </a:fld>
             <a:endParaRPr lang="zh-CN" altLang="en-US" sz="1200" dirty="0">
               <a:latin typeface="Calibri" panose="020F0502020204030204" pitchFamily="34" charset="0"/>
@@ -1655,6 +1590,128 @@
 </file>
 
 <file path=ppt/notesSlides/notesSlide15.xml><?xml version="1.0" encoding="utf-8"?>
+<p:notes xmlns:a="http://schemas.openxmlformats.org/drawingml/2006/main" xmlns:r="http://schemas.openxmlformats.org/officeDocument/2006/relationships" xmlns:p="http://schemas.openxmlformats.org/presentationml/2006/main">
+  <p:cSld>
+    <p:spTree>
+      <p:nvGrpSpPr>
+        <p:cNvPr id="1" name=""/>
+        <p:cNvGrpSpPr/>
+        <p:nvPr/>
+      </p:nvGrpSpPr>
+      <p:grpSpPr>
+        <a:xfrm>
+          <a:off x="0" y="0"/>
+          <a:ext cx="0" cy="0"/>
+          <a:chOff x="0" y="0"/>
+          <a:chExt cx="0" cy="0"/>
+        </a:xfrm>
+      </p:grpSpPr>
+      <p:sp>
+        <p:nvSpPr>
+          <p:cNvPr id="45058" name="幻灯片图像占位符 1"/>
+          <p:cNvSpPr>
+            <a:spLocks noGrp="1" noRot="1" noChangeAspect="1" noTextEdit="1"/>
+          </p:cNvSpPr>
+          <p:nvPr>
+            <p:ph type="sldImg"/>
+          </p:nvPr>
+        </p:nvSpPr>
+        <p:spPr>
+          <a:ln>
+            <a:solidFill>
+              <a:srgbClr val="000000">
+                <a:alpha val="100000"/>
+              </a:srgbClr>
+            </a:solidFill>
+            <a:miter lim="800000"/>
+          </a:ln>
+        </p:spPr>
+      </p:sp>
+      <p:sp>
+        <p:nvSpPr>
+          <p:cNvPr id="45059" name="备注占位符 2"/>
+          <p:cNvSpPr>
+            <a:spLocks noGrp="1"/>
+          </p:cNvSpPr>
+          <p:nvPr>
+            <p:ph type="body" idx="1"/>
+          </p:nvPr>
+        </p:nvSpPr>
+        <p:spPr>
+          <a:noFill/>
+          <a:ln>
+            <a:noFill/>
+          </a:ln>
+        </p:spPr>
+        <p:txBody>
+          <a:bodyPr wrap="square" lIns="91440" tIns="45720" rIns="91440" bIns="45720" anchor="t"/>
+          <a:lstStyle/>
+          <a:p>
+            <a:pPr lvl="0" eaLnBrk="1" hangingPunct="1">
+              <a:spcBef>
+                <a:spcPct val="0"/>
+              </a:spcBef>
+            </a:pPr>
+            <a:endParaRPr lang="zh-CN" altLang="en-US" dirty="0"/>
+          </a:p>
+        </p:txBody>
+      </p:sp>
+      <p:sp>
+        <p:nvSpPr>
+          <p:cNvPr id="45060" name="灯片编号占位符 3"/>
+          <p:cNvSpPr txBox="1">
+            <a:spLocks noGrp="1"/>
+          </p:cNvSpPr>
+          <p:nvPr>
+            <p:ph type="sldNum" sz="quarter"/>
+          </p:nvPr>
+        </p:nvSpPr>
+        <p:spPr>
+          <a:xfrm>
+            <a:off x="3884613" y="8685213"/>
+            <a:ext cx="2971800" cy="458787"/>
+          </a:xfrm>
+          <a:prstGeom prst="rect">
+            <a:avLst/>
+          </a:prstGeom>
+          <a:noFill/>
+          <a:ln w="9525">
+            <a:noFill/>
+          </a:ln>
+        </p:spPr>
+        <p:txBody>
+          <a:bodyPr anchor="b"/>
+          <a:lstStyle/>
+          <a:p>
+            <a:pPr lvl="0" algn="r" eaLnBrk="1" hangingPunct="1"/>
+            <a:fld id="{9A0DB2DC-4C9A-4742-B13C-FB6460FD3503}" type="slidenum">
+              <a:rPr lang="zh-CN" altLang="en-US" sz="1200" dirty="0">
+                <a:latin typeface="Calibri" panose="020F0502020204030204" pitchFamily="34" charset="0"/>
+                <a:ea typeface="宋体" panose="02010600030101010101" pitchFamily="2" charset="-122"/>
+              </a:rPr>
+              <a:t>15</a:t>
+            </a:fld>
+            <a:endParaRPr lang="zh-CN" altLang="en-US" sz="1200" dirty="0">
+              <a:latin typeface="Calibri" panose="020F0502020204030204" pitchFamily="34" charset="0"/>
+              <a:ea typeface="宋体" panose="02010600030101010101" pitchFamily="2" charset="-122"/>
+            </a:endParaRPr>
+          </a:p>
+        </p:txBody>
+      </p:sp>
+    </p:spTree>
+    <p:extLst>
+      <p:ext uri="{BB962C8B-B14F-4D97-AF65-F5344CB8AC3E}">
+        <p14:creationId xmlns:p14="http://schemas.microsoft.com/office/powerpoint/2010/main" val="434716176"/>
+      </p:ext>
+    </p:extLst>
+  </p:cSld>
+  <p:clrMapOvr>
+    <a:masterClrMapping/>
+  </p:clrMapOvr>
+</p:notes>
+</file>
+
+<file path=ppt/notesSlides/notesSlide16.xml><?xml version="1.0" encoding="utf-8"?>
 <p:notes xmlns:a="http://schemas.openxmlformats.org/drawingml/2006/main" xmlns:r="http://schemas.openxmlformats.org/officeDocument/2006/relationships" xmlns:p="http://schemas.openxmlformats.org/presentationml/2006/main">
   <p:cSld>
     <p:spTree>
@@ -1754,6 +1811,7 @@
                 <a:latin typeface="Calibri" panose="020F0502020204030204" pitchFamily="34" charset="0"/>
                 <a:ea typeface="宋体" panose="02010600030101010101" pitchFamily="2" charset="-122"/>
               </a:rPr>
+              <a:t>16</a:t>
             </a:fld>
             <a:endParaRPr lang="zh-CN" altLang="en-US" sz="1200" dirty="0">
               <a:latin typeface="Calibri" panose="020F0502020204030204" pitchFamily="34" charset="0"/>
@@ -1770,7 +1828,7 @@
 </p:notes>
 </file>
 
-<file path=ppt/notesSlides/notesSlide16.xml><?xml version="1.0" encoding="utf-8"?>
+<file path=ppt/notesSlides/notesSlide17.xml><?xml version="1.0" encoding="utf-8"?>
 <p:notes xmlns:a="http://schemas.openxmlformats.org/drawingml/2006/main" xmlns:r="http://schemas.openxmlformats.org/officeDocument/2006/relationships" xmlns:p="http://schemas.openxmlformats.org/presentationml/2006/main">
   <p:cSld>
     <p:spTree>
@@ -1870,6 +1928,7 @@
                 <a:latin typeface="Calibri" panose="020F0502020204030204" pitchFamily="34" charset="0"/>
                 <a:ea typeface="宋体" panose="02010600030101010101" pitchFamily="2" charset="-122"/>
               </a:rPr>
+              <a:t>17</a:t>
             </a:fld>
             <a:endParaRPr lang="zh-CN" altLang="en-US" sz="1200" dirty="0">
               <a:latin typeface="Calibri" panose="020F0502020204030204" pitchFamily="34" charset="0"/>
@@ -1886,7 +1945,7 @@
 </p:notes>
 </file>
 
-<file path=ppt/notesSlides/notesSlide17.xml><?xml version="1.0" encoding="utf-8"?>
+<file path=ppt/notesSlides/notesSlide18.xml><?xml version="1.0" encoding="utf-8"?>
 <p:notes xmlns:a="http://schemas.openxmlformats.org/drawingml/2006/main" xmlns:r="http://schemas.openxmlformats.org/officeDocument/2006/relationships" xmlns:p="http://schemas.openxmlformats.org/presentationml/2006/main">
   <p:cSld>
     <p:spTree>
@@ -1986,6 +2045,7 @@
                 <a:latin typeface="Calibri" panose="020F0502020204030204" pitchFamily="34" charset="0"/>
                 <a:ea typeface="宋体" panose="02010600030101010101" pitchFamily="2" charset="-122"/>
               </a:rPr>
+              <a:t>18</a:t>
             </a:fld>
             <a:endParaRPr lang="zh-CN" altLang="en-US" sz="1200" dirty="0">
               <a:latin typeface="Calibri" panose="020F0502020204030204" pitchFamily="34" charset="0"/>
@@ -2002,7 +2062,7 @@
 </p:notes>
 </file>
 
-<file path=ppt/notesSlides/notesSlide18.xml><?xml version="1.0" encoding="utf-8"?>
+<file path=ppt/notesSlides/notesSlide19.xml><?xml version="1.0" encoding="utf-8"?>
 <p:notes xmlns:a="http://schemas.openxmlformats.org/drawingml/2006/main" xmlns:r="http://schemas.openxmlformats.org/officeDocument/2006/relationships" xmlns:p="http://schemas.openxmlformats.org/presentationml/2006/main">
   <p:cSld>
     <p:spTree>
@@ -2058,7 +2118,63 @@
 </p:notes>
 </file>
 
-<file path=ppt/notesSlides/notesSlide19.xml><?xml version="1.0" encoding="utf-8"?>
+<file path=ppt/notesSlides/notesSlide2.xml><?xml version="1.0" encoding="utf-8"?>
+<p:notes xmlns:a="http://schemas.openxmlformats.org/drawingml/2006/main" xmlns:r="http://schemas.openxmlformats.org/officeDocument/2006/relationships" xmlns:p="http://schemas.openxmlformats.org/presentationml/2006/main">
+  <p:cSld>
+    <p:spTree>
+      <p:nvGrpSpPr>
+        <p:cNvPr id="1" name=""/>
+        <p:cNvGrpSpPr/>
+        <p:nvPr/>
+      </p:nvGrpSpPr>
+      <p:grpSpPr>
+        <a:xfrm>
+          <a:off x="0" y="0"/>
+          <a:ext cx="0" cy="0"/>
+          <a:chOff x="0" y="0"/>
+          <a:chExt cx="0" cy="0"/>
+        </a:xfrm>
+      </p:grpSpPr>
+      <p:sp>
+        <p:nvSpPr>
+          <p:cNvPr id="2" name="幻灯片图像占位符 1"/>
+          <p:cNvSpPr>
+            <a:spLocks noGrp="1" noRot="1" noChangeAspect="1"/>
+          </p:cNvSpPr>
+          <p:nvPr>
+            <p:ph type="sldImg"/>
+          </p:nvPr>
+        </p:nvSpPr>
+        <p:spPr/>
+      </p:sp>
+      <p:sp>
+        <p:nvSpPr>
+          <p:cNvPr id="3" name="备注占位符 2"/>
+          <p:cNvSpPr>
+            <a:spLocks noGrp="1"/>
+          </p:cNvSpPr>
+          <p:nvPr>
+            <p:ph type="body" idx="1"/>
+          </p:nvPr>
+        </p:nvSpPr>
+        <p:spPr/>
+        <p:txBody>
+          <a:bodyPr/>
+          <a:lstStyle/>
+          <a:p>
+            <a:endParaRPr lang="zh-CN" altLang="en-US"/>
+          </a:p>
+        </p:txBody>
+      </p:sp>
+    </p:spTree>
+  </p:cSld>
+  <p:clrMapOvr>
+    <a:masterClrMapping/>
+  </p:clrMapOvr>
+</p:notes>
+</file>
+
+<file path=ppt/notesSlides/notesSlide20.xml><?xml version="1.0" encoding="utf-8"?>
 <p:notes xmlns:a="http://schemas.openxmlformats.org/drawingml/2006/main" xmlns:r="http://schemas.openxmlformats.org/officeDocument/2006/relationships" xmlns:p="http://schemas.openxmlformats.org/presentationml/2006/main">
   <p:cSld>
     <p:spTree>
@@ -2158,6 +2274,7 @@
                 <a:latin typeface="Calibri" panose="020F0502020204030204" pitchFamily="34" charset="0"/>
                 <a:ea typeface="宋体" panose="02010600030101010101" pitchFamily="2" charset="-122"/>
               </a:rPr>
+              <a:t>20</a:t>
             </a:fld>
             <a:endParaRPr lang="zh-CN" altLang="en-US" sz="1200" dirty="0">
               <a:latin typeface="Calibri" panose="020F0502020204030204" pitchFamily="34" charset="0"/>
@@ -2174,63 +2291,7 @@
 </p:notes>
 </file>
 
-<file path=ppt/notesSlides/notesSlide2.xml><?xml version="1.0" encoding="utf-8"?>
-<p:notes xmlns:a="http://schemas.openxmlformats.org/drawingml/2006/main" xmlns:r="http://schemas.openxmlformats.org/officeDocument/2006/relationships" xmlns:p="http://schemas.openxmlformats.org/presentationml/2006/main">
-  <p:cSld>
-    <p:spTree>
-      <p:nvGrpSpPr>
-        <p:cNvPr id="1" name=""/>
-        <p:cNvGrpSpPr/>
-        <p:nvPr/>
-      </p:nvGrpSpPr>
-      <p:grpSpPr>
-        <a:xfrm>
-          <a:off x="0" y="0"/>
-          <a:ext cx="0" cy="0"/>
-          <a:chOff x="0" y="0"/>
-          <a:chExt cx="0" cy="0"/>
-        </a:xfrm>
-      </p:grpSpPr>
-      <p:sp>
-        <p:nvSpPr>
-          <p:cNvPr id="2" name="幻灯片图像占位符 1"/>
-          <p:cNvSpPr>
-            <a:spLocks noGrp="1" noRot="1" noChangeAspect="1"/>
-          </p:cNvSpPr>
-          <p:nvPr>
-            <p:ph type="sldImg"/>
-          </p:nvPr>
-        </p:nvSpPr>
-        <p:spPr/>
-      </p:sp>
-      <p:sp>
-        <p:nvSpPr>
-          <p:cNvPr id="3" name="备注占位符 2"/>
-          <p:cNvSpPr>
-            <a:spLocks noGrp="1"/>
-          </p:cNvSpPr>
-          <p:nvPr>
-            <p:ph type="body" idx="1"/>
-          </p:nvPr>
-        </p:nvSpPr>
-        <p:spPr/>
-        <p:txBody>
-          <a:bodyPr/>
-          <a:lstStyle/>
-          <a:p>
-            <a:endParaRPr lang="zh-CN" altLang="en-US"/>
-          </a:p>
-        </p:txBody>
-      </p:sp>
-    </p:spTree>
-  </p:cSld>
-  <p:clrMapOvr>
-    <a:masterClrMapping/>
-  </p:clrMapOvr>
-</p:notes>
-</file>
-
-<file path=ppt/notesSlides/notesSlide20.xml><?xml version="1.0" encoding="utf-8"?>
+<file path=ppt/notesSlides/notesSlide21.xml><?xml version="1.0" encoding="utf-8"?>
 <p:notes xmlns:a="http://schemas.openxmlformats.org/drawingml/2006/main" xmlns:r="http://schemas.openxmlformats.org/officeDocument/2006/relationships" xmlns:p="http://schemas.openxmlformats.org/presentationml/2006/main">
   <p:cSld>
     <p:spTree>
@@ -2330,6 +2391,7 @@
                 <a:latin typeface="Calibri" panose="020F0502020204030204" pitchFamily="34" charset="0"/>
                 <a:ea typeface="宋体" panose="02010600030101010101" pitchFamily="2" charset="-122"/>
               </a:rPr>
+              <a:t>21</a:t>
             </a:fld>
             <a:endParaRPr lang="zh-CN" altLang="en-US" sz="1200" dirty="0">
               <a:latin typeface="Calibri" panose="020F0502020204030204" pitchFamily="34" charset="0"/>
@@ -2346,7 +2408,7 @@
 </p:notes>
 </file>
 
-<file path=ppt/notesSlides/notesSlide21.xml><?xml version="1.0" encoding="utf-8"?>
+<file path=ppt/notesSlides/notesSlide22.xml><?xml version="1.0" encoding="utf-8"?>
 <p:notes xmlns:a="http://schemas.openxmlformats.org/drawingml/2006/main" xmlns:r="http://schemas.openxmlformats.org/officeDocument/2006/relationships" xmlns:p="http://schemas.openxmlformats.org/presentationml/2006/main">
   <p:cSld>
     <p:spTree>
@@ -2411,6 +2473,7 @@
           <a:p>
             <a:fld id="{D09BF7BD-8C5F-4F0C-83E1-4E200CF5A64B}" type="slidenum">
               <a:rPr lang="zh-CN" altLang="en-US" smtClean="0"/>
+              <a:t>22</a:t>
             </a:fld>
             <a:endParaRPr lang="zh-CN" altLang="en-US" dirty="0"/>
           </a:p>
@@ -2424,7 +2487,7 @@
 </p:notes>
 </file>
 
-<file path=ppt/notesSlides/notesSlide22.xml><?xml version="1.0" encoding="utf-8"?>
+<file path=ppt/notesSlides/notesSlide23.xml><?xml version="1.0" encoding="utf-8"?>
 <p:notes xmlns:a="http://schemas.openxmlformats.org/drawingml/2006/main" xmlns:r="http://schemas.openxmlformats.org/officeDocument/2006/relationships" xmlns:p="http://schemas.openxmlformats.org/presentationml/2006/main">
   <p:cSld>
     <p:spTree>
@@ -2524,6 +2587,7 @@
                 <a:latin typeface="Calibri" panose="020F0502020204030204" pitchFamily="34" charset="0"/>
                 <a:ea typeface="宋体" panose="02010600030101010101" pitchFamily="2" charset="-122"/>
               </a:rPr>
+              <a:t>23</a:t>
             </a:fld>
             <a:endParaRPr lang="zh-CN" altLang="en-US" sz="1200" dirty="0">
               <a:latin typeface="Calibri" panose="020F0502020204030204" pitchFamily="34" charset="0"/>
@@ -2640,6 +2704,7 @@
                 <a:latin typeface="Calibri" panose="020F0502020204030204" pitchFamily="34" charset="0"/>
                 <a:ea typeface="宋体" panose="02010600030101010101" pitchFamily="2" charset="-122"/>
               </a:rPr>
+              <a:t>3</a:t>
             </a:fld>
             <a:endParaRPr lang="zh-CN" altLang="en-US" sz="1200" dirty="0">
               <a:latin typeface="Calibri" panose="020F0502020204030204" pitchFamily="34" charset="0"/>
@@ -2756,6 +2821,7 @@
                 <a:latin typeface="Calibri" panose="020F0502020204030204" pitchFamily="34" charset="0"/>
                 <a:ea typeface="宋体" panose="02010600030101010101" pitchFamily="2" charset="-122"/>
               </a:rPr>
+              <a:t>4</a:t>
             </a:fld>
             <a:endParaRPr lang="zh-CN" altLang="en-US" sz="1200" dirty="0">
               <a:latin typeface="Calibri" panose="020F0502020204030204" pitchFamily="34" charset="0"/>
@@ -2872,6 +2938,7 @@
                 <a:latin typeface="Calibri" panose="020F0502020204030204" pitchFamily="34" charset="0"/>
                 <a:ea typeface="宋体" panose="02010600030101010101" pitchFamily="2" charset="-122"/>
               </a:rPr>
+              <a:t>5</a:t>
             </a:fld>
             <a:endParaRPr lang="zh-CN" altLang="en-US" sz="1200" dirty="0">
               <a:latin typeface="Calibri" panose="020F0502020204030204" pitchFamily="34" charset="0"/>
@@ -2988,6 +3055,7 @@
                 <a:latin typeface="Calibri" panose="020F0502020204030204" pitchFamily="34" charset="0"/>
                 <a:ea typeface="宋体" panose="02010600030101010101" pitchFamily="2" charset="-122"/>
               </a:rPr>
+              <a:t>6</a:t>
             </a:fld>
             <a:endParaRPr lang="zh-CN" altLang="en-US" sz="1200" dirty="0">
               <a:latin typeface="Calibri" panose="020F0502020204030204" pitchFamily="34" charset="0"/>
@@ -3104,6 +3172,7 @@
                 <a:latin typeface="Calibri" panose="020F0502020204030204" pitchFamily="34" charset="0"/>
                 <a:ea typeface="宋体" panose="02010600030101010101" pitchFamily="2" charset="-122"/>
               </a:rPr>
+              <a:t>7</a:t>
             </a:fld>
             <a:endParaRPr lang="zh-CN" altLang="en-US" sz="1200" dirty="0">
               <a:latin typeface="Calibri" panose="020F0502020204030204" pitchFamily="34" charset="0"/>
@@ -3220,6 +3289,7 @@
                 <a:latin typeface="Calibri" panose="020F0502020204030204" pitchFamily="34" charset="0"/>
                 <a:ea typeface="宋体" panose="02010600030101010101" pitchFamily="2" charset="-122"/>
               </a:rPr>
+              <a:t>8</a:t>
             </a:fld>
             <a:endParaRPr lang="zh-CN" altLang="en-US" sz="1200" dirty="0">
               <a:latin typeface="Calibri" panose="020F0502020204030204" pitchFamily="34" charset="0"/>
@@ -3336,6 +3406,7 @@
                 <a:latin typeface="Calibri" panose="020F0502020204030204" pitchFamily="34" charset="0"/>
                 <a:ea typeface="宋体" panose="02010600030101010101" pitchFamily="2" charset="-122"/>
               </a:rPr>
+              <a:t>9</a:t>
             </a:fld>
             <a:endParaRPr lang="zh-CN" altLang="en-US" sz="1200" dirty="0">
               <a:latin typeface="Calibri" panose="020F0502020204030204" pitchFamily="34" charset="0"/>
@@ -3353,7 +3424,7 @@
 </file>
 
 <file path=ppt/slideLayouts/slideLayout1.xml><?xml version="1.0" encoding="utf-8"?>
-<p:sldLayout xmlns:a="http://schemas.openxmlformats.org/drawingml/2006/main" xmlns:r="http://schemas.openxmlformats.org/officeDocument/2006/relationships" xmlns:p="http://schemas.openxmlformats.org/presentationml/2006/main" type="obj" preserve="1" showMasterSp="0">
+<p:sldLayout xmlns:a="http://schemas.openxmlformats.org/drawingml/2006/main" xmlns:r="http://schemas.openxmlformats.org/officeDocument/2006/relationships" xmlns:p="http://schemas.openxmlformats.org/presentationml/2006/main" showMasterSp="0" type="obj" preserve="1">
   <p:cSld name="标题和内容">
     <p:spTree>
       <p:nvGrpSpPr>
@@ -3412,7 +3483,6 @@
               <a:rPr lang="zh-CN" altLang="en-US"/>
               <a:t>单击此处编辑母版文本样式</a:t>
             </a:r>
-            <a:endParaRPr lang="zh-CN" altLang="en-US"/>
           </a:p>
           <a:p>
             <a:pPr lvl="1"/>
@@ -3420,7 +3490,6 @@
               <a:rPr lang="zh-CN" altLang="en-US"/>
               <a:t>第二级</a:t>
             </a:r>
-            <a:endParaRPr lang="zh-CN" altLang="en-US"/>
           </a:p>
           <a:p>
             <a:pPr lvl="2"/>
@@ -3428,7 +3497,6 @@
               <a:rPr lang="zh-CN" altLang="en-US"/>
               <a:t>第三级</a:t>
             </a:r>
-            <a:endParaRPr lang="zh-CN" altLang="en-US"/>
           </a:p>
           <a:p>
             <a:pPr lvl="3"/>
@@ -3436,7 +3504,6 @@
               <a:rPr lang="zh-CN" altLang="en-US"/>
               <a:t>第四级</a:t>
             </a:r>
-            <a:endParaRPr lang="zh-CN" altLang="en-US"/>
           </a:p>
           <a:p>
             <a:pPr lvl="4"/>
@@ -3596,6 +3663,7 @@
                 <a:ea typeface="+mn-ea"/>
                 <a:cs typeface="+mn-cs"/>
               </a:rPr>
+              <a:t>‹#›</a:t>
             </a:fld>
             <a:endParaRPr kumimoji="0" lang="zh-CN" altLang="en-US" sz="900" b="0" i="0" u="none" strike="noStrike" kern="1200" cap="none" spc="0" normalizeH="0" baseline="0" noProof="0">
               <a:ln>
@@ -3621,13 +3689,13 @@
   <p:clrMapOvr>
     <a:masterClrMapping/>
   </p:clrMapOvr>
-  <mc:AlternateContent xmlns:mc="http://schemas.openxmlformats.org/markup-compatibility/2006">
-    <mc:Choice xmlns:p14="http://schemas.microsoft.com/office/powerpoint/2010/main" Requires="p14">
+  <mc:AlternateContent xmlns:mc="http://schemas.openxmlformats.org/markup-compatibility/2006" xmlns:p14="http://schemas.microsoft.com/office/powerpoint/2010/main">
+    <mc:Choice Requires="p14">
       <p:transition spd="slow" p14:dur="1500" advClick="0" advTm="3000">
         <p:random/>
       </p:transition>
     </mc:Choice>
-    <mc:Fallback>
+    <mc:Fallback xmlns="">
       <p:transition spd="slow" advClick="0" advTm="3000">
         <p:random/>
       </p:transition>
@@ -3637,7 +3705,7 @@
 </file>
 
 <file path=ppt/slideLayouts/slideLayout2.xml><?xml version="1.0" encoding="utf-8"?>
-<p:sldLayout xmlns:a="http://schemas.openxmlformats.org/drawingml/2006/main" xmlns:r="http://schemas.openxmlformats.org/officeDocument/2006/relationships" xmlns:p="http://schemas.openxmlformats.org/presentationml/2006/main" preserve="1" showMasterSp="0" userDrawn="1">
+<p:sldLayout xmlns:a="http://schemas.openxmlformats.org/drawingml/2006/main" xmlns:r="http://schemas.openxmlformats.org/officeDocument/2006/relationships" xmlns:p="http://schemas.openxmlformats.org/presentationml/2006/main" showMasterSp="0" preserve="1" userDrawn="1">
   <p:cSld name="两栏内容">
     <p:spTree>
       <p:nvGrpSpPr>
@@ -3829,6 +3897,7 @@
                 <a:ea typeface="+mn-ea"/>
                 <a:cs typeface="+mn-cs"/>
               </a:rPr>
+              <a:t>‹#›</a:t>
             </a:fld>
             <a:endParaRPr kumimoji="0" lang="zh-CN" altLang="en-US" sz="900" b="0" i="0" u="none" strike="noStrike" kern="1200" cap="none" spc="0" normalizeH="0" baseline="0" noProof="0">
               <a:ln>
@@ -3854,13 +3923,13 @@
   <p:clrMapOvr>
     <a:masterClrMapping/>
   </p:clrMapOvr>
-  <mc:AlternateContent xmlns:mc="http://schemas.openxmlformats.org/markup-compatibility/2006">
-    <mc:Choice xmlns:p14="http://schemas.microsoft.com/office/powerpoint/2010/main" Requires="p14">
+  <mc:AlternateContent xmlns:mc="http://schemas.openxmlformats.org/markup-compatibility/2006" xmlns:p14="http://schemas.microsoft.com/office/powerpoint/2010/main">
+    <mc:Choice Requires="p14">
       <p:transition spd="slow" p14:dur="1500" advClick="0" advTm="3000">
         <p:random/>
       </p:transition>
     </mc:Choice>
-    <mc:Fallback>
+    <mc:Fallback xmlns="">
       <p:transition spd="slow" advClick="0" advTm="3000">
         <p:random/>
       </p:transition>
@@ -3870,7 +3939,7 @@
 </file>
 
 <file path=ppt/slideLayouts/slideLayout3.xml><?xml version="1.0" encoding="utf-8"?>
-<p:sldLayout xmlns:a="http://schemas.openxmlformats.org/drawingml/2006/main" xmlns:r="http://schemas.openxmlformats.org/officeDocument/2006/relationships" xmlns:p="http://schemas.openxmlformats.org/presentationml/2006/main" preserve="1" showMasterSp="0" userDrawn="1">
+<p:sldLayout xmlns:a="http://schemas.openxmlformats.org/drawingml/2006/main" xmlns:r="http://schemas.openxmlformats.org/officeDocument/2006/relationships" xmlns:p="http://schemas.openxmlformats.org/presentationml/2006/main" showMasterSp="0" preserve="1" userDrawn="1">
   <p:cSld name="比较">
     <p:spTree>
       <p:nvGrpSpPr>
@@ -4062,6 +4131,7 @@
                 <a:ea typeface="+mn-ea"/>
                 <a:cs typeface="+mn-cs"/>
               </a:rPr>
+              <a:t>‹#›</a:t>
             </a:fld>
             <a:endParaRPr kumimoji="0" lang="zh-CN" altLang="en-US" sz="900" b="0" i="0" u="none" strike="noStrike" kern="1200" cap="none" spc="0" normalizeH="0" baseline="0" noProof="0">
               <a:ln>
@@ -4087,13 +4157,13 @@
   <p:clrMapOvr>
     <a:masterClrMapping/>
   </p:clrMapOvr>
-  <mc:AlternateContent xmlns:mc="http://schemas.openxmlformats.org/markup-compatibility/2006">
-    <mc:Choice xmlns:p14="http://schemas.microsoft.com/office/powerpoint/2010/main" Requires="p14">
+  <mc:AlternateContent xmlns:mc="http://schemas.openxmlformats.org/markup-compatibility/2006" xmlns:p14="http://schemas.microsoft.com/office/powerpoint/2010/main">
+    <mc:Choice Requires="p14">
       <p:transition spd="slow" p14:dur="1500" advClick="0" advTm="3000">
         <p:random/>
       </p:transition>
     </mc:Choice>
-    <mc:Fallback>
+    <mc:Fallback xmlns="">
       <p:transition spd="slow" advClick="0" advTm="3000">
         <p:random/>
       </p:transition>
@@ -4195,7 +4265,6 @@
               <a:rPr lang="zh-CN" altLang="en-US" dirty="0"/>
               <a:t>单击此处编辑母版文本样式</a:t>
             </a:r>
-            <a:endParaRPr lang="zh-CN" altLang="en-US" dirty="0"/>
           </a:p>
           <a:p>
             <a:pPr lvl="1"/>
@@ -4203,7 +4272,6 @@
               <a:rPr lang="zh-CN" altLang="en-US" dirty="0"/>
               <a:t>第二级</a:t>
             </a:r>
-            <a:endParaRPr lang="zh-CN" altLang="en-US" dirty="0"/>
           </a:p>
           <a:p>
             <a:pPr lvl="2"/>
@@ -4211,7 +4279,6 @@
               <a:rPr lang="zh-CN" altLang="en-US" dirty="0"/>
               <a:t>第三级</a:t>
             </a:r>
-            <a:endParaRPr lang="zh-CN" altLang="en-US" dirty="0"/>
           </a:p>
           <a:p>
             <a:pPr lvl="3"/>
@@ -4219,7 +4286,6 @@
               <a:rPr lang="zh-CN" altLang="en-US" dirty="0"/>
               <a:t>第四级</a:t>
             </a:r>
-            <a:endParaRPr lang="zh-CN" altLang="en-US" dirty="0"/>
           </a:p>
           <a:p>
             <a:pPr lvl="4"/>
@@ -4457,6 +4523,7 @@
                 <a:ea typeface="+mn-ea"/>
                 <a:cs typeface="+mn-cs"/>
               </a:rPr>
+              <a:t>‹#›</a:t>
             </a:fld>
             <a:endParaRPr kumimoji="0" lang="zh-CN" altLang="en-US" sz="900" b="0" i="0" u="none" strike="noStrike" kern="1200" cap="none" spc="0" normalizeH="0" baseline="0" noProof="0">
               <a:ln>
@@ -4485,13 +4552,13 @@
     <p:sldLayoutId id="2147483650" r:id="rId2"/>
     <p:sldLayoutId id="2147483651" r:id="rId3"/>
   </p:sldLayoutIdLst>
-  <mc:AlternateContent xmlns:mc="http://schemas.openxmlformats.org/markup-compatibility/2006">
-    <mc:Choice xmlns:p14="http://schemas.microsoft.com/office/powerpoint/2010/main" Requires="p14">
+  <mc:AlternateContent xmlns:mc="http://schemas.openxmlformats.org/markup-compatibility/2006" xmlns:p14="http://schemas.microsoft.com/office/powerpoint/2010/main">
+    <mc:Choice Requires="p14">
       <p:transition spd="slow" p14:dur="1500" advClick="0" advTm="3000">
         <p:random/>
       </p:transition>
     </mc:Choice>
-    <mc:Fallback>
+    <mc:Fallback xmlns="">
       <p:transition spd="slow" advClick="0" advTm="3000">
         <p:random/>
       </p:transition>
@@ -5022,12 +5089,12 @@
           <p:nvPr/>
         </p:nvPicPr>
         <p:blipFill rotWithShape="1">
-          <a:blip r:embed="rId1" cstate="print">
+          <a:blip r:embed="rId3" cstate="print">
             <a:biLevel thresh="50000"/>
             <a:extLst>
               <a:ext uri="{BEBA8EAE-BF5A-486C-A8C5-ECC9F3942E4B}">
                 <a14:imgProps xmlns:a14="http://schemas.microsoft.com/office/drawing/2010/main">
-                  <a14:imgLayer r:embed="rId2">
+                  <a14:imgLayer r:embed="rId4">
                     <a14:imgEffect>
                       <a14:saturation sat="0"/>
                     </a14:imgEffect>
@@ -5220,12 +5287,6 @@
               </a:rPr>
               <a:t>答辩学生：</a:t>
             </a:r>
-            <a:endParaRPr lang="zh-CN" altLang="en-US" sz="1600" dirty="0">
-              <a:latin typeface="+mn-lt"/>
-              <a:ea typeface="+mn-ea"/>
-              <a:cs typeface="+mn-ea"/>
-              <a:sym typeface="+mn-lt"/>
-            </a:endParaRPr>
           </a:p>
         </p:txBody>
       </p:sp>
@@ -5267,12 +5328,6 @@
               </a:rPr>
               <a:t>指导老师：</a:t>
             </a:r>
-            <a:endParaRPr lang="zh-CN" altLang="en-US" sz="1600" dirty="0">
-              <a:latin typeface="+mn-lt"/>
-              <a:ea typeface="+mn-ea"/>
-              <a:cs typeface="+mn-ea"/>
-              <a:sym typeface="+mn-lt"/>
-            </a:endParaRPr>
           </a:p>
         </p:txBody>
       </p:sp>
@@ -5332,12 +5387,6 @@
               </a:rPr>
               <a:t>年</a:t>
             </a:r>
-            <a:endParaRPr lang="zh-CN" altLang="en-US" sz="1600" dirty="0">
-              <a:latin typeface="+mn-lt"/>
-              <a:ea typeface="+mn-ea"/>
-              <a:cs typeface="+mn-ea"/>
-              <a:sym typeface="+mn-lt"/>
-            </a:endParaRPr>
           </a:p>
         </p:txBody>
       </p:sp>
@@ -5489,13 +5538,13 @@
   <p:clrMapOvr>
     <a:masterClrMapping/>
   </p:clrMapOvr>
-  <mc:AlternateContent xmlns:mc="http://schemas.openxmlformats.org/markup-compatibility/2006">
-    <mc:Choice xmlns:p14="http://schemas.microsoft.com/office/powerpoint/2010/main" Requires="p14">
+  <mc:AlternateContent xmlns:mc="http://schemas.openxmlformats.org/markup-compatibility/2006" xmlns:p14="http://schemas.microsoft.com/office/powerpoint/2010/main">
+    <mc:Choice Requires="p14">
       <p:transition spd="slow" p14:dur="1500" advClick="0" advTm="3000">
         <p:random/>
       </p:transition>
     </mc:Choice>
-    <mc:Fallback>
+    <mc:Fallback xmlns="">
       <p:transition spd="slow" advClick="0" advTm="3000">
         <p:random/>
       </p:transition>
@@ -6782,12 +6831,6 @@
               </a:rPr>
               <a:t>单击添加标题</a:t>
             </a:r>
-            <a:endParaRPr lang="zh-CN" altLang="zh-CN" sz="1200" b="1" dirty="0">
-              <a:latin typeface="+mn-lt"/>
-              <a:ea typeface="+mn-ea"/>
-              <a:cs typeface="+mn-ea"/>
-              <a:sym typeface="+mn-lt"/>
-            </a:endParaRPr>
           </a:p>
           <a:p>
             <a:pPr eaLnBrk="1" hangingPunct="1">
@@ -6852,12 +6895,6 @@
               </a:rPr>
               <a:t>单击添加标题</a:t>
             </a:r>
-            <a:endParaRPr lang="zh-CN" altLang="zh-CN" sz="1200" b="1" dirty="0">
-              <a:latin typeface="+mn-lt"/>
-              <a:ea typeface="+mn-ea"/>
-              <a:cs typeface="+mn-ea"/>
-              <a:sym typeface="+mn-lt"/>
-            </a:endParaRPr>
           </a:p>
           <a:p>
             <a:pPr eaLnBrk="1" hangingPunct="1">
@@ -7995,17 +8032,6 @@
                 </a:rPr>
                 <a:t>关键技术</a:t>
               </a:r>
-              <a:endParaRPr lang="zh-CN" altLang="en-US" sz="2400" dirty="0">
-                <a:solidFill>
-                  <a:schemeClr val="accent6">
-                    <a:lumMod val="75000"/>
-                  </a:schemeClr>
-                </a:solidFill>
-                <a:latin typeface="+mn-lt"/>
-                <a:ea typeface="+mn-ea"/>
-                <a:cs typeface="+mn-ea"/>
-                <a:sym typeface="+mn-lt"/>
-              </a:endParaRPr>
             </a:p>
           </p:txBody>
         </p:sp>
@@ -8162,13 +8188,13 @@
   <p:clrMapOvr>
     <a:masterClrMapping/>
   </p:clrMapOvr>
-  <mc:AlternateContent xmlns:mc="http://schemas.openxmlformats.org/markup-compatibility/2006">
-    <mc:Choice xmlns:p14="http://schemas.microsoft.com/office/powerpoint/2010/main" Requires="p14">
+  <mc:AlternateContent xmlns:mc="http://schemas.openxmlformats.org/markup-compatibility/2006" xmlns:p14="http://schemas.microsoft.com/office/powerpoint/2010/main">
+    <mc:Choice Requires="p14">
       <p:transition spd="slow" p14:dur="1500" advClick="0" advTm="3000">
         <p:random/>
       </p:transition>
     </mc:Choice>
-    <mc:Fallback>
+    <mc:Fallback xmlns="">
       <p:transition spd="slow" advClick="0" advTm="3000">
         <p:random/>
       </p:transition>
@@ -9458,17 +9484,6 @@
                 </a:rPr>
                 <a:t>关键难点</a:t>
               </a:r>
-              <a:endParaRPr lang="zh-CN" altLang="en-US" sz="2400" dirty="0">
-                <a:solidFill>
-                  <a:schemeClr val="accent6">
-                    <a:lumMod val="75000"/>
-                  </a:schemeClr>
-                </a:solidFill>
-                <a:latin typeface="+mn-lt"/>
-                <a:ea typeface="+mn-ea"/>
-                <a:cs typeface="+mn-ea"/>
-                <a:sym typeface="+mn-lt"/>
-              </a:endParaRPr>
             </a:p>
           </p:txBody>
         </p:sp>
@@ -9679,13 +9694,13 @@
   <p:clrMapOvr>
     <a:masterClrMapping/>
   </p:clrMapOvr>
-  <mc:AlternateContent xmlns:mc="http://schemas.openxmlformats.org/markup-compatibility/2006">
-    <mc:Choice xmlns:p14="http://schemas.microsoft.com/office/powerpoint/2010/main" Requires="p14">
+  <mc:AlternateContent xmlns:mc="http://schemas.openxmlformats.org/markup-compatibility/2006" xmlns:p14="http://schemas.microsoft.com/office/powerpoint/2010/main">
+    <mc:Choice Requires="p14">
       <p:transition spd="slow" p14:dur="1500" advClick="0" advTm="3000">
         <p:random/>
       </p:transition>
     </mc:Choice>
-    <mc:Fallback>
+    <mc:Fallback xmlns="">
       <p:transition spd="slow" advClick="0" advTm="3000">
         <p:random/>
       </p:transition>
@@ -10295,15 +10310,6 @@
                 </a:rPr>
                 <a:t>添加标题一</a:t>
               </a:r>
-              <a:endParaRPr lang="zh-CN" altLang="en-US" sz="1800" b="1" dirty="0">
-                <a:solidFill>
-                  <a:srgbClr val="000000"/>
-                </a:solidFill>
-                <a:latin typeface="+mn-lt"/>
-                <a:ea typeface="+mn-ea"/>
-                <a:cs typeface="+mn-ea"/>
-                <a:sym typeface="+mn-lt"/>
-              </a:endParaRPr>
             </a:p>
           </p:txBody>
         </p:sp>
@@ -10405,21 +10411,6 @@
                 </a:rPr>
                 <a:t>添加标题二</a:t>
               </a:r>
-              <a:endParaRPr kumimoji="0" lang="zh-CN" altLang="en-US" sz="1800" b="1" i="0" u="none" strike="noStrike" kern="1200" cap="none" spc="0" normalizeH="0" baseline="0" noProof="0" dirty="0">
-                <a:ln>
-                  <a:noFill/>
-                </a:ln>
-                <a:solidFill>
-                  <a:sysClr val="windowText" lastClr="000000"/>
-                </a:solidFill>
-                <a:effectLst/>
-                <a:uLnTx/>
-                <a:uFillTx/>
-                <a:latin typeface="+mn-lt"/>
-                <a:ea typeface="+mn-ea"/>
-                <a:cs typeface="+mn-ea"/>
-                <a:sym typeface="+mn-lt"/>
-              </a:endParaRPr>
             </a:p>
           </p:txBody>
         </p:sp>
@@ -10790,15 +10781,6 @@
                 </a:rPr>
                 <a:t>万</a:t>
               </a:r>
-              <a:endParaRPr kumimoji="0" lang="zh-CN" altLang="en-US" sz="825" kern="1200" cap="none" spc="0" normalizeH="0" baseline="0" noProof="0" dirty="0">
-                <a:solidFill>
-                  <a:schemeClr val="bg1"/>
-                </a:solidFill>
-                <a:latin typeface="+mn-lt"/>
-                <a:ea typeface="+mn-ea"/>
-                <a:cs typeface="+mn-ea"/>
-                <a:sym typeface="+mn-lt"/>
-              </a:endParaRPr>
             </a:p>
           </p:txBody>
         </p:sp>
@@ -10873,15 +10855,6 @@
                 </a:rPr>
                 <a:t>万</a:t>
               </a:r>
-              <a:endParaRPr kumimoji="0" lang="zh-CN" altLang="en-US" sz="825" kern="1200" cap="none" spc="0" normalizeH="0" baseline="0" noProof="0" dirty="0">
-                <a:solidFill>
-                  <a:schemeClr val="bg1"/>
-                </a:solidFill>
-                <a:latin typeface="+mn-lt"/>
-                <a:ea typeface="+mn-ea"/>
-                <a:cs typeface="+mn-ea"/>
-                <a:sym typeface="+mn-lt"/>
-              </a:endParaRPr>
             </a:p>
           </p:txBody>
         </p:sp>
@@ -10956,15 +10929,6 @@
                 </a:rPr>
                 <a:t>万</a:t>
               </a:r>
-              <a:endParaRPr kumimoji="0" lang="zh-CN" altLang="en-US" sz="825" kern="1200" cap="none" spc="0" normalizeH="0" baseline="0" noProof="0" dirty="0">
-                <a:solidFill>
-                  <a:schemeClr val="bg1"/>
-                </a:solidFill>
-                <a:latin typeface="+mn-lt"/>
-                <a:ea typeface="+mn-ea"/>
-                <a:cs typeface="+mn-ea"/>
-                <a:sym typeface="+mn-lt"/>
-              </a:endParaRPr>
             </a:p>
           </p:txBody>
         </p:sp>
@@ -11114,15 +11078,6 @@
                 </a:rPr>
                 <a:t>万</a:t>
               </a:r>
-              <a:endParaRPr kumimoji="0" lang="zh-CN" altLang="en-US" sz="825" kern="1200" cap="none" spc="0" normalizeH="0" baseline="0" noProof="0" dirty="0">
-                <a:solidFill>
-                  <a:schemeClr val="bg1"/>
-                </a:solidFill>
-                <a:latin typeface="+mn-lt"/>
-                <a:ea typeface="+mn-ea"/>
-                <a:cs typeface="+mn-ea"/>
-                <a:sym typeface="+mn-lt"/>
-              </a:endParaRPr>
             </a:p>
           </p:txBody>
         </p:sp>
@@ -11504,15 +11459,6 @@
                 </a:rPr>
                 <a:t>万</a:t>
               </a:r>
-              <a:endParaRPr kumimoji="0" lang="zh-CN" altLang="en-US" sz="825" kern="1200" cap="none" spc="0" normalizeH="0" baseline="0" noProof="0" dirty="0">
-                <a:solidFill>
-                  <a:schemeClr val="bg1"/>
-                </a:solidFill>
-                <a:latin typeface="+mn-lt"/>
-                <a:ea typeface="+mn-ea"/>
-                <a:cs typeface="+mn-ea"/>
-                <a:sym typeface="+mn-lt"/>
-              </a:endParaRPr>
             </a:p>
           </p:txBody>
         </p:sp>
@@ -11587,15 +11533,6 @@
                 </a:rPr>
                 <a:t>万</a:t>
               </a:r>
-              <a:endParaRPr kumimoji="0" lang="zh-CN" altLang="en-US" sz="825" kern="1200" cap="none" spc="0" normalizeH="0" baseline="0" noProof="0" dirty="0">
-                <a:solidFill>
-                  <a:schemeClr val="bg1"/>
-                </a:solidFill>
-                <a:latin typeface="+mn-lt"/>
-                <a:ea typeface="+mn-ea"/>
-                <a:cs typeface="+mn-ea"/>
-                <a:sym typeface="+mn-lt"/>
-              </a:endParaRPr>
             </a:p>
           </p:txBody>
         </p:sp>
@@ -11670,15 +11607,6 @@
                 </a:rPr>
                 <a:t>万</a:t>
               </a:r>
-              <a:endParaRPr kumimoji="0" lang="zh-CN" altLang="en-US" sz="825" kern="1200" cap="none" spc="0" normalizeH="0" baseline="0" noProof="0" dirty="0">
-                <a:solidFill>
-                  <a:schemeClr val="bg1"/>
-                </a:solidFill>
-                <a:latin typeface="+mn-lt"/>
-                <a:ea typeface="+mn-ea"/>
-                <a:cs typeface="+mn-ea"/>
-                <a:sym typeface="+mn-lt"/>
-              </a:endParaRPr>
             </a:p>
           </p:txBody>
         </p:sp>
@@ -11753,15 +11681,6 @@
                 </a:rPr>
                 <a:t>万</a:t>
               </a:r>
-              <a:endParaRPr kumimoji="0" lang="zh-CN" altLang="en-US" sz="825" kern="1200" cap="none" spc="0" normalizeH="0" baseline="0" noProof="0" dirty="0">
-                <a:solidFill>
-                  <a:schemeClr val="bg1"/>
-                </a:solidFill>
-                <a:latin typeface="+mn-lt"/>
-                <a:ea typeface="+mn-ea"/>
-                <a:cs typeface="+mn-ea"/>
-                <a:sym typeface="+mn-lt"/>
-              </a:endParaRPr>
             </a:p>
           </p:txBody>
         </p:sp>
@@ -11825,17 +11744,6 @@
                 </a:rPr>
                 <a:t>案例对比分析</a:t>
               </a:r>
-              <a:endParaRPr lang="zh-CN" altLang="en-US" sz="2400" dirty="0">
-                <a:solidFill>
-                  <a:schemeClr val="accent6">
-                    <a:lumMod val="75000"/>
-                  </a:schemeClr>
-                </a:solidFill>
-                <a:latin typeface="+mn-lt"/>
-                <a:ea typeface="+mn-ea"/>
-                <a:cs typeface="+mn-ea"/>
-                <a:sym typeface="+mn-lt"/>
-              </a:endParaRPr>
             </a:p>
           </p:txBody>
         </p:sp>
@@ -12046,13 +11954,13 @@
   <p:clrMapOvr>
     <a:masterClrMapping/>
   </p:clrMapOvr>
-  <mc:AlternateContent xmlns:mc="http://schemas.openxmlformats.org/markup-compatibility/2006">
-    <mc:Choice xmlns:p14="http://schemas.microsoft.com/office/powerpoint/2010/main" Requires="p14">
+  <mc:AlternateContent xmlns:mc="http://schemas.openxmlformats.org/markup-compatibility/2006" xmlns:p14="http://schemas.microsoft.com/office/powerpoint/2010/main">
+    <mc:Choice Requires="p14">
       <p:transition spd="slow" p14:dur="1500" advClick="0" advTm="3000">
         <p:random/>
       </p:transition>
     </mc:Choice>
-    <mc:Fallback>
+    <mc:Fallback xmlns="">
       <p:transition spd="slow" advClick="0" advTm="3000">
         <p:random/>
       </p:transition>
@@ -12578,13 +12486,31 @@
                 <a:defRPr/>
               </a:pPr>
               <a:r>
-                <a:rPr lang="zh-CN" altLang="en-US" sz="5400" dirty="0">
+                <a:rPr lang="en-US" altLang="zh-CN" sz="5400" dirty="0">
                   <a:latin typeface="+mn-lt"/>
                   <a:ea typeface="+mn-ea"/>
                   <a:cs typeface="+mn-ea"/>
                   <a:sym typeface="+mn-lt"/>
                 </a:rPr>
-                <a:t>研究成果与应用</a:t>
+                <a:t>System E</a:t>
+              </a:r>
+              <a:r>
+                <a:rPr lang="en-US" altLang="zh-CN" sz="5400" dirty="0">
+                  <a:latin typeface="Abadi" panose="020F0502020204030204" pitchFamily="34" charset="0"/>
+                  <a:ea typeface="+mn-ea"/>
+                  <a:cs typeface="+mn-ea"/>
+                  <a:sym typeface="+mn-lt"/>
+                </a:rPr>
+                <a:t>x</a:t>
+              </a:r>
+              <a:r>
+                <a:rPr lang="en-US" altLang="zh-CN" sz="5400" dirty="0">
+                  <a:latin typeface="+mn-lt"/>
+                  <a:ea typeface="+mn-ea"/>
+                  <a:cs typeface="+mn-ea"/>
+                  <a:sym typeface="+mn-lt"/>
+                </a:rPr>
+                <a:t>planation</a:t>
               </a:r>
               <a:endParaRPr lang="zh-CN" altLang="en-US" sz="5400" dirty="0">
                 <a:latin typeface="+mn-lt"/>
@@ -12628,7 +12554,7 @@
                   <a:cs typeface="+mn-ea"/>
                   <a:sym typeface="+mn-lt"/>
                 </a:rPr>
-                <a:t>PART FOUR</a:t>
+                <a:t>PART THREE</a:t>
               </a:r>
               <a:endParaRPr lang="zh-CN" altLang="en-US" sz="4400" dirty="0">
                 <a:latin typeface="+mn-lt"/>
@@ -12807,13 +12733,13 @@
   <p:clrMapOvr>
     <a:masterClrMapping/>
   </p:clrMapOvr>
-  <mc:AlternateContent xmlns:mc="http://schemas.openxmlformats.org/markup-compatibility/2006">
-    <mc:Choice xmlns:p14="http://schemas.microsoft.com/office/powerpoint/2010/main" Requires="p14">
+  <mc:AlternateContent xmlns:mc="http://schemas.openxmlformats.org/markup-compatibility/2006" xmlns:p14="http://schemas.microsoft.com/office/powerpoint/2010/main">
+    <mc:Choice Requires="p14">
       <p:transition spd="slow" p14:dur="1500" advClick="0" advTm="3000">
         <p:random/>
       </p:transition>
     </mc:Choice>
-    <mc:Fallback>
+    <mc:Fallback xmlns="">
       <p:transition spd="slow" advClick="0" advTm="3000">
         <p:random/>
       </p:transition>
@@ -13010,12 +12936,6 @@
               </a:rPr>
               <a:t>您的内容打在这里，或者通过复制您的文本后</a:t>
             </a:r>
-            <a:endParaRPr kumimoji="0" lang="zh-CN" altLang="en-US" sz="1050" kern="1200" cap="none" spc="0" normalizeH="0" baseline="0" noProof="0" dirty="0">
-              <a:latin typeface="+mn-lt"/>
-              <a:ea typeface="+mn-ea"/>
-              <a:cs typeface="+mn-ea"/>
-              <a:sym typeface="+mn-lt"/>
-            </a:endParaRPr>
           </a:p>
         </p:txBody>
       </p:sp>
@@ -13066,12 +12986,6 @@
               </a:rPr>
               <a:t>您的内容打在这里，或者通过复制您的文本后</a:t>
             </a:r>
-            <a:endParaRPr kumimoji="0" lang="zh-CN" altLang="en-US" sz="1050" kern="1200" cap="none" spc="0" normalizeH="0" baseline="0" noProof="0" dirty="0">
-              <a:latin typeface="+mn-lt"/>
-              <a:ea typeface="+mn-ea"/>
-              <a:cs typeface="+mn-ea"/>
-              <a:sym typeface="+mn-lt"/>
-            </a:endParaRPr>
           </a:p>
         </p:txBody>
       </p:sp>
@@ -13122,12 +13036,6 @@
               </a:rPr>
               <a:t>您的内容打在这里，或者通过复制您的文本后</a:t>
             </a:r>
-            <a:endParaRPr kumimoji="0" lang="zh-CN" altLang="en-US" sz="1050" kern="1200" cap="none" spc="0" normalizeH="0" baseline="0" noProof="0" dirty="0">
-              <a:latin typeface="+mn-lt"/>
-              <a:ea typeface="+mn-ea"/>
-              <a:cs typeface="+mn-ea"/>
-              <a:sym typeface="+mn-lt"/>
-            </a:endParaRPr>
           </a:p>
         </p:txBody>
       </p:sp>
@@ -13178,12 +13086,6 @@
               </a:rPr>
               <a:t>您的内容打在这里，或者通过复制您的文本后</a:t>
             </a:r>
-            <a:endParaRPr kumimoji="0" lang="zh-CN" altLang="en-US" sz="1050" kern="1200" cap="none" spc="0" normalizeH="0" baseline="0" noProof="0" dirty="0">
-              <a:latin typeface="+mn-lt"/>
-              <a:ea typeface="+mn-ea"/>
-              <a:cs typeface="+mn-ea"/>
-              <a:sym typeface="+mn-lt"/>
-            </a:endParaRPr>
           </a:p>
         </p:txBody>
       </p:sp>
@@ -13234,12 +13136,6 @@
               </a:rPr>
               <a:t>您的内容打在这里，或者通过复制您的文本后，在此框中选择粘贴，并选择只保留文字。您的内容打在这里，或者通过复制您的文本后，在此框中选择粘贴，并选择只保留文字。您的内容打在这里，或者通过复制您的文本后，在此框中选择粘贴</a:t>
             </a:r>
-            <a:endParaRPr kumimoji="0" lang="zh-CN" altLang="en-US" sz="1050" kern="1200" cap="none" spc="0" normalizeH="0" baseline="0" noProof="0" dirty="0">
-              <a:latin typeface="+mn-lt"/>
-              <a:ea typeface="+mn-ea"/>
-              <a:cs typeface="+mn-ea"/>
-              <a:sym typeface="+mn-lt"/>
-            </a:endParaRPr>
           </a:p>
         </p:txBody>
       </p:sp>
@@ -13607,15 +13503,6 @@
                   </a:rPr>
                   <a:t>点击添加标题</a:t>
                 </a:r>
-                <a:endParaRPr kumimoji="0" lang="zh-CN" altLang="en-US" sz="1600" b="1" kern="1200" cap="none" spc="225" normalizeH="0" baseline="0" noProof="0" dirty="0">
-                  <a:solidFill>
-                    <a:schemeClr val="bg1"/>
-                  </a:solidFill>
-                  <a:latin typeface="+mn-lt"/>
-                  <a:ea typeface="+mn-ea"/>
-                  <a:cs typeface="+mn-ea"/>
-                  <a:sym typeface="+mn-lt"/>
-                </a:endParaRPr>
               </a:p>
             </p:txBody>
           </p:sp>
@@ -13731,15 +13618,6 @@
                 </a:rPr>
                 <a:t>点击添加标题</a:t>
               </a:r>
-              <a:endParaRPr lang="zh-CN" altLang="en-US" sz="1200" dirty="0">
-                <a:solidFill>
-                  <a:schemeClr val="bg1"/>
-                </a:solidFill>
-                <a:latin typeface="+mn-lt"/>
-                <a:ea typeface="+mn-ea"/>
-                <a:cs typeface="+mn-ea"/>
-                <a:sym typeface="+mn-lt"/>
-              </a:endParaRPr>
             </a:p>
           </p:txBody>
         </p:sp>
@@ -13854,15 +13732,6 @@
                 </a:rPr>
                 <a:t>点击添加标题</a:t>
               </a:r>
-              <a:endParaRPr lang="zh-CN" altLang="en-US" sz="1200" dirty="0">
-                <a:solidFill>
-                  <a:schemeClr val="bg1"/>
-                </a:solidFill>
-                <a:latin typeface="+mn-lt"/>
-                <a:ea typeface="+mn-ea"/>
-                <a:cs typeface="+mn-ea"/>
-                <a:sym typeface="+mn-lt"/>
-              </a:endParaRPr>
             </a:p>
           </p:txBody>
         </p:sp>
@@ -13977,15 +13846,6 @@
                 </a:rPr>
                 <a:t>点击添加标题</a:t>
               </a:r>
-              <a:endParaRPr lang="zh-CN" altLang="en-US" sz="1200" dirty="0">
-                <a:solidFill>
-                  <a:schemeClr val="bg1"/>
-                </a:solidFill>
-                <a:latin typeface="+mn-lt"/>
-                <a:ea typeface="+mn-ea"/>
-                <a:cs typeface="+mn-ea"/>
-                <a:sym typeface="+mn-lt"/>
-              </a:endParaRPr>
             </a:p>
           </p:txBody>
         </p:sp>
@@ -14100,15 +13960,6 @@
                 </a:rPr>
                 <a:t>点击添加标题</a:t>
               </a:r>
-              <a:endParaRPr lang="zh-CN" altLang="en-US" sz="1200" dirty="0">
-                <a:solidFill>
-                  <a:schemeClr val="bg1"/>
-                </a:solidFill>
-                <a:latin typeface="+mn-lt"/>
-                <a:ea typeface="+mn-ea"/>
-                <a:cs typeface="+mn-ea"/>
-                <a:sym typeface="+mn-lt"/>
-              </a:endParaRPr>
             </a:p>
           </p:txBody>
         </p:sp>
@@ -14122,9 +13973,9 @@
         <p:grpSpPr>
           <a:xfrm>
             <a:off x="-498530" y="1243"/>
-            <a:ext cx="3124499" cy="859534"/>
+            <a:ext cx="3762079" cy="859534"/>
             <a:chOff x="-498530" y="1243"/>
-            <a:chExt cx="3124499" cy="859534"/>
+            <a:chExt cx="3762079" cy="859534"/>
           </a:xfrm>
         </p:grpSpPr>
         <p:sp>
@@ -14136,7 +13987,7 @@
           <p:spPr>
             <a:xfrm>
               <a:off x="498529" y="105863"/>
-              <a:ext cx="2127440" cy="461963"/>
+              <a:ext cx="2765020" cy="461665"/>
             </a:xfrm>
             <a:prstGeom prst="rect">
               <a:avLst/>
@@ -14159,7 +14010,7 @@
                 <a:defRPr/>
               </a:pPr>
               <a:r>
-                <a:rPr lang="zh-CN" altLang="en-US" sz="2400" dirty="0">
+                <a:rPr lang="en-US" altLang="zh-CN" sz="2400" dirty="0">
                   <a:solidFill>
                     <a:schemeClr val="accent6">
                       <a:lumMod val="75000"/>
@@ -14170,7 +14021,7 @@
                   <a:cs typeface="+mn-ea"/>
                   <a:sym typeface="+mn-lt"/>
                 </a:rPr>
-                <a:t>研究目标</a:t>
+                <a:t> Function of EMG</a:t>
               </a:r>
               <a:endParaRPr lang="zh-CN" altLang="en-US" sz="2400" dirty="0">
                 <a:solidFill>
@@ -14249,7 +14100,7 @@
           <p:spPr>
             <a:xfrm>
               <a:off x="513914" y="506933"/>
-              <a:ext cx="1263487" cy="292388"/>
+              <a:ext cx="1643399" cy="307777"/>
             </a:xfrm>
             <a:prstGeom prst="rect">
               <a:avLst/>
@@ -14261,16 +14112,43 @@
             </a:bodyPr>
             <a:lstStyle/>
             <a:p>
+              <a:pPr eaLnBrk="1" fontAlgn="auto" hangingPunct="1">
+                <a:spcBef>
+                  <a:spcPts val="0"/>
+                </a:spcBef>
+                <a:spcAft>
+                  <a:spcPts val="0"/>
+                </a:spcAft>
+                <a:defRPr/>
+              </a:pPr>
               <a:r>
-                <a:rPr lang="en-US" altLang="zh-CN" dirty="0">
+                <a:rPr lang="en-US" altLang="zh-CN" sz="1400" dirty="0">
                   <a:latin typeface="+mn-lt"/>
                   <a:ea typeface="+mn-ea"/>
                   <a:cs typeface="+mn-ea"/>
                   <a:sym typeface="+mn-lt"/>
                 </a:rPr>
-                <a:t>Research Goals</a:t>
+                <a:t>System E</a:t>
               </a:r>
-              <a:endParaRPr lang="zh-CN" altLang="en-US" dirty="0">
+              <a:r>
+                <a:rPr lang="en-US" altLang="zh-CN" sz="1400" dirty="0">
+                  <a:latin typeface="Abadi" panose="020F0502020204030204" pitchFamily="34" charset="0"/>
+                  <a:ea typeface="+mn-ea"/>
+                  <a:cs typeface="+mn-ea"/>
+                  <a:sym typeface="+mn-lt"/>
+                </a:rPr>
+                <a:t>x</a:t>
+              </a:r>
+              <a:r>
+                <a:rPr lang="en-US" altLang="zh-CN" sz="1400" dirty="0">
+                  <a:latin typeface="+mn-lt"/>
+                  <a:ea typeface="+mn-ea"/>
+                  <a:cs typeface="+mn-ea"/>
+                  <a:sym typeface="+mn-lt"/>
+                </a:rPr>
+                <a:t>planation</a:t>
+              </a:r>
+              <a:endParaRPr lang="zh-CN" altLang="en-US" sz="1400" dirty="0">
                 <a:latin typeface="+mn-lt"/>
                 <a:ea typeface="+mn-ea"/>
                 <a:cs typeface="+mn-ea"/>
@@ -14339,13 +14217,13 @@
   <p:clrMapOvr>
     <a:masterClrMapping/>
   </p:clrMapOvr>
-  <mc:AlternateContent xmlns:mc="http://schemas.openxmlformats.org/markup-compatibility/2006">
-    <mc:Choice xmlns:p14="http://schemas.microsoft.com/office/powerpoint/2010/main" Requires="p14">
+  <mc:AlternateContent xmlns:mc="http://schemas.openxmlformats.org/markup-compatibility/2006" xmlns:p14="http://schemas.microsoft.com/office/powerpoint/2010/main">
+    <mc:Choice Requires="p14">
       <p:transition spd="slow" p14:dur="1500" advClick="0" advTm="3000">
         <p:random/>
       </p:transition>
     </mc:Choice>
-    <mc:Fallback>
+    <mc:Fallback xmlns="">
       <p:transition spd="slow" advClick="0" advTm="3000">
         <p:random/>
       </p:transition>
@@ -14809,6 +14687,1771 @@
           <a:chExt cx="0" cy="0"/>
         </a:xfrm>
       </p:grpSpPr>
+      <p:sp>
+        <p:nvSpPr>
+          <p:cNvPr id="51" name="TextBox 29"/>
+          <p:cNvSpPr txBox="1"/>
+          <p:nvPr/>
+        </p:nvSpPr>
+        <p:spPr>
+          <a:xfrm>
+            <a:off x="682625" y="3187700"/>
+            <a:ext cx="1893888" cy="548548"/>
+          </a:xfrm>
+          <a:prstGeom prst="rect">
+            <a:avLst/>
+          </a:prstGeom>
+          <a:noFill/>
+        </p:spPr>
+        <p:txBody>
+          <a:bodyPr>
+            <a:spAutoFit/>
+          </a:bodyPr>
+          <a:lstStyle/>
+          <a:p>
+            <a:pPr marR="0" algn="ctr" defTabSz="685800" eaLnBrk="1" fontAlgn="auto" hangingPunct="1">
+              <a:lnSpc>
+                <a:spcPct val="150000"/>
+              </a:lnSpc>
+              <a:spcBef>
+                <a:spcPts val="0"/>
+              </a:spcBef>
+              <a:spcAft>
+                <a:spcPts val="0"/>
+              </a:spcAft>
+              <a:buClrTx/>
+              <a:buSzTx/>
+              <a:buFontTx/>
+              <a:buNone/>
+              <a:defRPr/>
+            </a:pPr>
+            <a:r>
+              <a:rPr kumimoji="0" lang="zh-CN" altLang="en-US" sz="1050" kern="1200" cap="none" spc="0" normalizeH="0" baseline="0" noProof="0" dirty="0">
+                <a:latin typeface="+mn-lt"/>
+                <a:ea typeface="+mn-ea"/>
+                <a:cs typeface="+mn-ea"/>
+                <a:sym typeface="+mn-lt"/>
+              </a:rPr>
+              <a:t>您的内容打在这里，或者通过复制您的文本后</a:t>
+            </a:r>
+          </a:p>
+        </p:txBody>
+      </p:sp>
+      <p:sp>
+        <p:nvSpPr>
+          <p:cNvPr id="52" name="TextBox 30"/>
+          <p:cNvSpPr txBox="1"/>
+          <p:nvPr/>
+        </p:nvSpPr>
+        <p:spPr>
+          <a:xfrm>
+            <a:off x="2576513" y="3187700"/>
+            <a:ext cx="1893888" cy="548548"/>
+          </a:xfrm>
+          <a:prstGeom prst="rect">
+            <a:avLst/>
+          </a:prstGeom>
+          <a:noFill/>
+        </p:spPr>
+        <p:txBody>
+          <a:bodyPr>
+            <a:spAutoFit/>
+          </a:bodyPr>
+          <a:lstStyle/>
+          <a:p>
+            <a:pPr marR="0" algn="ctr" defTabSz="685800" eaLnBrk="1" fontAlgn="auto" hangingPunct="1">
+              <a:lnSpc>
+                <a:spcPct val="150000"/>
+              </a:lnSpc>
+              <a:spcBef>
+                <a:spcPts val="0"/>
+              </a:spcBef>
+              <a:spcAft>
+                <a:spcPts val="0"/>
+              </a:spcAft>
+              <a:buClrTx/>
+              <a:buSzTx/>
+              <a:buFontTx/>
+              <a:buNone/>
+              <a:defRPr/>
+            </a:pPr>
+            <a:r>
+              <a:rPr kumimoji="0" lang="zh-CN" altLang="en-US" sz="1050" kern="1200" cap="none" spc="0" normalizeH="0" baseline="0" noProof="0" dirty="0">
+                <a:latin typeface="+mn-lt"/>
+                <a:ea typeface="+mn-ea"/>
+                <a:cs typeface="+mn-ea"/>
+                <a:sym typeface="+mn-lt"/>
+              </a:rPr>
+              <a:t>您的内容打在这里，或者通过复制您的文本后</a:t>
+            </a:r>
+          </a:p>
+        </p:txBody>
+      </p:sp>
+      <p:sp>
+        <p:nvSpPr>
+          <p:cNvPr id="53" name="TextBox 31"/>
+          <p:cNvSpPr txBox="1"/>
+          <p:nvPr/>
+        </p:nvSpPr>
+        <p:spPr>
+          <a:xfrm>
+            <a:off x="4538663" y="3187700"/>
+            <a:ext cx="1893888" cy="548548"/>
+          </a:xfrm>
+          <a:prstGeom prst="rect">
+            <a:avLst/>
+          </a:prstGeom>
+          <a:noFill/>
+        </p:spPr>
+        <p:txBody>
+          <a:bodyPr>
+            <a:spAutoFit/>
+          </a:bodyPr>
+          <a:lstStyle/>
+          <a:p>
+            <a:pPr marR="0" algn="ctr" defTabSz="685800" eaLnBrk="1" fontAlgn="auto" hangingPunct="1">
+              <a:lnSpc>
+                <a:spcPct val="150000"/>
+              </a:lnSpc>
+              <a:spcBef>
+                <a:spcPts val="0"/>
+              </a:spcBef>
+              <a:spcAft>
+                <a:spcPts val="0"/>
+              </a:spcAft>
+              <a:buClrTx/>
+              <a:buSzTx/>
+              <a:buFontTx/>
+              <a:buNone/>
+              <a:defRPr/>
+            </a:pPr>
+            <a:r>
+              <a:rPr kumimoji="0" lang="zh-CN" altLang="en-US" sz="1050" kern="1200" cap="none" spc="0" normalizeH="0" baseline="0" noProof="0" dirty="0">
+                <a:latin typeface="+mn-lt"/>
+                <a:ea typeface="+mn-ea"/>
+                <a:cs typeface="+mn-ea"/>
+                <a:sym typeface="+mn-lt"/>
+              </a:rPr>
+              <a:t>您的内容打在这里，或者通过复制您的文本后</a:t>
+            </a:r>
+          </a:p>
+        </p:txBody>
+      </p:sp>
+      <p:sp>
+        <p:nvSpPr>
+          <p:cNvPr id="54" name="TextBox 32"/>
+          <p:cNvSpPr txBox="1"/>
+          <p:nvPr/>
+        </p:nvSpPr>
+        <p:spPr>
+          <a:xfrm>
+            <a:off x="6567488" y="3187700"/>
+            <a:ext cx="1893888" cy="548548"/>
+          </a:xfrm>
+          <a:prstGeom prst="rect">
+            <a:avLst/>
+          </a:prstGeom>
+          <a:noFill/>
+        </p:spPr>
+        <p:txBody>
+          <a:bodyPr>
+            <a:spAutoFit/>
+          </a:bodyPr>
+          <a:lstStyle/>
+          <a:p>
+            <a:pPr marR="0" algn="ctr" defTabSz="685800" eaLnBrk="1" fontAlgn="auto" hangingPunct="1">
+              <a:lnSpc>
+                <a:spcPct val="150000"/>
+              </a:lnSpc>
+              <a:spcBef>
+                <a:spcPts val="0"/>
+              </a:spcBef>
+              <a:spcAft>
+                <a:spcPts val="0"/>
+              </a:spcAft>
+              <a:buClrTx/>
+              <a:buSzTx/>
+              <a:buFontTx/>
+              <a:buNone/>
+              <a:defRPr/>
+            </a:pPr>
+            <a:r>
+              <a:rPr kumimoji="0" lang="zh-CN" altLang="en-US" sz="1050" kern="1200" cap="none" spc="0" normalizeH="0" baseline="0" noProof="0" dirty="0">
+                <a:latin typeface="+mn-lt"/>
+                <a:ea typeface="+mn-ea"/>
+                <a:cs typeface="+mn-ea"/>
+                <a:sym typeface="+mn-lt"/>
+              </a:rPr>
+              <a:t>您的内容打在这里，或者通过复制您的文本后</a:t>
+            </a:r>
+          </a:p>
+        </p:txBody>
+      </p:sp>
+      <p:sp>
+        <p:nvSpPr>
+          <p:cNvPr id="56" name="TextBox 34"/>
+          <p:cNvSpPr txBox="1"/>
+          <p:nvPr/>
+        </p:nvSpPr>
+        <p:spPr>
+          <a:xfrm>
+            <a:off x="750888" y="4105275"/>
+            <a:ext cx="7710488" cy="547688"/>
+          </a:xfrm>
+          <a:prstGeom prst="rect">
+            <a:avLst/>
+          </a:prstGeom>
+          <a:noFill/>
+        </p:spPr>
+        <p:txBody>
+          <a:bodyPr>
+            <a:spAutoFit/>
+          </a:bodyPr>
+          <a:lstStyle/>
+          <a:p>
+            <a:pPr marR="0" algn="ctr" defTabSz="685800" eaLnBrk="1" fontAlgn="auto" hangingPunct="1">
+              <a:lnSpc>
+                <a:spcPct val="150000"/>
+              </a:lnSpc>
+              <a:spcBef>
+                <a:spcPts val="0"/>
+              </a:spcBef>
+              <a:spcAft>
+                <a:spcPts val="0"/>
+              </a:spcAft>
+              <a:buClrTx/>
+              <a:buSzTx/>
+              <a:buFontTx/>
+              <a:buNone/>
+              <a:defRPr/>
+            </a:pPr>
+            <a:r>
+              <a:rPr kumimoji="0" lang="zh-CN" altLang="en-US" sz="1050" kern="1200" cap="none" spc="0" normalizeH="0" baseline="0" noProof="0" dirty="0">
+                <a:latin typeface="+mn-lt"/>
+                <a:ea typeface="+mn-ea"/>
+                <a:cs typeface="+mn-ea"/>
+                <a:sym typeface="+mn-lt"/>
+              </a:rPr>
+              <a:t>您的内容打在这里，或者通过复制您的文本后，在此框中选择粘贴，并选择只保留文字。您的内容打在这里，或者通过复制您的文本后，在此框中选择粘贴，并选择只保留文字。您的内容打在这里，或者通过复制您的文本后，在此框中选择粘贴</a:t>
+            </a:r>
+          </a:p>
+        </p:txBody>
+      </p:sp>
+      <p:grpSp>
+        <p:nvGrpSpPr>
+          <p:cNvPr id="73" name="组合 72"/>
+          <p:cNvGrpSpPr/>
+          <p:nvPr/>
+        </p:nvGrpSpPr>
+        <p:grpSpPr>
+          <a:xfrm>
+            <a:off x="750888" y="966788"/>
+            <a:ext cx="7642225" cy="2165350"/>
+            <a:chOff x="751008" y="967406"/>
+            <a:chExt cx="7641986" cy="2164103"/>
+          </a:xfrm>
+        </p:grpSpPr>
+        <p:grpSp>
+          <p:nvGrpSpPr>
+            <p:cNvPr id="44044" name="组合 71"/>
+            <p:cNvGrpSpPr/>
+            <p:nvPr/>
+          </p:nvGrpSpPr>
+          <p:grpSpPr>
+            <a:xfrm>
+              <a:off x="1690501" y="967406"/>
+              <a:ext cx="5665736" cy="1623077"/>
+              <a:chOff x="1690501" y="967406"/>
+              <a:chExt cx="5665736" cy="1623077"/>
+            </a:xfrm>
+          </p:grpSpPr>
+          <p:cxnSp>
+            <p:nvCxnSpPr>
+              <p:cNvPr id="45" name="直接连接符 44"/>
+              <p:cNvCxnSpPr/>
+              <p:nvPr/>
+            </p:nvCxnSpPr>
+            <p:spPr>
+              <a:xfrm>
+                <a:off x="1690779" y="1981234"/>
+                <a:ext cx="5665610" cy="0"/>
+              </a:xfrm>
+              <a:prstGeom prst="line">
+                <a:avLst/>
+              </a:prstGeom>
+              <a:ln>
+                <a:solidFill>
+                  <a:schemeClr val="tx1"/>
+                </a:solidFill>
+              </a:ln>
+            </p:spPr>
+            <p:style>
+              <a:lnRef idx="1">
+                <a:schemeClr val="accent1"/>
+              </a:lnRef>
+              <a:fillRef idx="0">
+                <a:schemeClr val="accent1"/>
+              </a:fillRef>
+              <a:effectRef idx="0">
+                <a:schemeClr val="accent1"/>
+              </a:effectRef>
+              <a:fontRef idx="minor">
+                <a:schemeClr val="tx1"/>
+              </a:fontRef>
+            </p:style>
+          </p:cxnSp>
+          <p:cxnSp>
+            <p:nvCxnSpPr>
+              <p:cNvPr id="46" name="直接箭头连接符 45"/>
+              <p:cNvCxnSpPr/>
+              <p:nvPr/>
+            </p:nvCxnSpPr>
+            <p:spPr>
+              <a:xfrm>
+                <a:off x="1690779" y="1981234"/>
+                <a:ext cx="0" cy="609249"/>
+              </a:xfrm>
+              <a:prstGeom prst="straightConnector1">
+                <a:avLst/>
+              </a:prstGeom>
+              <a:ln>
+                <a:solidFill>
+                  <a:schemeClr val="tx1"/>
+                </a:solidFill>
+                <a:tailEnd type="arrow"/>
+              </a:ln>
+            </p:spPr>
+            <p:style>
+              <a:lnRef idx="1">
+                <a:schemeClr val="accent1"/>
+              </a:lnRef>
+              <a:fillRef idx="0">
+                <a:schemeClr val="accent1"/>
+              </a:fillRef>
+              <a:effectRef idx="0">
+                <a:schemeClr val="accent1"/>
+              </a:effectRef>
+              <a:fontRef idx="minor">
+                <a:schemeClr val="tx1"/>
+              </a:fontRef>
+            </p:style>
+          </p:cxnSp>
+          <p:cxnSp>
+            <p:nvCxnSpPr>
+              <p:cNvPr id="47" name="直接箭头连接符 46"/>
+              <p:cNvCxnSpPr/>
+              <p:nvPr/>
+            </p:nvCxnSpPr>
+            <p:spPr>
+              <a:xfrm>
+                <a:off x="3598894" y="1981234"/>
+                <a:ext cx="0" cy="609249"/>
+              </a:xfrm>
+              <a:prstGeom prst="straightConnector1">
+                <a:avLst/>
+              </a:prstGeom>
+              <a:ln>
+                <a:solidFill>
+                  <a:schemeClr val="tx1"/>
+                </a:solidFill>
+                <a:tailEnd type="arrow"/>
+              </a:ln>
+            </p:spPr>
+            <p:style>
+              <a:lnRef idx="1">
+                <a:schemeClr val="accent1"/>
+              </a:lnRef>
+              <a:fillRef idx="0">
+                <a:schemeClr val="accent1"/>
+              </a:fillRef>
+              <a:effectRef idx="0">
+                <a:schemeClr val="accent1"/>
+              </a:effectRef>
+              <a:fontRef idx="minor">
+                <a:schemeClr val="tx1"/>
+              </a:fontRef>
+            </p:style>
+          </p:cxnSp>
+          <p:cxnSp>
+            <p:nvCxnSpPr>
+              <p:cNvPr id="48" name="直接箭头连接符 47"/>
+              <p:cNvCxnSpPr/>
+              <p:nvPr/>
+            </p:nvCxnSpPr>
+            <p:spPr>
+              <a:xfrm>
+                <a:off x="5583207" y="1981234"/>
+                <a:ext cx="0" cy="609249"/>
+              </a:xfrm>
+              <a:prstGeom prst="straightConnector1">
+                <a:avLst/>
+              </a:prstGeom>
+              <a:ln>
+                <a:solidFill>
+                  <a:schemeClr val="tx1"/>
+                </a:solidFill>
+                <a:tailEnd type="arrow"/>
+              </a:ln>
+            </p:spPr>
+            <p:style>
+              <a:lnRef idx="1">
+                <a:schemeClr val="accent1"/>
+              </a:lnRef>
+              <a:fillRef idx="0">
+                <a:schemeClr val="accent1"/>
+              </a:fillRef>
+              <a:effectRef idx="0">
+                <a:schemeClr val="accent1"/>
+              </a:effectRef>
+              <a:fontRef idx="minor">
+                <a:schemeClr val="tx1"/>
+              </a:fontRef>
+            </p:style>
+          </p:cxnSp>
+          <p:cxnSp>
+            <p:nvCxnSpPr>
+              <p:cNvPr id="49" name="直接箭头连接符 48"/>
+              <p:cNvCxnSpPr/>
+              <p:nvPr/>
+            </p:nvCxnSpPr>
+            <p:spPr>
+              <a:xfrm>
+                <a:off x="7354802" y="1981234"/>
+                <a:ext cx="0" cy="609249"/>
+              </a:xfrm>
+              <a:prstGeom prst="straightConnector1">
+                <a:avLst/>
+              </a:prstGeom>
+              <a:ln>
+                <a:solidFill>
+                  <a:schemeClr val="tx1"/>
+                </a:solidFill>
+                <a:tailEnd type="arrow"/>
+              </a:ln>
+            </p:spPr>
+            <p:style>
+              <a:lnRef idx="1">
+                <a:schemeClr val="accent1"/>
+              </a:lnRef>
+              <a:fillRef idx="0">
+                <a:schemeClr val="accent1"/>
+              </a:fillRef>
+              <a:effectRef idx="0">
+                <a:schemeClr val="accent1"/>
+              </a:effectRef>
+              <a:fontRef idx="minor">
+                <a:schemeClr val="tx1"/>
+              </a:fontRef>
+            </p:style>
+          </p:cxnSp>
+          <p:cxnSp>
+            <p:nvCxnSpPr>
+              <p:cNvPr id="50" name="直接连接符 49"/>
+              <p:cNvCxnSpPr/>
+              <p:nvPr/>
+            </p:nvCxnSpPr>
+            <p:spPr>
+              <a:xfrm flipH="1">
+                <a:off x="4583114" y="1508431"/>
+                <a:ext cx="0" cy="472803"/>
+              </a:xfrm>
+              <a:prstGeom prst="line">
+                <a:avLst/>
+              </a:prstGeom>
+              <a:ln>
+                <a:solidFill>
+                  <a:srgbClr val="00508A"/>
+                </a:solidFill>
+              </a:ln>
+            </p:spPr>
+            <p:style>
+              <a:lnRef idx="1">
+                <a:schemeClr val="accent1"/>
+              </a:lnRef>
+              <a:fillRef idx="0">
+                <a:schemeClr val="accent1"/>
+              </a:fillRef>
+              <a:effectRef idx="0">
+                <a:schemeClr val="accent1"/>
+              </a:effectRef>
+              <a:fontRef idx="minor">
+                <a:schemeClr val="tx1"/>
+              </a:fontRef>
+            </p:style>
+          </p:cxnSp>
+          <p:sp>
+            <p:nvSpPr>
+              <p:cNvPr id="58" name="矩形 57"/>
+              <p:cNvSpPr/>
+              <p:nvPr/>
+            </p:nvSpPr>
+            <p:spPr>
+              <a:xfrm>
+                <a:off x="3483010" y="967406"/>
+                <a:ext cx="2177982" cy="541025"/>
+              </a:xfrm>
+              <a:prstGeom prst="rect">
+                <a:avLst/>
+              </a:prstGeom>
+              <a:solidFill>
+                <a:schemeClr val="accent6">
+                  <a:lumMod val="75000"/>
+                </a:schemeClr>
+              </a:solidFill>
+              <a:ln>
+                <a:noFill/>
+              </a:ln>
+            </p:spPr>
+            <p:style>
+              <a:lnRef idx="2">
+                <a:schemeClr val="accent1">
+                  <a:shade val="50000"/>
+                </a:schemeClr>
+              </a:lnRef>
+              <a:fillRef idx="1">
+                <a:schemeClr val="accent1"/>
+              </a:fillRef>
+              <a:effectRef idx="0">
+                <a:schemeClr val="accent1"/>
+              </a:effectRef>
+              <a:fontRef idx="minor">
+                <a:schemeClr val="lt1"/>
+              </a:fontRef>
+            </p:style>
+            <p:txBody>
+              <a:bodyPr anchor="ctr"/>
+              <a:lstStyle/>
+              <a:p>
+                <a:pPr marL="0" marR="0" lvl="0" indent="0" algn="ctr" defTabSz="685800" rtl="0" eaLnBrk="1" fontAlgn="auto" latinLnBrk="0" hangingPunct="1">
+                  <a:lnSpc>
+                    <a:spcPct val="100000"/>
+                  </a:lnSpc>
+                  <a:spcBef>
+                    <a:spcPts val="0"/>
+                  </a:spcBef>
+                  <a:spcAft>
+                    <a:spcPts val="0"/>
+                  </a:spcAft>
+                  <a:buClrTx/>
+                  <a:buSzTx/>
+                  <a:buFontTx/>
+                  <a:buNone/>
+                  <a:defRPr/>
+                </a:pPr>
+                <a:endParaRPr kumimoji="0" lang="zh-CN" altLang="en-US" sz="1015" b="0" i="0" u="none" strike="noStrike" kern="1200" cap="none" spc="0" normalizeH="0" baseline="0" noProof="0">
+                  <a:ln>
+                    <a:noFill/>
+                  </a:ln>
+                  <a:solidFill>
+                    <a:schemeClr val="bg1"/>
+                  </a:solidFill>
+                  <a:effectLst/>
+                  <a:uLnTx/>
+                  <a:uFillTx/>
+                  <a:cs typeface="+mn-ea"/>
+                  <a:sym typeface="+mn-lt"/>
+                </a:endParaRPr>
+              </a:p>
+            </p:txBody>
+          </p:sp>
+          <p:sp>
+            <p:nvSpPr>
+              <p:cNvPr id="59" name="TextBox 35"/>
+              <p:cNvSpPr txBox="1"/>
+              <p:nvPr/>
+            </p:nvSpPr>
+            <p:spPr>
+              <a:xfrm>
+                <a:off x="3768751" y="1087987"/>
+                <a:ext cx="1589038" cy="337942"/>
+              </a:xfrm>
+              <a:prstGeom prst="rect">
+                <a:avLst/>
+              </a:prstGeom>
+              <a:noFill/>
+            </p:spPr>
+            <p:txBody>
+              <a:bodyPr wrap="none">
+                <a:spAutoFit/>
+              </a:bodyPr>
+              <a:lstStyle/>
+              <a:p>
+                <a:pPr marR="0" algn="ctr" defTabSz="685800" eaLnBrk="1" fontAlgn="auto" hangingPunct="1">
+                  <a:spcBef>
+                    <a:spcPts val="0"/>
+                  </a:spcBef>
+                  <a:spcAft>
+                    <a:spcPts val="0"/>
+                  </a:spcAft>
+                  <a:buClrTx/>
+                  <a:buSzTx/>
+                  <a:buFontTx/>
+                  <a:buNone/>
+                  <a:defRPr/>
+                </a:pPr>
+                <a:r>
+                  <a:rPr kumimoji="0" lang="zh-CN" altLang="en-US" sz="1600" b="1" kern="1200" cap="none" spc="225" normalizeH="0" baseline="0" noProof="0" dirty="0">
+                    <a:solidFill>
+                      <a:schemeClr val="bg1"/>
+                    </a:solidFill>
+                    <a:latin typeface="+mn-lt"/>
+                    <a:ea typeface="+mn-ea"/>
+                    <a:cs typeface="+mn-ea"/>
+                    <a:sym typeface="+mn-lt"/>
+                  </a:rPr>
+                  <a:t>点击添加标题</a:t>
+                </a:r>
+              </a:p>
+            </p:txBody>
+          </p:sp>
+        </p:grpSp>
+        <p:sp>
+          <p:nvSpPr>
+            <p:cNvPr id="61" name="矩形 60"/>
+            <p:cNvSpPr/>
+            <p:nvPr/>
+          </p:nvSpPr>
+          <p:spPr>
+            <a:xfrm>
+              <a:off x="751008" y="2590483"/>
+              <a:ext cx="1789056" cy="541026"/>
+            </a:xfrm>
+            <a:prstGeom prst="rect">
+              <a:avLst/>
+            </a:prstGeom>
+            <a:solidFill>
+              <a:schemeClr val="accent6"/>
+            </a:solidFill>
+            <a:ln>
+              <a:noFill/>
+            </a:ln>
+          </p:spPr>
+          <p:style>
+            <a:lnRef idx="2">
+              <a:schemeClr val="accent1">
+                <a:shade val="50000"/>
+              </a:schemeClr>
+            </a:lnRef>
+            <a:fillRef idx="1">
+              <a:schemeClr val="accent1"/>
+            </a:fillRef>
+            <a:effectRef idx="0">
+              <a:schemeClr val="accent1"/>
+            </a:effectRef>
+            <a:fontRef idx="minor">
+              <a:schemeClr val="lt1"/>
+            </a:fontRef>
+          </p:style>
+          <p:txBody>
+            <a:bodyPr anchor="ctr"/>
+            <a:lstStyle/>
+            <a:p>
+              <a:pPr marL="0" marR="0" lvl="0" indent="0" algn="ctr" defTabSz="685800" rtl="0" eaLnBrk="1" fontAlgn="auto" latinLnBrk="0" hangingPunct="1">
+                <a:lnSpc>
+                  <a:spcPct val="100000"/>
+                </a:lnSpc>
+                <a:spcBef>
+                  <a:spcPts val="0"/>
+                </a:spcBef>
+                <a:spcAft>
+                  <a:spcPts val="0"/>
+                </a:spcAft>
+                <a:buClrTx/>
+                <a:buSzTx/>
+                <a:buFontTx/>
+                <a:buNone/>
+                <a:defRPr/>
+              </a:pPr>
+              <a:endParaRPr kumimoji="0" lang="zh-CN" altLang="en-US" sz="1015" b="0" i="0" u="none" strike="noStrike" kern="1200" cap="none" spc="0" normalizeH="0" baseline="0" noProof="0">
+                <a:ln>
+                  <a:noFill/>
+                </a:ln>
+                <a:solidFill>
+                  <a:schemeClr val="bg1"/>
+                </a:solidFill>
+                <a:effectLst/>
+                <a:uLnTx/>
+                <a:uFillTx/>
+                <a:cs typeface="+mn-ea"/>
+                <a:sym typeface="+mn-lt"/>
+              </a:endParaRPr>
+            </a:p>
+          </p:txBody>
+        </p:sp>
+        <p:sp>
+          <p:nvSpPr>
+            <p:cNvPr id="44046" name="TextBox 36"/>
+            <p:cNvSpPr txBox="1"/>
+            <p:nvPr/>
+          </p:nvSpPr>
+          <p:spPr>
+            <a:xfrm>
+              <a:off x="1091211" y="2722497"/>
+              <a:ext cx="1107996" cy="276999"/>
+            </a:xfrm>
+            <a:prstGeom prst="rect">
+              <a:avLst/>
+            </a:prstGeom>
+            <a:noFill/>
+            <a:ln w="9525">
+              <a:noFill/>
+            </a:ln>
+          </p:spPr>
+          <p:txBody>
+            <a:bodyPr wrap="none">
+              <a:spAutoFit/>
+            </a:bodyPr>
+            <a:lstStyle/>
+            <a:p>
+              <a:pPr algn="ctr" eaLnBrk="1" hangingPunct="1"/>
+              <a:r>
+                <a:rPr lang="zh-CN" altLang="en-US" sz="1200" dirty="0">
+                  <a:solidFill>
+                    <a:schemeClr val="bg1"/>
+                  </a:solidFill>
+                  <a:latin typeface="+mn-lt"/>
+                  <a:ea typeface="+mn-ea"/>
+                  <a:cs typeface="+mn-ea"/>
+                  <a:sym typeface="+mn-lt"/>
+                </a:rPr>
+                <a:t>点击添加标题</a:t>
+              </a:r>
+            </a:p>
+          </p:txBody>
+        </p:sp>
+        <p:sp>
+          <p:nvSpPr>
+            <p:cNvPr id="64" name="矩形 63"/>
+            <p:cNvSpPr/>
+            <p:nvPr/>
+          </p:nvSpPr>
+          <p:spPr>
+            <a:xfrm>
+              <a:off x="2682935" y="2590483"/>
+              <a:ext cx="1787469" cy="541026"/>
+            </a:xfrm>
+            <a:prstGeom prst="rect">
+              <a:avLst/>
+            </a:prstGeom>
+            <a:solidFill>
+              <a:schemeClr val="accent6"/>
+            </a:solidFill>
+            <a:ln>
+              <a:noFill/>
+            </a:ln>
+          </p:spPr>
+          <p:style>
+            <a:lnRef idx="2">
+              <a:schemeClr val="accent1">
+                <a:shade val="50000"/>
+              </a:schemeClr>
+            </a:lnRef>
+            <a:fillRef idx="1">
+              <a:schemeClr val="accent1"/>
+            </a:fillRef>
+            <a:effectRef idx="0">
+              <a:schemeClr val="accent1"/>
+            </a:effectRef>
+            <a:fontRef idx="minor">
+              <a:schemeClr val="lt1"/>
+            </a:fontRef>
+          </p:style>
+          <p:txBody>
+            <a:bodyPr anchor="ctr"/>
+            <a:lstStyle/>
+            <a:p>
+              <a:pPr marL="0" marR="0" lvl="0" indent="0" algn="ctr" defTabSz="685800" rtl="0" eaLnBrk="1" fontAlgn="auto" latinLnBrk="0" hangingPunct="1">
+                <a:lnSpc>
+                  <a:spcPct val="100000"/>
+                </a:lnSpc>
+                <a:spcBef>
+                  <a:spcPts val="0"/>
+                </a:spcBef>
+                <a:spcAft>
+                  <a:spcPts val="0"/>
+                </a:spcAft>
+                <a:buClrTx/>
+                <a:buSzTx/>
+                <a:buFontTx/>
+                <a:buNone/>
+                <a:defRPr/>
+              </a:pPr>
+              <a:endParaRPr kumimoji="0" lang="zh-CN" altLang="en-US" sz="1015" b="0" i="0" u="none" strike="noStrike" kern="1200" cap="none" spc="0" normalizeH="0" baseline="0" noProof="0">
+                <a:ln>
+                  <a:noFill/>
+                </a:ln>
+                <a:solidFill>
+                  <a:schemeClr val="bg1"/>
+                </a:solidFill>
+                <a:effectLst/>
+                <a:uLnTx/>
+                <a:uFillTx/>
+                <a:cs typeface="+mn-ea"/>
+                <a:sym typeface="+mn-lt"/>
+              </a:endParaRPr>
+            </a:p>
+          </p:txBody>
+        </p:sp>
+        <p:sp>
+          <p:nvSpPr>
+            <p:cNvPr id="44048" name="TextBox 37"/>
+            <p:cNvSpPr txBox="1"/>
+            <p:nvPr/>
+          </p:nvSpPr>
+          <p:spPr>
+            <a:xfrm>
+              <a:off x="3022361" y="2722497"/>
+              <a:ext cx="1107996" cy="276999"/>
+            </a:xfrm>
+            <a:prstGeom prst="rect">
+              <a:avLst/>
+            </a:prstGeom>
+            <a:noFill/>
+            <a:ln w="9525">
+              <a:noFill/>
+            </a:ln>
+          </p:spPr>
+          <p:txBody>
+            <a:bodyPr wrap="none">
+              <a:spAutoFit/>
+            </a:bodyPr>
+            <a:lstStyle/>
+            <a:p>
+              <a:pPr algn="ctr" eaLnBrk="1" hangingPunct="1"/>
+              <a:r>
+                <a:rPr lang="zh-CN" altLang="en-US" sz="1200" dirty="0">
+                  <a:solidFill>
+                    <a:schemeClr val="bg1"/>
+                  </a:solidFill>
+                  <a:latin typeface="+mn-lt"/>
+                  <a:ea typeface="+mn-ea"/>
+                  <a:cs typeface="+mn-ea"/>
+                  <a:sym typeface="+mn-lt"/>
+                </a:rPr>
+                <a:t>点击添加标题</a:t>
+              </a:r>
+            </a:p>
+          </p:txBody>
+        </p:sp>
+        <p:sp>
+          <p:nvSpPr>
+            <p:cNvPr id="67" name="矩形 66"/>
+            <p:cNvSpPr/>
+            <p:nvPr/>
+          </p:nvSpPr>
+          <p:spPr>
+            <a:xfrm>
+              <a:off x="4643436" y="2590483"/>
+              <a:ext cx="1789056" cy="541026"/>
+            </a:xfrm>
+            <a:prstGeom prst="rect">
+              <a:avLst/>
+            </a:prstGeom>
+            <a:solidFill>
+              <a:schemeClr val="accent6"/>
+            </a:solidFill>
+            <a:ln>
+              <a:noFill/>
+            </a:ln>
+          </p:spPr>
+          <p:style>
+            <a:lnRef idx="2">
+              <a:schemeClr val="accent1">
+                <a:shade val="50000"/>
+              </a:schemeClr>
+            </a:lnRef>
+            <a:fillRef idx="1">
+              <a:schemeClr val="accent1"/>
+            </a:fillRef>
+            <a:effectRef idx="0">
+              <a:schemeClr val="accent1"/>
+            </a:effectRef>
+            <a:fontRef idx="minor">
+              <a:schemeClr val="lt1"/>
+            </a:fontRef>
+          </p:style>
+          <p:txBody>
+            <a:bodyPr anchor="ctr"/>
+            <a:lstStyle/>
+            <a:p>
+              <a:pPr marL="0" marR="0" lvl="0" indent="0" algn="ctr" defTabSz="685800" rtl="0" eaLnBrk="1" fontAlgn="auto" latinLnBrk="0" hangingPunct="1">
+                <a:lnSpc>
+                  <a:spcPct val="100000"/>
+                </a:lnSpc>
+                <a:spcBef>
+                  <a:spcPts val="0"/>
+                </a:spcBef>
+                <a:spcAft>
+                  <a:spcPts val="0"/>
+                </a:spcAft>
+                <a:buClrTx/>
+                <a:buSzTx/>
+                <a:buFontTx/>
+                <a:buNone/>
+                <a:defRPr/>
+              </a:pPr>
+              <a:endParaRPr kumimoji="0" lang="zh-CN" altLang="en-US" sz="1015" b="0" i="0" u="none" strike="noStrike" kern="1200" cap="none" spc="0" normalizeH="0" baseline="0" noProof="0">
+                <a:ln>
+                  <a:noFill/>
+                </a:ln>
+                <a:solidFill>
+                  <a:schemeClr val="bg1"/>
+                </a:solidFill>
+                <a:effectLst/>
+                <a:uLnTx/>
+                <a:uFillTx/>
+                <a:cs typeface="+mn-ea"/>
+                <a:sym typeface="+mn-lt"/>
+              </a:endParaRPr>
+            </a:p>
+          </p:txBody>
+        </p:sp>
+        <p:sp>
+          <p:nvSpPr>
+            <p:cNvPr id="44050" name="TextBox 38"/>
+            <p:cNvSpPr txBox="1"/>
+            <p:nvPr/>
+          </p:nvSpPr>
+          <p:spPr>
+            <a:xfrm>
+              <a:off x="4983578" y="2722497"/>
+              <a:ext cx="1107996" cy="276999"/>
+            </a:xfrm>
+            <a:prstGeom prst="rect">
+              <a:avLst/>
+            </a:prstGeom>
+            <a:noFill/>
+            <a:ln w="9525">
+              <a:noFill/>
+            </a:ln>
+          </p:spPr>
+          <p:txBody>
+            <a:bodyPr wrap="none">
+              <a:spAutoFit/>
+            </a:bodyPr>
+            <a:lstStyle/>
+            <a:p>
+              <a:pPr algn="ctr" eaLnBrk="1" hangingPunct="1"/>
+              <a:r>
+                <a:rPr lang="zh-CN" altLang="en-US" sz="1200" dirty="0">
+                  <a:solidFill>
+                    <a:schemeClr val="bg1"/>
+                  </a:solidFill>
+                  <a:latin typeface="+mn-lt"/>
+                  <a:ea typeface="+mn-ea"/>
+                  <a:cs typeface="+mn-ea"/>
+                  <a:sym typeface="+mn-lt"/>
+                </a:rPr>
+                <a:t>点击添加标题</a:t>
+              </a:r>
+            </a:p>
+          </p:txBody>
+        </p:sp>
+        <p:sp>
+          <p:nvSpPr>
+            <p:cNvPr id="70" name="矩形 69"/>
+            <p:cNvSpPr/>
+            <p:nvPr/>
+          </p:nvSpPr>
+          <p:spPr>
+            <a:xfrm>
+              <a:off x="6603937" y="2590483"/>
+              <a:ext cx="1789057" cy="541026"/>
+            </a:xfrm>
+            <a:prstGeom prst="rect">
+              <a:avLst/>
+            </a:prstGeom>
+            <a:solidFill>
+              <a:schemeClr val="accent6"/>
+            </a:solidFill>
+            <a:ln>
+              <a:noFill/>
+            </a:ln>
+          </p:spPr>
+          <p:style>
+            <a:lnRef idx="2">
+              <a:schemeClr val="accent1">
+                <a:shade val="50000"/>
+              </a:schemeClr>
+            </a:lnRef>
+            <a:fillRef idx="1">
+              <a:schemeClr val="accent1"/>
+            </a:fillRef>
+            <a:effectRef idx="0">
+              <a:schemeClr val="accent1"/>
+            </a:effectRef>
+            <a:fontRef idx="minor">
+              <a:schemeClr val="lt1"/>
+            </a:fontRef>
+          </p:style>
+          <p:txBody>
+            <a:bodyPr anchor="ctr"/>
+            <a:lstStyle/>
+            <a:p>
+              <a:pPr marL="0" marR="0" lvl="0" indent="0" algn="ctr" defTabSz="685800" rtl="0" eaLnBrk="1" fontAlgn="auto" latinLnBrk="0" hangingPunct="1">
+                <a:lnSpc>
+                  <a:spcPct val="100000"/>
+                </a:lnSpc>
+                <a:spcBef>
+                  <a:spcPts val="0"/>
+                </a:spcBef>
+                <a:spcAft>
+                  <a:spcPts val="0"/>
+                </a:spcAft>
+                <a:buClrTx/>
+                <a:buSzTx/>
+                <a:buFontTx/>
+                <a:buNone/>
+                <a:defRPr/>
+              </a:pPr>
+              <a:endParaRPr kumimoji="0" lang="zh-CN" altLang="en-US" sz="1015" b="0" i="0" u="none" strike="noStrike" kern="1200" cap="none" spc="0" normalizeH="0" baseline="0" noProof="0">
+                <a:ln>
+                  <a:noFill/>
+                </a:ln>
+                <a:solidFill>
+                  <a:schemeClr val="bg1"/>
+                </a:solidFill>
+                <a:effectLst/>
+                <a:uLnTx/>
+                <a:uFillTx/>
+                <a:cs typeface="+mn-ea"/>
+                <a:sym typeface="+mn-lt"/>
+              </a:endParaRPr>
+            </a:p>
+          </p:txBody>
+        </p:sp>
+        <p:sp>
+          <p:nvSpPr>
+            <p:cNvPr id="44052" name="TextBox 39"/>
+            <p:cNvSpPr txBox="1"/>
+            <p:nvPr/>
+          </p:nvSpPr>
+          <p:spPr>
+            <a:xfrm>
+              <a:off x="6944796" y="2722497"/>
+              <a:ext cx="1107996" cy="276999"/>
+            </a:xfrm>
+            <a:prstGeom prst="rect">
+              <a:avLst/>
+            </a:prstGeom>
+            <a:noFill/>
+            <a:ln w="9525">
+              <a:noFill/>
+            </a:ln>
+          </p:spPr>
+          <p:txBody>
+            <a:bodyPr wrap="none">
+              <a:spAutoFit/>
+            </a:bodyPr>
+            <a:lstStyle/>
+            <a:p>
+              <a:pPr algn="ctr" eaLnBrk="1" hangingPunct="1"/>
+              <a:r>
+                <a:rPr lang="zh-CN" altLang="en-US" sz="1200" dirty="0">
+                  <a:solidFill>
+                    <a:schemeClr val="bg1"/>
+                  </a:solidFill>
+                  <a:latin typeface="+mn-lt"/>
+                  <a:ea typeface="+mn-ea"/>
+                  <a:cs typeface="+mn-ea"/>
+                  <a:sym typeface="+mn-lt"/>
+                </a:rPr>
+                <a:t>点击添加标题</a:t>
+              </a:r>
+            </a:p>
+          </p:txBody>
+        </p:sp>
+      </p:grpSp>
+      <p:grpSp>
+        <p:nvGrpSpPr>
+          <p:cNvPr id="41" name="组合 40"/>
+          <p:cNvGrpSpPr/>
+          <p:nvPr/>
+        </p:nvGrpSpPr>
+        <p:grpSpPr>
+          <a:xfrm>
+            <a:off x="-498530" y="1243"/>
+            <a:ext cx="3124499" cy="859534"/>
+            <a:chOff x="-498530" y="1243"/>
+            <a:chExt cx="3124499" cy="859534"/>
+          </a:xfrm>
+        </p:grpSpPr>
+        <p:sp>
+          <p:nvSpPr>
+            <p:cNvPr id="42" name="文本框 41"/>
+            <p:cNvSpPr txBox="1"/>
+            <p:nvPr/>
+          </p:nvSpPr>
+          <p:spPr>
+            <a:xfrm>
+              <a:off x="498529" y="105863"/>
+              <a:ext cx="2127440" cy="461963"/>
+            </a:xfrm>
+            <a:prstGeom prst="rect">
+              <a:avLst/>
+            </a:prstGeom>
+            <a:noFill/>
+          </p:spPr>
+          <p:txBody>
+            <a:bodyPr wrap="square">
+              <a:spAutoFit/>
+            </a:bodyPr>
+            <a:lstStyle/>
+            <a:p>
+              <a:pPr eaLnBrk="1" fontAlgn="auto" hangingPunct="1">
+                <a:spcBef>
+                  <a:spcPts val="0"/>
+                </a:spcBef>
+                <a:spcAft>
+                  <a:spcPts val="0"/>
+                </a:spcAft>
+                <a:defRPr/>
+              </a:pPr>
+              <a:r>
+                <a:rPr lang="zh-CN" altLang="en-US" sz="2400" dirty="0">
+                  <a:solidFill>
+                    <a:schemeClr val="accent6">
+                      <a:lumMod val="75000"/>
+                    </a:schemeClr>
+                  </a:solidFill>
+                  <a:latin typeface="+mn-lt"/>
+                  <a:ea typeface="+mn-ea"/>
+                  <a:cs typeface="+mn-ea"/>
+                  <a:sym typeface="+mn-lt"/>
+                </a:rPr>
+                <a:t>研究目标</a:t>
+              </a:r>
+            </a:p>
+          </p:txBody>
+        </p:sp>
+        <p:sp>
+          <p:nvSpPr>
+            <p:cNvPr id="43" name="椭圆 42"/>
+            <p:cNvSpPr/>
+            <p:nvPr/>
+          </p:nvSpPr>
+          <p:spPr>
+            <a:xfrm>
+              <a:off x="-498530" y="1243"/>
+              <a:ext cx="997059" cy="859534"/>
+            </a:xfrm>
+            <a:prstGeom prst="ellipse">
+              <a:avLst/>
+            </a:prstGeom>
+            <a:pattFill prst="wdDnDiag">
+              <a:fgClr>
+                <a:schemeClr val="accent1"/>
+              </a:fgClr>
+              <a:bgClr>
+                <a:schemeClr val="bg1"/>
+              </a:bgClr>
+            </a:pattFill>
+            <a:ln>
+              <a:noFill/>
+            </a:ln>
+          </p:spPr>
+          <p:style>
+            <a:lnRef idx="2">
+              <a:schemeClr val="accent1">
+                <a:shade val="50000"/>
+              </a:schemeClr>
+            </a:lnRef>
+            <a:fillRef idx="1">
+              <a:schemeClr val="accent1"/>
+            </a:fillRef>
+            <a:effectRef idx="0">
+              <a:schemeClr val="accent1"/>
+            </a:effectRef>
+            <a:fontRef idx="minor">
+              <a:schemeClr val="lt1"/>
+            </a:fontRef>
+          </p:style>
+          <p:txBody>
+            <a:bodyPr rtlCol="0" anchor="ctr"/>
+            <a:lstStyle/>
+            <a:p>
+              <a:pPr algn="ctr"/>
+              <a:endParaRPr lang="zh-CN" altLang="en-US">
+                <a:cs typeface="+mn-ea"/>
+                <a:sym typeface="+mn-lt"/>
+              </a:endParaRPr>
+            </a:p>
+          </p:txBody>
+        </p:sp>
+        <p:sp>
+          <p:nvSpPr>
+            <p:cNvPr id="44" name="矩形 43"/>
+            <p:cNvSpPr/>
+            <p:nvPr/>
+          </p:nvSpPr>
+          <p:spPr>
+            <a:xfrm>
+              <a:off x="513914" y="506933"/>
+              <a:ext cx="1263487" cy="292388"/>
+            </a:xfrm>
+            <a:prstGeom prst="rect">
+              <a:avLst/>
+            </a:prstGeom>
+          </p:spPr>
+          <p:txBody>
+            <a:bodyPr wrap="none">
+              <a:spAutoFit/>
+            </a:bodyPr>
+            <a:lstStyle/>
+            <a:p>
+              <a:r>
+                <a:rPr lang="en-US" altLang="zh-CN" dirty="0">
+                  <a:latin typeface="+mn-lt"/>
+                  <a:ea typeface="+mn-ea"/>
+                  <a:cs typeface="+mn-ea"/>
+                  <a:sym typeface="+mn-lt"/>
+                </a:rPr>
+                <a:t>Research Goals</a:t>
+              </a:r>
+              <a:endParaRPr lang="zh-CN" altLang="en-US" dirty="0">
+                <a:latin typeface="+mn-lt"/>
+                <a:ea typeface="+mn-ea"/>
+                <a:cs typeface="+mn-ea"/>
+                <a:sym typeface="+mn-lt"/>
+              </a:endParaRPr>
+            </a:p>
+          </p:txBody>
+        </p:sp>
+      </p:grpSp>
+      <p:sp>
+        <p:nvSpPr>
+          <p:cNvPr id="55" name="椭圆 54"/>
+          <p:cNvSpPr/>
+          <p:nvPr/>
+        </p:nvSpPr>
+        <p:spPr>
+          <a:xfrm>
+            <a:off x="7134659" y="-1388437"/>
+            <a:ext cx="3264253" cy="2814012"/>
+          </a:xfrm>
+          <a:prstGeom prst="ellipse">
+            <a:avLst/>
+          </a:prstGeom>
+          <a:pattFill prst="wdDnDiag">
+            <a:fgClr>
+              <a:schemeClr val="accent1"/>
+            </a:fgClr>
+            <a:bgClr>
+              <a:schemeClr val="bg1"/>
+            </a:bgClr>
+          </a:pattFill>
+          <a:ln>
+            <a:noFill/>
+          </a:ln>
+        </p:spPr>
+        <p:style>
+          <a:lnRef idx="2">
+            <a:schemeClr val="accent1">
+              <a:shade val="50000"/>
+            </a:schemeClr>
+          </a:lnRef>
+          <a:fillRef idx="1">
+            <a:schemeClr val="accent1"/>
+          </a:fillRef>
+          <a:effectRef idx="0">
+            <a:schemeClr val="accent1"/>
+          </a:effectRef>
+          <a:fontRef idx="minor">
+            <a:schemeClr val="lt1"/>
+          </a:fontRef>
+        </p:style>
+        <p:txBody>
+          <a:bodyPr rtlCol="0" anchor="ctr"/>
+          <a:lstStyle/>
+          <a:p>
+            <a:pPr algn="ctr"/>
+            <a:endParaRPr lang="zh-CN" altLang="en-US" dirty="0">
+              <a:cs typeface="+mn-ea"/>
+              <a:sym typeface="+mn-lt"/>
+            </a:endParaRPr>
+          </a:p>
+        </p:txBody>
+      </p:sp>
+    </p:spTree>
+    <p:extLst>
+      <p:ext uri="{BB962C8B-B14F-4D97-AF65-F5344CB8AC3E}">
+        <p14:creationId xmlns:p14="http://schemas.microsoft.com/office/powerpoint/2010/main" val="4245156608"/>
+      </p:ext>
+    </p:extLst>
+  </p:cSld>
+  <p:clrMapOvr>
+    <a:masterClrMapping/>
+  </p:clrMapOvr>
+  <mc:AlternateContent xmlns:mc="http://schemas.openxmlformats.org/markup-compatibility/2006">
+    <mc:Choice xmlns:p14="http://schemas.microsoft.com/office/powerpoint/2010/main" Requires="p14">
+      <p:transition spd="slow" p14:dur="1500" advClick="0" advTm="3000">
+        <p:random/>
+      </p:transition>
+    </mc:Choice>
+    <mc:Fallback>
+      <p:transition spd="slow" advClick="0" advTm="3000">
+        <p:random/>
+      </p:transition>
+    </mc:Fallback>
+  </mc:AlternateContent>
+  <p:timing>
+    <p:tnLst>
+      <p:par>
+        <p:cTn id="1" dur="indefinite" restart="never" nodeType="tmRoot">
+          <p:childTnLst>
+            <p:seq concurrent="1" nextAc="seek">
+              <p:cTn id="2" dur="indefinite" nodeType="mainSeq">
+                <p:childTnLst>
+                  <p:par>
+                    <p:cTn id="3" fill="hold">
+                      <p:stCondLst>
+                        <p:cond delay="indefinite"/>
+                        <p:cond evt="onBegin" delay="0">
+                          <p:tn val="2"/>
+                        </p:cond>
+                      </p:stCondLst>
+                      <p:childTnLst>
+                        <p:par>
+                          <p:cTn id="4" fill="hold">
+                            <p:stCondLst>
+                              <p:cond delay="0"/>
+                            </p:stCondLst>
+                            <p:childTnLst>
+                              <p:par>
+                                <p:cTn id="5" presetID="22" presetClass="entr" presetSubtype="1" fill="hold" nodeType="afterEffect">
+                                  <p:stCondLst>
+                                    <p:cond delay="0"/>
+                                  </p:stCondLst>
+                                  <p:childTnLst>
+                                    <p:set>
+                                      <p:cBhvr>
+                                        <p:cTn id="6" dur="1" fill="hold">
+                                          <p:stCondLst>
+                                            <p:cond delay="0"/>
+                                          </p:stCondLst>
+                                        </p:cTn>
+                                        <p:tgtEl>
+                                          <p:spTgt spid="73"/>
+                                        </p:tgtEl>
+                                        <p:attrNameLst>
+                                          <p:attrName>style.visibility</p:attrName>
+                                        </p:attrNameLst>
+                                      </p:cBhvr>
+                                      <p:to>
+                                        <p:strVal val="visible"/>
+                                      </p:to>
+                                    </p:set>
+                                    <p:animEffect transition="in" filter="wipe(up)">
+                                      <p:cBhvr>
+                                        <p:cTn id="7" dur="500"/>
+                                        <p:tgtEl>
+                                          <p:spTgt spid="73"/>
+                                        </p:tgtEl>
+                                      </p:cBhvr>
+                                    </p:animEffect>
+                                  </p:childTnLst>
+                                </p:cTn>
+                              </p:par>
+                            </p:childTnLst>
+                          </p:cTn>
+                        </p:par>
+                        <p:par>
+                          <p:cTn id="8" fill="hold">
+                            <p:stCondLst>
+                              <p:cond delay="500"/>
+                            </p:stCondLst>
+                            <p:childTnLst>
+                              <p:par>
+                                <p:cTn id="9" presetID="2" presetClass="entr" presetSubtype="4" decel="100000" fill="hold" grpId="0" nodeType="afterEffect">
+                                  <p:stCondLst>
+                                    <p:cond delay="0"/>
+                                  </p:stCondLst>
+                                  <p:childTnLst>
+                                    <p:set>
+                                      <p:cBhvr>
+                                        <p:cTn id="10" dur="1" fill="hold">
+                                          <p:stCondLst>
+                                            <p:cond delay="0"/>
+                                          </p:stCondLst>
+                                        </p:cTn>
+                                        <p:tgtEl>
+                                          <p:spTgt spid="51"/>
+                                        </p:tgtEl>
+                                        <p:attrNameLst>
+                                          <p:attrName>style.visibility</p:attrName>
+                                        </p:attrNameLst>
+                                      </p:cBhvr>
+                                      <p:to>
+                                        <p:strVal val="visible"/>
+                                      </p:to>
+                                    </p:set>
+                                    <p:anim calcmode="lin" valueType="num">
+                                      <p:cBhvr additive="base">
+                                        <p:cTn id="11" dur="400" fill="hold"/>
+                                        <p:tgtEl>
+                                          <p:spTgt spid="51"/>
+                                        </p:tgtEl>
+                                        <p:attrNameLst>
+                                          <p:attrName>ppt_x</p:attrName>
+                                        </p:attrNameLst>
+                                      </p:cBhvr>
+                                      <p:tavLst>
+                                        <p:tav tm="0">
+                                          <p:val>
+                                            <p:strVal val="#ppt_x"/>
+                                          </p:val>
+                                        </p:tav>
+                                        <p:tav tm="100000">
+                                          <p:val>
+                                            <p:strVal val="#ppt_x"/>
+                                          </p:val>
+                                        </p:tav>
+                                      </p:tavLst>
+                                    </p:anim>
+                                    <p:anim calcmode="lin" valueType="num">
+                                      <p:cBhvr additive="base">
+                                        <p:cTn id="12" dur="400" fill="hold"/>
+                                        <p:tgtEl>
+                                          <p:spTgt spid="51"/>
+                                        </p:tgtEl>
+                                        <p:attrNameLst>
+                                          <p:attrName>ppt_y</p:attrName>
+                                        </p:attrNameLst>
+                                      </p:cBhvr>
+                                      <p:tavLst>
+                                        <p:tav tm="0">
+                                          <p:val>
+                                            <p:strVal val="1+#ppt_h/2"/>
+                                          </p:val>
+                                        </p:tav>
+                                        <p:tav tm="100000">
+                                          <p:val>
+                                            <p:strVal val="#ppt_y"/>
+                                          </p:val>
+                                        </p:tav>
+                                      </p:tavLst>
+                                    </p:anim>
+                                  </p:childTnLst>
+                                </p:cTn>
+                              </p:par>
+                              <p:par>
+                                <p:cTn id="13" presetID="2" presetClass="entr" presetSubtype="4" decel="100000" fill="hold" grpId="0" nodeType="withEffect">
+                                  <p:stCondLst>
+                                    <p:cond delay="150"/>
+                                  </p:stCondLst>
+                                  <p:childTnLst>
+                                    <p:set>
+                                      <p:cBhvr>
+                                        <p:cTn id="14" dur="1" fill="hold">
+                                          <p:stCondLst>
+                                            <p:cond delay="0"/>
+                                          </p:stCondLst>
+                                        </p:cTn>
+                                        <p:tgtEl>
+                                          <p:spTgt spid="52"/>
+                                        </p:tgtEl>
+                                        <p:attrNameLst>
+                                          <p:attrName>style.visibility</p:attrName>
+                                        </p:attrNameLst>
+                                      </p:cBhvr>
+                                      <p:to>
+                                        <p:strVal val="visible"/>
+                                      </p:to>
+                                    </p:set>
+                                    <p:anim calcmode="lin" valueType="num">
+                                      <p:cBhvr additive="base">
+                                        <p:cTn id="15" dur="400" fill="hold"/>
+                                        <p:tgtEl>
+                                          <p:spTgt spid="52"/>
+                                        </p:tgtEl>
+                                        <p:attrNameLst>
+                                          <p:attrName>ppt_x</p:attrName>
+                                        </p:attrNameLst>
+                                      </p:cBhvr>
+                                      <p:tavLst>
+                                        <p:tav tm="0">
+                                          <p:val>
+                                            <p:strVal val="#ppt_x"/>
+                                          </p:val>
+                                        </p:tav>
+                                        <p:tav tm="100000">
+                                          <p:val>
+                                            <p:strVal val="#ppt_x"/>
+                                          </p:val>
+                                        </p:tav>
+                                      </p:tavLst>
+                                    </p:anim>
+                                    <p:anim calcmode="lin" valueType="num">
+                                      <p:cBhvr additive="base">
+                                        <p:cTn id="16" dur="400" fill="hold"/>
+                                        <p:tgtEl>
+                                          <p:spTgt spid="52"/>
+                                        </p:tgtEl>
+                                        <p:attrNameLst>
+                                          <p:attrName>ppt_y</p:attrName>
+                                        </p:attrNameLst>
+                                      </p:cBhvr>
+                                      <p:tavLst>
+                                        <p:tav tm="0">
+                                          <p:val>
+                                            <p:strVal val="1+#ppt_h/2"/>
+                                          </p:val>
+                                        </p:tav>
+                                        <p:tav tm="100000">
+                                          <p:val>
+                                            <p:strVal val="#ppt_y"/>
+                                          </p:val>
+                                        </p:tav>
+                                      </p:tavLst>
+                                    </p:anim>
+                                  </p:childTnLst>
+                                </p:cTn>
+                              </p:par>
+                              <p:par>
+                                <p:cTn id="17" presetID="2" presetClass="entr" presetSubtype="4" decel="100000" fill="hold" grpId="0" nodeType="withEffect">
+                                  <p:stCondLst>
+                                    <p:cond delay="300"/>
+                                  </p:stCondLst>
+                                  <p:childTnLst>
+                                    <p:set>
+                                      <p:cBhvr>
+                                        <p:cTn id="18" dur="1" fill="hold">
+                                          <p:stCondLst>
+                                            <p:cond delay="0"/>
+                                          </p:stCondLst>
+                                        </p:cTn>
+                                        <p:tgtEl>
+                                          <p:spTgt spid="53"/>
+                                        </p:tgtEl>
+                                        <p:attrNameLst>
+                                          <p:attrName>style.visibility</p:attrName>
+                                        </p:attrNameLst>
+                                      </p:cBhvr>
+                                      <p:to>
+                                        <p:strVal val="visible"/>
+                                      </p:to>
+                                    </p:set>
+                                    <p:anim calcmode="lin" valueType="num">
+                                      <p:cBhvr additive="base">
+                                        <p:cTn id="19" dur="400" fill="hold"/>
+                                        <p:tgtEl>
+                                          <p:spTgt spid="53"/>
+                                        </p:tgtEl>
+                                        <p:attrNameLst>
+                                          <p:attrName>ppt_x</p:attrName>
+                                        </p:attrNameLst>
+                                      </p:cBhvr>
+                                      <p:tavLst>
+                                        <p:tav tm="0">
+                                          <p:val>
+                                            <p:strVal val="#ppt_x"/>
+                                          </p:val>
+                                        </p:tav>
+                                        <p:tav tm="100000">
+                                          <p:val>
+                                            <p:strVal val="#ppt_x"/>
+                                          </p:val>
+                                        </p:tav>
+                                      </p:tavLst>
+                                    </p:anim>
+                                    <p:anim calcmode="lin" valueType="num">
+                                      <p:cBhvr additive="base">
+                                        <p:cTn id="20" dur="400" fill="hold"/>
+                                        <p:tgtEl>
+                                          <p:spTgt spid="53"/>
+                                        </p:tgtEl>
+                                        <p:attrNameLst>
+                                          <p:attrName>ppt_y</p:attrName>
+                                        </p:attrNameLst>
+                                      </p:cBhvr>
+                                      <p:tavLst>
+                                        <p:tav tm="0">
+                                          <p:val>
+                                            <p:strVal val="1+#ppt_h/2"/>
+                                          </p:val>
+                                        </p:tav>
+                                        <p:tav tm="100000">
+                                          <p:val>
+                                            <p:strVal val="#ppt_y"/>
+                                          </p:val>
+                                        </p:tav>
+                                      </p:tavLst>
+                                    </p:anim>
+                                  </p:childTnLst>
+                                </p:cTn>
+                              </p:par>
+                              <p:par>
+                                <p:cTn id="21" presetID="2" presetClass="entr" presetSubtype="4" decel="100000" fill="hold" grpId="0" nodeType="withEffect">
+                                  <p:stCondLst>
+                                    <p:cond delay="450"/>
+                                  </p:stCondLst>
+                                  <p:childTnLst>
+                                    <p:set>
+                                      <p:cBhvr>
+                                        <p:cTn id="22" dur="1" fill="hold">
+                                          <p:stCondLst>
+                                            <p:cond delay="0"/>
+                                          </p:stCondLst>
+                                        </p:cTn>
+                                        <p:tgtEl>
+                                          <p:spTgt spid="54"/>
+                                        </p:tgtEl>
+                                        <p:attrNameLst>
+                                          <p:attrName>style.visibility</p:attrName>
+                                        </p:attrNameLst>
+                                      </p:cBhvr>
+                                      <p:to>
+                                        <p:strVal val="visible"/>
+                                      </p:to>
+                                    </p:set>
+                                    <p:anim calcmode="lin" valueType="num">
+                                      <p:cBhvr additive="base">
+                                        <p:cTn id="23" dur="400" fill="hold"/>
+                                        <p:tgtEl>
+                                          <p:spTgt spid="54"/>
+                                        </p:tgtEl>
+                                        <p:attrNameLst>
+                                          <p:attrName>ppt_x</p:attrName>
+                                        </p:attrNameLst>
+                                      </p:cBhvr>
+                                      <p:tavLst>
+                                        <p:tav tm="0">
+                                          <p:val>
+                                            <p:strVal val="#ppt_x"/>
+                                          </p:val>
+                                        </p:tav>
+                                        <p:tav tm="100000">
+                                          <p:val>
+                                            <p:strVal val="#ppt_x"/>
+                                          </p:val>
+                                        </p:tav>
+                                      </p:tavLst>
+                                    </p:anim>
+                                    <p:anim calcmode="lin" valueType="num">
+                                      <p:cBhvr additive="base">
+                                        <p:cTn id="24" dur="400" fill="hold"/>
+                                        <p:tgtEl>
+                                          <p:spTgt spid="54"/>
+                                        </p:tgtEl>
+                                        <p:attrNameLst>
+                                          <p:attrName>ppt_y</p:attrName>
+                                        </p:attrNameLst>
+                                      </p:cBhvr>
+                                      <p:tavLst>
+                                        <p:tav tm="0">
+                                          <p:val>
+                                            <p:strVal val="1+#ppt_h/2"/>
+                                          </p:val>
+                                        </p:tav>
+                                        <p:tav tm="100000">
+                                          <p:val>
+                                            <p:strVal val="#ppt_y"/>
+                                          </p:val>
+                                        </p:tav>
+                                      </p:tavLst>
+                                    </p:anim>
+                                  </p:childTnLst>
+                                </p:cTn>
+                              </p:par>
+                            </p:childTnLst>
+                          </p:cTn>
+                        </p:par>
+                        <p:par>
+                          <p:cTn id="25" fill="hold">
+                            <p:stCondLst>
+                              <p:cond delay="1000"/>
+                            </p:stCondLst>
+                            <p:childTnLst>
+                              <p:par>
+                                <p:cTn id="26" presetID="22" presetClass="entr" presetSubtype="8" fill="hold" grpId="0" nodeType="afterEffect">
+                                  <p:stCondLst>
+                                    <p:cond delay="0"/>
+                                  </p:stCondLst>
+                                  <p:childTnLst>
+                                    <p:set>
+                                      <p:cBhvr>
+                                        <p:cTn id="27" dur="1" fill="hold">
+                                          <p:stCondLst>
+                                            <p:cond delay="0"/>
+                                          </p:stCondLst>
+                                        </p:cTn>
+                                        <p:tgtEl>
+                                          <p:spTgt spid="56"/>
+                                        </p:tgtEl>
+                                        <p:attrNameLst>
+                                          <p:attrName>style.visibility</p:attrName>
+                                        </p:attrNameLst>
+                                      </p:cBhvr>
+                                      <p:to>
+                                        <p:strVal val="visible"/>
+                                      </p:to>
+                                    </p:set>
+                                    <p:animEffect transition="in" filter="wipe(left)">
+                                      <p:cBhvr>
+                                        <p:cTn id="28" dur="500"/>
+                                        <p:tgtEl>
+                                          <p:spTgt spid="56"/>
+                                        </p:tgtEl>
+                                      </p:cBhvr>
+                                    </p:animEffect>
+                                  </p:childTnLst>
+                                </p:cTn>
+                              </p:par>
+                            </p:childTnLst>
+                          </p:cTn>
+                        </p:par>
+                      </p:childTnLst>
+                    </p:cTn>
+                  </p:par>
+                </p:childTnLst>
+              </p:cTn>
+              <p:prevCondLst>
+                <p:cond evt="onPrev" delay="0">
+                  <p:tgtEl>
+                    <p:sldTgt/>
+                  </p:tgtEl>
+                </p:cond>
+              </p:prevCondLst>
+              <p:nextCondLst>
+                <p:cond evt="onNext" delay="0">
+                  <p:tgtEl>
+                    <p:sldTgt/>
+                  </p:tgtEl>
+                </p:cond>
+              </p:nextCondLst>
+            </p:seq>
+          </p:childTnLst>
+        </p:cTn>
+      </p:par>
+    </p:tnLst>
+    <p:bldLst>
+      <p:bldP spid="51" grpId="0"/>
+      <p:bldP spid="52" grpId="0"/>
+      <p:bldP spid="53" grpId="0"/>
+      <p:bldP spid="54" grpId="0"/>
+      <p:bldP spid="56" grpId="0"/>
+    </p:bldLst>
+  </p:timing>
+</p:sld>
+</file>
+
+<file path=ppt/slides/slide16.xml><?xml version="1.0" encoding="utf-8"?>
+<p:sld xmlns:a="http://schemas.openxmlformats.org/drawingml/2006/main" xmlns:r="http://schemas.openxmlformats.org/officeDocument/2006/relationships" xmlns:p="http://schemas.openxmlformats.org/presentationml/2006/main" showMasterSp="0">
+  <p:cSld>
+    <p:spTree>
+      <p:nvGrpSpPr>
+        <p:cNvPr id="1" name=""/>
+        <p:cNvGrpSpPr/>
+        <p:nvPr/>
+      </p:nvGrpSpPr>
+      <p:grpSpPr>
+        <a:xfrm>
+          <a:off x="0" y="0"/>
+          <a:ext cx="0" cy="0"/>
+          <a:chOff x="0" y="0"/>
+          <a:chExt cx="0" cy="0"/>
+        </a:xfrm>
+      </p:grpSpPr>
       <p:grpSp>
         <p:nvGrpSpPr>
           <p:cNvPr id="2" name="组合 1"/>
@@ -15042,12 +16685,6 @@
                 </a:rPr>
                 <a:t>1</a:t>
               </a:r>
-              <a:endParaRPr kumimoji="0" lang="en-US" altLang="zh-CN" sz="3200" b="1" kern="1200" cap="none" spc="50" normalizeH="0" baseline="0" noProof="0" dirty="0">
-                <a:latin typeface="+mn-lt"/>
-                <a:ea typeface="+mn-ea"/>
-                <a:cs typeface="+mn-ea"/>
-                <a:sym typeface="+mn-lt"/>
-              </a:endParaRPr>
             </a:p>
           </p:txBody>
         </p:sp>
@@ -15086,12 +16723,6 @@
                 </a:rPr>
                 <a:t>添加标题</a:t>
               </a:r>
-              <a:endParaRPr lang="zh-CN" altLang="en-US" sz="1200" dirty="0">
-                <a:latin typeface="+mn-lt"/>
-                <a:ea typeface="+mn-ea"/>
-                <a:cs typeface="+mn-ea"/>
-                <a:sym typeface="+mn-lt"/>
-              </a:endParaRPr>
             </a:p>
           </p:txBody>
         </p:sp>
@@ -15356,12 +16987,6 @@
               </a:rPr>
               <a:t>这里，或者通过复制您的文本后</a:t>
             </a:r>
-            <a:endParaRPr kumimoji="0" lang="zh-CN" altLang="en-US" sz="1050" kern="1200" cap="none" spc="0" normalizeH="0" baseline="0" noProof="0" dirty="0">
-              <a:latin typeface="+mn-lt"/>
-              <a:ea typeface="+mn-ea"/>
-              <a:cs typeface="+mn-ea"/>
-              <a:sym typeface="+mn-lt"/>
-            </a:endParaRPr>
           </a:p>
         </p:txBody>
       </p:sp>
@@ -15598,12 +17223,6 @@
                 </a:rPr>
                 <a:t>2</a:t>
               </a:r>
-              <a:endParaRPr kumimoji="0" lang="en-US" altLang="zh-CN" sz="3200" b="1" kern="1200" cap="none" spc="50" normalizeH="0" baseline="0" noProof="0" dirty="0">
-                <a:latin typeface="+mn-lt"/>
-                <a:ea typeface="+mn-ea"/>
-                <a:cs typeface="+mn-ea"/>
-                <a:sym typeface="+mn-lt"/>
-              </a:endParaRPr>
             </a:p>
           </p:txBody>
         </p:sp>
@@ -15642,12 +17261,6 @@
                 </a:rPr>
                 <a:t>添加标题</a:t>
               </a:r>
-              <a:endParaRPr lang="zh-CN" altLang="en-US" sz="1200" dirty="0">
-                <a:latin typeface="+mn-lt"/>
-                <a:ea typeface="+mn-ea"/>
-                <a:cs typeface="+mn-ea"/>
-                <a:sym typeface="+mn-lt"/>
-              </a:endParaRPr>
             </a:p>
           </p:txBody>
         </p:sp>
@@ -15935,12 +17548,6 @@
                 </a:rPr>
                 <a:t>3</a:t>
               </a:r>
-              <a:endParaRPr kumimoji="0" lang="en-US" altLang="zh-CN" sz="3200" b="1" kern="1200" cap="none" spc="50" normalizeH="0" baseline="0" noProof="0" dirty="0">
-                <a:latin typeface="+mn-lt"/>
-                <a:ea typeface="+mn-ea"/>
-                <a:cs typeface="+mn-ea"/>
-                <a:sym typeface="+mn-lt"/>
-              </a:endParaRPr>
             </a:p>
           </p:txBody>
         </p:sp>
@@ -15979,12 +17586,6 @@
                 </a:rPr>
                 <a:t>添加标题</a:t>
               </a:r>
-              <a:endParaRPr lang="zh-CN" altLang="en-US" sz="1200" dirty="0">
-                <a:latin typeface="+mn-lt"/>
-                <a:ea typeface="+mn-ea"/>
-                <a:cs typeface="+mn-ea"/>
-                <a:sym typeface="+mn-lt"/>
-              </a:endParaRPr>
             </a:p>
           </p:txBody>
         </p:sp>
@@ -16272,12 +17873,6 @@
                 </a:rPr>
                 <a:t>4</a:t>
               </a:r>
-              <a:endParaRPr kumimoji="0" lang="en-US" altLang="zh-CN" sz="3200" b="1" kern="1200" cap="none" spc="50" normalizeH="0" baseline="0" noProof="0" dirty="0">
-                <a:latin typeface="+mn-lt"/>
-                <a:ea typeface="+mn-ea"/>
-                <a:cs typeface="+mn-ea"/>
-                <a:sym typeface="+mn-lt"/>
-              </a:endParaRPr>
             </a:p>
           </p:txBody>
         </p:sp>
@@ -16316,12 +17911,6 @@
                 </a:rPr>
                 <a:t>添加标题</a:t>
               </a:r>
-              <a:endParaRPr lang="zh-CN" altLang="en-US" sz="1200" dirty="0">
-                <a:latin typeface="+mn-lt"/>
-                <a:ea typeface="+mn-ea"/>
-                <a:cs typeface="+mn-ea"/>
-                <a:sym typeface="+mn-lt"/>
-              </a:endParaRPr>
             </a:p>
           </p:txBody>
         </p:sp>
@@ -16435,17 +18024,6 @@
                 </a:rPr>
                 <a:t>成果形式</a:t>
               </a:r>
-              <a:endParaRPr lang="zh-CN" altLang="en-US" sz="2400" dirty="0">
-                <a:solidFill>
-                  <a:schemeClr val="accent6">
-                    <a:lumMod val="75000"/>
-                  </a:schemeClr>
-                </a:solidFill>
-                <a:latin typeface="+mn-lt"/>
-                <a:ea typeface="+mn-ea"/>
-                <a:cs typeface="+mn-ea"/>
-                <a:sym typeface="+mn-lt"/>
-              </a:endParaRPr>
             </a:p>
           </p:txBody>
         </p:sp>
@@ -16602,13 +18180,13 @@
   <p:clrMapOvr>
     <a:masterClrMapping/>
   </p:clrMapOvr>
-  <mc:AlternateContent xmlns:mc="http://schemas.openxmlformats.org/markup-compatibility/2006">
-    <mc:Choice xmlns:p14="http://schemas.microsoft.com/office/powerpoint/2010/main" Requires="p14">
+  <mc:AlternateContent xmlns:mc="http://schemas.openxmlformats.org/markup-compatibility/2006" xmlns:p14="http://schemas.microsoft.com/office/powerpoint/2010/main">
+    <mc:Choice Requires="p14">
       <p:transition spd="slow" p14:dur="1500" advClick="0" advTm="3000">
         <p:random/>
       </p:transition>
     </mc:Choice>
-    <mc:Fallback>
+    <mc:Fallback xmlns="">
       <p:transition spd="slow" advClick="0" advTm="3000">
         <p:random/>
       </p:transition>
@@ -17016,7 +18594,7 @@
 </p:sld>
 </file>
 
-<file path=ppt/slides/slide16.xml><?xml version="1.0" encoding="utf-8"?>
+<file path=ppt/slides/slide17.xml><?xml version="1.0" encoding="utf-8"?>
 <p:sld xmlns:a="http://schemas.openxmlformats.org/drawingml/2006/main" xmlns:r="http://schemas.openxmlformats.org/officeDocument/2006/relationships" xmlns:p="http://schemas.openxmlformats.org/presentationml/2006/main" showMasterSp="0">
   <p:cSld>
     <p:spTree>
@@ -17430,7 +19008,7 @@
             </a:pathLst>
           </a:custGeom>
           <a:blipFill dpi="0" rotWithShape="1">
-            <a:blip r:embed="rId1"/>
+            <a:blip r:embed="rId3"/>
             <a:srcRect/>
             <a:stretch>
               <a:fillRect/>
@@ -17561,7 +19139,7 @@
             </a:pathLst>
           </a:custGeom>
           <a:blipFill dpi="0" rotWithShape="1">
-            <a:blip r:embed="rId2"/>
+            <a:blip r:embed="rId4"/>
             <a:srcRect/>
             <a:stretch>
               <a:fillRect/>
@@ -17692,7 +19270,7 @@
             </a:pathLst>
           </a:custGeom>
           <a:blipFill dpi="0" rotWithShape="1">
-            <a:blip r:embed="rId3"/>
+            <a:blip r:embed="rId5"/>
             <a:srcRect/>
             <a:stretch>
               <a:fillRect/>
@@ -17823,7 +19401,7 @@
             </a:pathLst>
           </a:custGeom>
           <a:blipFill dpi="0" rotWithShape="1">
-            <a:blip r:embed="rId4"/>
+            <a:blip r:embed="rId6"/>
             <a:srcRect/>
             <a:stretch>
               <a:fillRect/>
@@ -17969,12 +19547,6 @@
                 </a:rPr>
                 <a:t>添加标题</a:t>
               </a:r>
-              <a:endParaRPr lang="zh-CN" altLang="en-US" sz="1100" b="1" dirty="0">
-                <a:latin typeface="+mn-lt"/>
-                <a:ea typeface="+mn-ea"/>
-                <a:cs typeface="+mn-ea"/>
-                <a:sym typeface="+mn-lt"/>
-              </a:endParaRPr>
             </a:p>
           </p:txBody>
         </p:sp>
@@ -18076,12 +19648,6 @@
                 </a:rPr>
                 <a:t>添加标题</a:t>
               </a:r>
-              <a:endParaRPr lang="zh-CN" altLang="en-US" sz="1100" b="1" dirty="0">
-                <a:latin typeface="+mn-lt"/>
-                <a:ea typeface="+mn-ea"/>
-                <a:cs typeface="+mn-ea"/>
-                <a:sym typeface="+mn-lt"/>
-              </a:endParaRPr>
             </a:p>
           </p:txBody>
         </p:sp>
@@ -18183,12 +19749,6 @@
                 </a:rPr>
                 <a:t>添加标题</a:t>
               </a:r>
-              <a:endParaRPr lang="zh-CN" altLang="en-US" sz="1100" b="1" dirty="0">
-                <a:latin typeface="+mn-lt"/>
-                <a:ea typeface="+mn-ea"/>
-                <a:cs typeface="+mn-ea"/>
-                <a:sym typeface="+mn-lt"/>
-              </a:endParaRPr>
             </a:p>
           </p:txBody>
         </p:sp>
@@ -18374,15 +19934,6 @@
                 </a:rPr>
                 <a:t></a:t>
               </a:r>
-              <a:endParaRPr lang="zh-CN" altLang="en-US" sz="2600" dirty="0">
-                <a:solidFill>
-                  <a:schemeClr val="bg1"/>
-                </a:solidFill>
-                <a:latin typeface="+mn-lt"/>
-                <a:ea typeface="+mn-ea"/>
-                <a:cs typeface="+mn-ea"/>
-                <a:sym typeface="+mn-lt"/>
-              </a:endParaRPr>
             </a:p>
           </p:txBody>
         </p:sp>
@@ -18568,15 +20119,6 @@
                 </a:rPr>
                 <a:t></a:t>
               </a:r>
-              <a:endParaRPr lang="zh-CN" altLang="en-US" sz="2600" dirty="0">
-                <a:solidFill>
-                  <a:schemeClr val="bg1"/>
-                </a:solidFill>
-                <a:latin typeface="+mn-lt"/>
-                <a:ea typeface="+mn-ea"/>
-                <a:cs typeface="+mn-ea"/>
-                <a:sym typeface="+mn-lt"/>
-              </a:endParaRPr>
             </a:p>
           </p:txBody>
         </p:sp>
@@ -18762,15 +20304,6 @@
                 </a:rPr>
                 <a:t></a:t>
               </a:r>
-              <a:endParaRPr lang="zh-CN" altLang="en-US" sz="2600" dirty="0">
-                <a:solidFill>
-                  <a:schemeClr val="bg1"/>
-                </a:solidFill>
-                <a:latin typeface="+mn-lt"/>
-                <a:ea typeface="+mn-ea"/>
-                <a:cs typeface="+mn-ea"/>
-                <a:sym typeface="+mn-lt"/>
-              </a:endParaRPr>
             </a:p>
           </p:txBody>
         </p:sp>
@@ -18834,17 +20367,6 @@
                 </a:rPr>
                 <a:t>应用前景</a:t>
               </a:r>
-              <a:endParaRPr lang="zh-CN" altLang="en-US" sz="2400" dirty="0">
-                <a:solidFill>
-                  <a:schemeClr val="accent6">
-                    <a:lumMod val="75000"/>
-                  </a:schemeClr>
-                </a:solidFill>
-                <a:latin typeface="+mn-lt"/>
-                <a:ea typeface="+mn-ea"/>
-                <a:cs typeface="+mn-ea"/>
-                <a:sym typeface="+mn-lt"/>
-              </a:endParaRPr>
             </a:p>
           </p:txBody>
         </p:sp>
@@ -19055,13 +20577,13 @@
   <p:clrMapOvr>
     <a:masterClrMapping/>
   </p:clrMapOvr>
-  <mc:AlternateContent xmlns:mc="http://schemas.openxmlformats.org/markup-compatibility/2006">
-    <mc:Choice xmlns:p14="http://schemas.microsoft.com/office/powerpoint/2010/main" Requires="p14">
+  <mc:AlternateContent xmlns:mc="http://schemas.openxmlformats.org/markup-compatibility/2006" xmlns:p14="http://schemas.microsoft.com/office/powerpoint/2010/main">
+    <mc:Choice Requires="p14">
       <p:transition spd="slow" p14:dur="1500" advClick="0" advTm="3000">
         <p:random/>
       </p:transition>
     </mc:Choice>
-    <mc:Fallback>
+    <mc:Fallback xmlns="">
       <p:transition spd="slow" advClick="0" advTm="3000">
         <p:random/>
       </p:transition>
@@ -19835,7 +21357,7 @@
 </p:sld>
 </file>
 
-<file path=ppt/slides/slide17.xml><?xml version="1.0" encoding="utf-8"?>
+<file path=ppt/slides/slide18.xml><?xml version="1.0" encoding="utf-8"?>
 <p:sld xmlns:a="http://schemas.openxmlformats.org/drawingml/2006/main" xmlns:r="http://schemas.openxmlformats.org/officeDocument/2006/relationships" xmlns:p="http://schemas.openxmlformats.org/presentationml/2006/main" showMasterSp="0">
   <p:cSld>
     <p:spTree>
@@ -19915,18 +21437,6 @@
                 </a:rPr>
                 <a:t>论文总结</a:t>
               </a:r>
-              <a:endParaRPr lang="zh-CN" altLang="en-US" sz="5400" dirty="0">
-                <a:solidFill>
-                  <a:schemeClr val="tx1">
-                    <a:lumMod val="85000"/>
-                    <a:lumOff val="15000"/>
-                  </a:schemeClr>
-                </a:solidFill>
-                <a:latin typeface="+mn-lt"/>
-                <a:ea typeface="+mn-ea"/>
-                <a:cs typeface="+mn-ea"/>
-                <a:sym typeface="+mn-lt"/>
-              </a:endParaRPr>
             </a:p>
           </p:txBody>
         </p:sp>
@@ -20142,13 +21652,13 @@
   <p:clrMapOvr>
     <a:masterClrMapping/>
   </p:clrMapOvr>
-  <mc:AlternateContent xmlns:mc="http://schemas.openxmlformats.org/markup-compatibility/2006">
-    <mc:Choice xmlns:p14="http://schemas.microsoft.com/office/powerpoint/2010/main" Requires="p14">
+  <mc:AlternateContent xmlns:mc="http://schemas.openxmlformats.org/markup-compatibility/2006" xmlns:p14="http://schemas.microsoft.com/office/powerpoint/2010/main">
+    <mc:Choice Requires="p14">
       <p:transition spd="slow" p14:dur="1500" advClick="0" advTm="3000">
         <p:random/>
       </p:transition>
     </mc:Choice>
-    <mc:Fallback>
+    <mc:Fallback xmlns="">
       <p:transition spd="slow" advClick="0" advTm="3000">
         <p:random/>
       </p:transition>
@@ -20281,7 +21791,7 @@
 </p:sld>
 </file>
 
-<file path=ppt/slides/slide18.xml><?xml version="1.0" encoding="utf-8"?>
+<file path=ppt/slides/slide19.xml><?xml version="1.0" encoding="utf-8"?>
 <p:sld xmlns:a="http://schemas.openxmlformats.org/drawingml/2006/main" xmlns:r="http://schemas.openxmlformats.org/officeDocument/2006/relationships" xmlns:p="http://schemas.openxmlformats.org/presentationml/2006/main" showMasterSp="0">
   <p:cSld>
     <p:spTree>
@@ -20513,15 +22023,6 @@
                 </a:rPr>
                 <a:t>标题一</a:t>
               </a:r>
-              <a:endParaRPr lang="zh-CN" altLang="en-US" sz="1500" dirty="0">
-                <a:solidFill>
-                  <a:schemeClr val="bg1"/>
-                </a:solidFill>
-                <a:latin typeface="+mn-lt"/>
-                <a:ea typeface="+mn-ea"/>
-                <a:cs typeface="+mn-ea"/>
-                <a:sym typeface="+mn-lt"/>
-              </a:endParaRPr>
             </a:p>
           </p:txBody>
         </p:sp>
@@ -20567,15 +22068,6 @@
                 </a:rPr>
                 <a:t>您的内容打在这里或者通过复制您的文本后，在此框中选择粘贴，并选择只保留文字。您的内容打在这</a:t>
               </a:r>
-              <a:endParaRPr lang="zh-CN" altLang="en-US" sz="1200" dirty="0">
-                <a:solidFill>
-                  <a:schemeClr val="bg1"/>
-                </a:solidFill>
-                <a:latin typeface="+mn-lt"/>
-                <a:ea typeface="+mn-ea"/>
-                <a:cs typeface="+mn-ea"/>
-                <a:sym typeface="+mn-lt"/>
-              </a:endParaRPr>
             </a:p>
           </p:txBody>
         </p:sp>
@@ -20795,15 +22287,6 @@
                 </a:rPr>
                 <a:t>标题二</a:t>
               </a:r>
-              <a:endParaRPr lang="zh-CN" altLang="en-US" sz="1500" dirty="0">
-                <a:solidFill>
-                  <a:schemeClr val="bg1"/>
-                </a:solidFill>
-                <a:latin typeface="+mn-lt"/>
-                <a:ea typeface="+mn-ea"/>
-                <a:cs typeface="+mn-ea"/>
-                <a:sym typeface="+mn-lt"/>
-              </a:endParaRPr>
             </a:p>
           </p:txBody>
         </p:sp>
@@ -20849,15 +22332,6 @@
                 </a:rPr>
                 <a:t>您的内容打在这里或者通过复制您的文本后，在此框中选择粘贴，并选择只保留文字。您的内容打在这</a:t>
               </a:r>
-              <a:endParaRPr lang="zh-CN" altLang="en-US" sz="1200" dirty="0">
-                <a:solidFill>
-                  <a:schemeClr val="bg1"/>
-                </a:solidFill>
-                <a:latin typeface="+mn-lt"/>
-                <a:ea typeface="+mn-ea"/>
-                <a:cs typeface="+mn-ea"/>
-                <a:sym typeface="+mn-lt"/>
-              </a:endParaRPr>
             </a:p>
           </p:txBody>
         </p:sp>
@@ -21077,15 +22551,6 @@
                 </a:rPr>
                 <a:t>标题三</a:t>
               </a:r>
-              <a:endParaRPr lang="zh-CN" altLang="en-US" sz="1500" dirty="0">
-                <a:solidFill>
-                  <a:schemeClr val="bg1"/>
-                </a:solidFill>
-                <a:latin typeface="+mn-lt"/>
-                <a:ea typeface="+mn-ea"/>
-                <a:cs typeface="+mn-ea"/>
-                <a:sym typeface="+mn-lt"/>
-              </a:endParaRPr>
             </a:p>
           </p:txBody>
         </p:sp>
@@ -21131,15 +22596,6 @@
                 </a:rPr>
                 <a:t>您的内容打在这里或者通过复制您的文本后，在此框中选择粘贴，并选择只保留文字。您的内容打在这</a:t>
               </a:r>
-              <a:endParaRPr lang="zh-CN" altLang="en-US" sz="1200" dirty="0">
-                <a:solidFill>
-                  <a:schemeClr val="bg1"/>
-                </a:solidFill>
-                <a:latin typeface="+mn-lt"/>
-                <a:ea typeface="+mn-ea"/>
-                <a:cs typeface="+mn-ea"/>
-                <a:sym typeface="+mn-lt"/>
-              </a:endParaRPr>
             </a:p>
           </p:txBody>
         </p:sp>
@@ -21359,15 +22815,6 @@
                 </a:rPr>
                 <a:t>标题四</a:t>
               </a:r>
-              <a:endParaRPr lang="zh-CN" altLang="en-US" sz="1500" dirty="0">
-                <a:solidFill>
-                  <a:schemeClr val="bg1"/>
-                </a:solidFill>
-                <a:latin typeface="+mn-lt"/>
-                <a:ea typeface="+mn-ea"/>
-                <a:cs typeface="+mn-ea"/>
-                <a:sym typeface="+mn-lt"/>
-              </a:endParaRPr>
             </a:p>
           </p:txBody>
         </p:sp>
@@ -21413,15 +22860,6 @@
                 </a:rPr>
                 <a:t>您的内容打在这里或者通过复制您的文本后，在此框中选择粘贴，并选择只保留文字。您的内容打在这</a:t>
               </a:r>
-              <a:endParaRPr lang="zh-CN" altLang="en-US" sz="1200" dirty="0">
-                <a:solidFill>
-                  <a:schemeClr val="bg1"/>
-                </a:solidFill>
-                <a:latin typeface="+mn-lt"/>
-                <a:ea typeface="+mn-ea"/>
-                <a:cs typeface="+mn-ea"/>
-                <a:sym typeface="+mn-lt"/>
-              </a:endParaRPr>
             </a:p>
           </p:txBody>
         </p:sp>
@@ -21485,17 +22923,6 @@
                 </a:rPr>
                 <a:t>论文总结</a:t>
               </a:r>
-              <a:endParaRPr lang="zh-CN" altLang="en-US" sz="2400" dirty="0">
-                <a:solidFill>
-                  <a:schemeClr val="accent6">
-                    <a:lumMod val="75000"/>
-                  </a:schemeClr>
-                </a:solidFill>
-                <a:latin typeface="+mn-lt"/>
-                <a:ea typeface="+mn-ea"/>
-                <a:cs typeface="+mn-ea"/>
-                <a:sym typeface="+mn-lt"/>
-              </a:endParaRPr>
             </a:p>
           </p:txBody>
         </p:sp>
@@ -21706,13 +23133,13 @@
   <p:clrMapOvr>
     <a:masterClrMapping/>
   </p:clrMapOvr>
-  <mc:AlternateContent xmlns:mc="http://schemas.openxmlformats.org/markup-compatibility/2006">
-    <mc:Choice xmlns:p14="http://schemas.microsoft.com/office/powerpoint/2010/main" Requires="p14">
+  <mc:AlternateContent xmlns:mc="http://schemas.openxmlformats.org/markup-compatibility/2006" xmlns:p14="http://schemas.microsoft.com/office/powerpoint/2010/main">
+    <mc:Choice Requires="p14">
       <p:transition spd="slow" p14:dur="1500" advClick="0" advTm="3000">
         <p:random/>
       </p:transition>
     </mc:Choice>
-    <mc:Fallback>
+    <mc:Fallback xmlns="">
       <p:transition spd="slow" advClick="0" advTm="3000">
         <p:random/>
       </p:transition>
@@ -22021,1328 +23448,6 @@
                                         <p:tav tm="0">
                                           <p:val>
                                             <p:strVal val="1+#ppt_h/2"/>
-                                          </p:val>
-                                        </p:tav>
-                                        <p:tav tm="100000">
-                                          <p:val>
-                                            <p:strVal val="#ppt_y"/>
-                                          </p:val>
-                                        </p:tav>
-                                      </p:tavLst>
-                                    </p:anim>
-                                  </p:childTnLst>
-                                </p:cTn>
-                              </p:par>
-                            </p:childTnLst>
-                          </p:cTn>
-                        </p:par>
-                      </p:childTnLst>
-                    </p:cTn>
-                  </p:par>
-                </p:childTnLst>
-              </p:cTn>
-              <p:prevCondLst>
-                <p:cond evt="onPrev" delay="0">
-                  <p:tgtEl>
-                    <p:sldTgt/>
-                  </p:tgtEl>
-                </p:cond>
-              </p:prevCondLst>
-              <p:nextCondLst>
-                <p:cond evt="onNext" delay="0">
-                  <p:tgtEl>
-                    <p:sldTgt/>
-                  </p:tgtEl>
-                </p:cond>
-              </p:nextCondLst>
-            </p:seq>
-          </p:childTnLst>
-        </p:cTn>
-      </p:par>
-    </p:tnLst>
-  </p:timing>
-</p:sld>
-</file>
-
-<file path=ppt/slides/slide19.xml><?xml version="1.0" encoding="utf-8"?>
-<p:sld xmlns:a="http://schemas.openxmlformats.org/drawingml/2006/main" xmlns:r="http://schemas.openxmlformats.org/officeDocument/2006/relationships" xmlns:p="http://schemas.openxmlformats.org/presentationml/2006/main" showMasterSp="0">
-  <p:cSld>
-    <p:spTree>
-      <p:nvGrpSpPr>
-        <p:cNvPr id="1" name=""/>
-        <p:cNvGrpSpPr/>
-        <p:nvPr/>
-      </p:nvGrpSpPr>
-      <p:grpSpPr>
-        <a:xfrm>
-          <a:off x="0" y="0"/>
-          <a:ext cx="0" cy="0"/>
-          <a:chOff x="0" y="0"/>
-          <a:chExt cx="0" cy="0"/>
-        </a:xfrm>
-      </p:grpSpPr>
-      <p:grpSp>
-        <p:nvGrpSpPr>
-          <p:cNvPr id="7" name="组合 6"/>
-          <p:cNvGrpSpPr/>
-          <p:nvPr/>
-        </p:nvGrpSpPr>
-        <p:grpSpPr>
-          <a:xfrm>
-            <a:off x="1154113" y="984250"/>
-            <a:ext cx="7162800" cy="1546225"/>
-            <a:chOff x="2954339" y="1292764"/>
-            <a:chExt cx="7162269" cy="1545453"/>
-          </a:xfrm>
-        </p:grpSpPr>
-        <p:sp>
-          <p:nvSpPr>
-            <p:cNvPr id="8" name="矩形 7"/>
-            <p:cNvSpPr>
-              <a:spLocks noChangeArrowheads="1"/>
-            </p:cNvSpPr>
-            <p:nvPr/>
-          </p:nvSpPr>
-          <p:spPr bwMode="auto">
-            <a:xfrm>
-              <a:off x="2954339" y="1638666"/>
-              <a:ext cx="7162269" cy="1199551"/>
-            </a:xfrm>
-            <a:prstGeom prst="rect">
-              <a:avLst/>
-            </a:prstGeom>
-            <a:noFill/>
-            <a:ln>
-              <a:noFill/>
-            </a:ln>
-            <a:extLst>
-              <a:ext uri="{909E8E84-426E-40DD-AFC4-6F175D3DCCD1}">
-                <a14:hiddenFill xmlns:a14="http://schemas.microsoft.com/office/drawing/2010/main">
-                  <a:solidFill>
-                    <a:srgbClr val="FFFFFF"/>
-                  </a:solidFill>
-                </a14:hiddenFill>
-              </a:ext>
-              <a:ext uri="{91240B29-F687-4F45-9708-019B960494DF}">
-                <a14:hiddenLine xmlns:a14="http://schemas.microsoft.com/office/drawing/2010/main" w="9525">
-                  <a:solidFill>
-                    <a:srgbClr val="000000"/>
-                  </a:solidFill>
-                  <a:miter lim="800000"/>
-                  <a:headEnd/>
-                  <a:tailEnd/>
-                </a14:hiddenLine>
-              </a:ext>
-            </a:extLst>
-          </p:spPr>
-          <p:txBody>
-            <a:bodyPr>
-              <a:spAutoFit/>
-            </a:bodyPr>
-            <a:lstStyle/>
-            <a:p>
-              <a:pPr marL="0" marR="0" lvl="0" indent="0" algn="just" defTabSz="685800" rtl="0" eaLnBrk="1" fontAlgn="auto" latinLnBrk="0" hangingPunct="1">
-                <a:lnSpc>
-                  <a:spcPct val="150000"/>
-                </a:lnSpc>
-                <a:spcBef>
-                  <a:spcPts val="0"/>
-                </a:spcBef>
-                <a:spcAft>
-                  <a:spcPts val="0"/>
-                </a:spcAft>
-                <a:buClrTx/>
-                <a:buSzTx/>
-                <a:buFontTx/>
-                <a:buNone/>
-                <a:defRPr/>
-              </a:pPr>
-              <a:r>
-                <a:rPr kumimoji="0" lang="zh-CN" altLang="en-US" sz="1200" b="0" i="0" u="none" strike="noStrike" kern="1200" cap="none" spc="0" normalizeH="0" baseline="0" noProof="0" dirty="0">
-                  <a:ln>
-                    <a:noFill/>
-                  </a:ln>
-                  <a:solidFill>
-                    <a:schemeClr val="tx1">
-                      <a:lumMod val="75000"/>
-                      <a:lumOff val="25000"/>
-                    </a:schemeClr>
-                  </a:solidFill>
-                  <a:effectLst/>
-                  <a:uLnTx/>
-                  <a:uFillTx/>
-                  <a:latin typeface="+mn-lt"/>
-                  <a:ea typeface="+mn-ea"/>
-                  <a:cs typeface="+mn-ea"/>
-                  <a:sym typeface="+mn-lt"/>
-                </a:rPr>
-                <a:t>您的内容打在这里，或者通过复制您的文本后，在此框中选择粘贴，并选择只保留文字。您的内容打在这里，或者通过复制您的文本后您的内容打在这里，您的内容打在这里，或者通过复制您的文本后，在此框中选择粘贴，并选择只保留文字。您的内容打在这里，或者通过复制您的文本后您的内容打在这里</a:t>
-              </a:r>
-              <a:endParaRPr kumimoji="0" lang="zh-CN" altLang="zh-CN" sz="1200" b="0" i="0" u="none" strike="noStrike" kern="1200" cap="none" spc="0" normalizeH="0" baseline="0" noProof="0" dirty="0">
-                <a:ln>
-                  <a:noFill/>
-                </a:ln>
-                <a:solidFill>
-                  <a:schemeClr val="tx1">
-                    <a:lumMod val="75000"/>
-                    <a:lumOff val="25000"/>
-                  </a:schemeClr>
-                </a:solidFill>
-                <a:effectLst/>
-                <a:uLnTx/>
-                <a:uFillTx/>
-                <a:latin typeface="+mn-lt"/>
-                <a:ea typeface="+mn-ea"/>
-                <a:cs typeface="+mn-ea"/>
-                <a:sym typeface="+mn-lt"/>
-              </a:endParaRPr>
-            </a:p>
-            <a:p>
-              <a:pPr marL="0" marR="0" lvl="0" indent="0" algn="just" defTabSz="685800" rtl="0" eaLnBrk="1" fontAlgn="auto" latinLnBrk="0" hangingPunct="1">
-                <a:lnSpc>
-                  <a:spcPct val="150000"/>
-                </a:lnSpc>
-                <a:spcBef>
-                  <a:spcPts val="0"/>
-                </a:spcBef>
-                <a:spcAft>
-                  <a:spcPts val="0"/>
-                </a:spcAft>
-                <a:buClrTx/>
-                <a:buSzTx/>
-                <a:buFontTx/>
-                <a:buNone/>
-                <a:defRPr/>
-              </a:pPr>
-              <a:endParaRPr kumimoji="0" lang="zh-CN" altLang="zh-CN" sz="1200" b="0" i="0" u="none" strike="noStrike" kern="1200" cap="none" spc="0" normalizeH="0" baseline="0" noProof="0" dirty="0">
-                <a:ln>
-                  <a:noFill/>
-                </a:ln>
-                <a:solidFill>
-                  <a:schemeClr val="tx1">
-                    <a:lumMod val="75000"/>
-                    <a:lumOff val="25000"/>
-                  </a:schemeClr>
-                </a:solidFill>
-                <a:effectLst/>
-                <a:uLnTx/>
-                <a:uFillTx/>
-                <a:latin typeface="+mn-lt"/>
-                <a:ea typeface="+mn-ea"/>
-                <a:cs typeface="+mn-ea"/>
-                <a:sym typeface="+mn-lt"/>
-              </a:endParaRPr>
-            </a:p>
-          </p:txBody>
-        </p:sp>
-        <p:sp>
-          <p:nvSpPr>
-            <p:cNvPr id="9" name="矩形 8"/>
-            <p:cNvSpPr/>
-            <p:nvPr/>
-          </p:nvSpPr>
-          <p:spPr>
-            <a:xfrm>
-              <a:off x="2963863" y="1292764"/>
-              <a:ext cx="877098" cy="299932"/>
-            </a:xfrm>
-            <a:prstGeom prst="rect">
-              <a:avLst/>
-            </a:prstGeom>
-          </p:spPr>
-          <p:txBody>
-            <a:bodyPr wrap="none">
-              <a:spAutoFit/>
-            </a:bodyPr>
-            <a:lstStyle/>
-            <a:p>
-              <a:pPr marL="0" marR="0" lvl="0" indent="0" algn="l" defTabSz="685800" rtl="0" eaLnBrk="1" fontAlgn="auto" latinLnBrk="0" hangingPunct="1">
-                <a:lnSpc>
-                  <a:spcPct val="100000"/>
-                </a:lnSpc>
-                <a:spcBef>
-                  <a:spcPts val="0"/>
-                </a:spcBef>
-                <a:spcAft>
-                  <a:spcPts val="0"/>
-                </a:spcAft>
-                <a:buClrTx/>
-                <a:buSzTx/>
-                <a:buFontTx/>
-                <a:buNone/>
-                <a:defRPr/>
-              </a:pPr>
-              <a:r>
-                <a:rPr kumimoji="0" lang="zh-CN" altLang="en-US" sz="1350" b="0" i="0" u="none" strike="noStrike" kern="1200" cap="none" spc="0" normalizeH="0" baseline="0" noProof="0" dirty="0">
-                  <a:ln>
-                    <a:noFill/>
-                  </a:ln>
-                  <a:solidFill>
-                    <a:schemeClr val="tx1"/>
-                  </a:solidFill>
-                  <a:effectLst/>
-                  <a:uLnTx/>
-                  <a:uFillTx/>
-                  <a:latin typeface="+mn-lt"/>
-                  <a:ea typeface="+mn-ea"/>
-                  <a:cs typeface="+mn-ea"/>
-                  <a:sym typeface="+mn-lt"/>
-                </a:rPr>
-                <a:t>研究结论</a:t>
-              </a:r>
-              <a:endParaRPr kumimoji="0" lang="zh-CN" altLang="en-US" sz="1350" b="0" i="0" u="none" strike="noStrike" kern="1200" cap="none" spc="0" normalizeH="0" baseline="0" noProof="0" dirty="0">
-                <a:ln>
-                  <a:noFill/>
-                </a:ln>
-                <a:solidFill>
-                  <a:schemeClr val="tx1"/>
-                </a:solidFill>
-                <a:effectLst/>
-                <a:uLnTx/>
-                <a:uFillTx/>
-                <a:latin typeface="+mn-lt"/>
-                <a:ea typeface="+mn-ea"/>
-                <a:cs typeface="+mn-ea"/>
-                <a:sym typeface="+mn-lt"/>
-              </a:endParaRPr>
-            </a:p>
-          </p:txBody>
-        </p:sp>
-      </p:grpSp>
-      <p:grpSp>
-        <p:nvGrpSpPr>
-          <p:cNvPr id="10" name="组合 9"/>
-          <p:cNvGrpSpPr/>
-          <p:nvPr/>
-        </p:nvGrpSpPr>
-        <p:grpSpPr>
-          <a:xfrm>
-            <a:off x="1162907" y="2393477"/>
-            <a:ext cx="6907149" cy="2122489"/>
-            <a:chOff x="1162907" y="2401888"/>
-            <a:chExt cx="6907149" cy="2122489"/>
-          </a:xfrm>
-          <a:solidFill>
-            <a:srgbClr val="0066FF"/>
-          </a:solidFill>
-        </p:grpSpPr>
-        <p:grpSp>
-          <p:nvGrpSpPr>
-            <p:cNvPr id="11" name="组合 10"/>
-            <p:cNvGrpSpPr/>
-            <p:nvPr/>
-          </p:nvGrpSpPr>
-          <p:grpSpPr>
-            <a:xfrm>
-              <a:off x="1162907" y="2401888"/>
-              <a:ext cx="6907149" cy="2122489"/>
-              <a:chOff x="1162907" y="2300288"/>
-              <a:chExt cx="6907149" cy="2122489"/>
-            </a:xfrm>
-            <a:grpFill/>
-          </p:grpSpPr>
-          <p:sp>
-            <p:nvSpPr>
-              <p:cNvPr id="13" name="任意多边形 12"/>
-              <p:cNvSpPr/>
-              <p:nvPr/>
-            </p:nvSpPr>
-            <p:spPr>
-              <a:xfrm>
-                <a:off x="7967663" y="3529013"/>
-                <a:ext cx="102393" cy="130968"/>
-              </a:xfrm>
-              <a:custGeom>
-                <a:avLst/>
-                <a:gdLst>
-                  <a:gd name="connsiteX0" fmla="*/ 102393 w 102393"/>
-                  <a:gd name="connsiteY0" fmla="*/ 130968 h 130968"/>
-                  <a:gd name="connsiteX1" fmla="*/ 0 w 102393"/>
-                  <a:gd name="connsiteY1" fmla="*/ 130968 h 130968"/>
-                  <a:gd name="connsiteX2" fmla="*/ 0 w 102393"/>
-                  <a:gd name="connsiteY2" fmla="*/ 0 h 130968"/>
-                  <a:gd name="connsiteX3" fmla="*/ 102393 w 102393"/>
-                  <a:gd name="connsiteY3" fmla="*/ 130968 h 130968"/>
-                </a:gdLst>
-                <a:ahLst/>
-                <a:cxnLst>
-                  <a:cxn ang="0">
-                    <a:pos x="connsiteX0" y="connsiteY0"/>
-                  </a:cxn>
-                  <a:cxn ang="0">
-                    <a:pos x="connsiteX1" y="connsiteY1"/>
-                  </a:cxn>
-                  <a:cxn ang="0">
-                    <a:pos x="connsiteX2" y="connsiteY2"/>
-                  </a:cxn>
-                  <a:cxn ang="0">
-                    <a:pos x="connsiteX3" y="connsiteY3"/>
-                  </a:cxn>
-                </a:cxnLst>
-                <a:rect l="l" t="t" r="r" b="b"/>
-                <a:pathLst>
-                  <a:path w="102393" h="130968">
-                    <a:moveTo>
-                      <a:pt x="102393" y="130968"/>
-                    </a:moveTo>
-                    <a:lnTo>
-                      <a:pt x="0" y="130968"/>
-                    </a:lnTo>
-                    <a:lnTo>
-                      <a:pt x="0" y="0"/>
-                    </a:lnTo>
-                    <a:lnTo>
-                      <a:pt x="102393" y="130968"/>
-                    </a:lnTo>
-                    <a:close/>
-                  </a:path>
-                </a:pathLst>
-              </a:custGeom>
-              <a:solidFill>
-                <a:srgbClr val="686C86"/>
-              </a:solidFill>
-              <a:ln>
-                <a:noFill/>
-              </a:ln>
-            </p:spPr>
-            <p:style>
-              <a:lnRef idx="2">
-                <a:schemeClr val="accent1">
-                  <a:shade val="50000"/>
-                </a:schemeClr>
-              </a:lnRef>
-              <a:fillRef idx="1">
-                <a:schemeClr val="accent1"/>
-              </a:fillRef>
-              <a:effectRef idx="0">
-                <a:schemeClr val="accent1"/>
-              </a:effectRef>
-              <a:fontRef idx="minor">
-                <a:schemeClr val="lt1"/>
-              </a:fontRef>
-            </p:style>
-            <p:txBody>
-              <a:bodyPr anchor="ctr"/>
-              <a:lstStyle/>
-              <a:p>
-                <a:pPr marL="0" marR="0" lvl="0" indent="0" algn="ctr" defTabSz="685800" rtl="0" eaLnBrk="1" fontAlgn="auto" latinLnBrk="0" hangingPunct="1">
-                  <a:lnSpc>
-                    <a:spcPct val="100000"/>
-                  </a:lnSpc>
-                  <a:spcBef>
-                    <a:spcPts val="0"/>
-                  </a:spcBef>
-                  <a:spcAft>
-                    <a:spcPts val="0"/>
-                  </a:spcAft>
-                  <a:buClrTx/>
-                  <a:buSzTx/>
-                  <a:buFontTx/>
-                  <a:buNone/>
-                  <a:defRPr/>
-                </a:pPr>
-                <a:endParaRPr kumimoji="0" lang="zh-CN" altLang="en-US" sz="1350" b="0" i="0" u="none" strike="noStrike" kern="1200" cap="none" spc="0" normalizeH="0" baseline="0" noProof="0">
-                  <a:ln>
-                    <a:noFill/>
-                  </a:ln>
-                  <a:solidFill>
-                    <a:schemeClr val="tx1">
-                      <a:lumMod val="85000"/>
-                      <a:lumOff val="15000"/>
-                    </a:schemeClr>
-                  </a:solidFill>
-                  <a:effectLst/>
-                  <a:uLnTx/>
-                  <a:uFillTx/>
-                  <a:cs typeface="+mn-ea"/>
-                  <a:sym typeface="+mn-lt"/>
-                </a:endParaRPr>
-              </a:p>
-            </p:txBody>
-          </p:sp>
-          <p:grpSp>
-            <p:nvGrpSpPr>
-              <p:cNvPr id="14" name="组合 13"/>
-              <p:cNvGrpSpPr/>
-              <p:nvPr/>
-            </p:nvGrpSpPr>
-            <p:grpSpPr>
-              <a:xfrm>
-                <a:off x="1162907" y="2300288"/>
-                <a:ext cx="6840760" cy="2122489"/>
-                <a:chOff x="1162907" y="2300288"/>
-                <a:chExt cx="6840760" cy="2122489"/>
-              </a:xfrm>
-              <a:grpFill/>
-            </p:grpSpPr>
-            <p:sp>
-              <p:nvSpPr>
-                <p:cNvPr id="15" name="任意多边形 14"/>
-                <p:cNvSpPr/>
-                <p:nvPr/>
-              </p:nvSpPr>
-              <p:spPr>
-                <a:xfrm>
-                  <a:off x="6657975" y="2300288"/>
-                  <a:ext cx="114300" cy="71437"/>
-                </a:xfrm>
-                <a:custGeom>
-                  <a:avLst/>
-                  <a:gdLst>
-                    <a:gd name="connsiteX0" fmla="*/ 19050 w 114300"/>
-                    <a:gd name="connsiteY0" fmla="*/ 0 h 71437"/>
-                    <a:gd name="connsiteX1" fmla="*/ 0 w 114300"/>
-                    <a:gd name="connsiteY1" fmla="*/ 71437 h 71437"/>
-                    <a:gd name="connsiteX2" fmla="*/ 114300 w 114300"/>
-                    <a:gd name="connsiteY2" fmla="*/ 71437 h 71437"/>
-                    <a:gd name="connsiteX3" fmla="*/ 19050 w 114300"/>
-                    <a:gd name="connsiteY3" fmla="*/ 0 h 71437"/>
-                  </a:gdLst>
-                  <a:ahLst/>
-                  <a:cxnLst>
-                    <a:cxn ang="0">
-                      <a:pos x="connsiteX0" y="connsiteY0"/>
-                    </a:cxn>
-                    <a:cxn ang="0">
-                      <a:pos x="connsiteX1" y="connsiteY1"/>
-                    </a:cxn>
-                    <a:cxn ang="0">
-                      <a:pos x="connsiteX2" y="connsiteY2"/>
-                    </a:cxn>
-                    <a:cxn ang="0">
-                      <a:pos x="connsiteX3" y="connsiteY3"/>
-                    </a:cxn>
-                  </a:cxnLst>
-                  <a:rect l="l" t="t" r="r" b="b"/>
-                  <a:pathLst>
-                    <a:path w="114300" h="71437">
-                      <a:moveTo>
-                        <a:pt x="19050" y="0"/>
-                      </a:moveTo>
-                      <a:lnTo>
-                        <a:pt x="0" y="71437"/>
-                      </a:lnTo>
-                      <a:lnTo>
-                        <a:pt x="114300" y="71437"/>
-                      </a:lnTo>
-                      <a:lnTo>
-                        <a:pt x="19050" y="0"/>
-                      </a:lnTo>
-                      <a:close/>
-                    </a:path>
-                  </a:pathLst>
-                </a:custGeom>
-                <a:solidFill>
-                  <a:srgbClr val="686C86"/>
-                </a:solidFill>
-                <a:ln>
-                  <a:noFill/>
-                </a:ln>
-              </p:spPr>
-              <p:style>
-                <a:lnRef idx="2">
-                  <a:schemeClr val="accent1">
-                    <a:shade val="50000"/>
-                  </a:schemeClr>
-                </a:lnRef>
-                <a:fillRef idx="1">
-                  <a:schemeClr val="accent1"/>
-                </a:fillRef>
-                <a:effectRef idx="0">
-                  <a:schemeClr val="accent1"/>
-                </a:effectRef>
-                <a:fontRef idx="minor">
-                  <a:schemeClr val="lt1"/>
-                </a:fontRef>
-              </p:style>
-              <p:txBody>
-                <a:bodyPr anchor="ctr"/>
-                <a:lstStyle/>
-                <a:p>
-                  <a:pPr marL="0" marR="0" lvl="0" indent="0" algn="ctr" defTabSz="685800" rtl="0" eaLnBrk="1" fontAlgn="auto" latinLnBrk="0" hangingPunct="1">
-                    <a:lnSpc>
-                      <a:spcPct val="100000"/>
-                    </a:lnSpc>
-                    <a:spcBef>
-                      <a:spcPts val="0"/>
-                    </a:spcBef>
-                    <a:spcAft>
-                      <a:spcPts val="0"/>
-                    </a:spcAft>
-                    <a:buClrTx/>
-                    <a:buSzTx/>
-                    <a:buFontTx/>
-                    <a:buNone/>
-                    <a:defRPr/>
-                  </a:pPr>
-                  <a:endParaRPr kumimoji="0" lang="zh-CN" altLang="en-US" sz="1350" b="0" i="0" u="none" strike="noStrike" kern="1200" cap="none" spc="0" normalizeH="0" baseline="0" noProof="0">
-                    <a:ln>
-                      <a:noFill/>
-                    </a:ln>
-                    <a:solidFill>
-                      <a:schemeClr val="lt1"/>
-                    </a:solidFill>
-                    <a:effectLst/>
-                    <a:uLnTx/>
-                    <a:uFillTx/>
-                    <a:cs typeface="+mn-ea"/>
-                    <a:sym typeface="+mn-lt"/>
-                  </a:endParaRPr>
-                </a:p>
-              </p:txBody>
-            </p:sp>
-            <p:sp>
-              <p:nvSpPr>
-                <p:cNvPr id="16" name="矩形 15"/>
-                <p:cNvSpPr/>
-                <p:nvPr/>
-              </p:nvSpPr>
-              <p:spPr>
-                <a:xfrm>
-                  <a:off x="1162907" y="2359707"/>
-                  <a:ext cx="6840760" cy="2063070"/>
-                </a:xfrm>
-                <a:prstGeom prst="rect">
-                  <a:avLst/>
-                </a:prstGeom>
-                <a:solidFill>
-                  <a:schemeClr val="accent6">
-                    <a:lumMod val="75000"/>
-                  </a:schemeClr>
-                </a:solidFill>
-                <a:ln>
-                  <a:noFill/>
-                </a:ln>
-              </p:spPr>
-              <p:style>
-                <a:lnRef idx="2">
-                  <a:schemeClr val="accent1">
-                    <a:shade val="50000"/>
-                  </a:schemeClr>
-                </a:lnRef>
-                <a:fillRef idx="1">
-                  <a:schemeClr val="accent1"/>
-                </a:fillRef>
-                <a:effectRef idx="0">
-                  <a:schemeClr val="accent1"/>
-                </a:effectRef>
-                <a:fontRef idx="minor">
-                  <a:schemeClr val="lt1"/>
-                </a:fontRef>
-              </p:style>
-              <p:txBody>
-                <a:bodyPr anchor="ctr"/>
-                <a:lstStyle/>
-                <a:p>
-                  <a:pPr marL="0" marR="0" lvl="0" indent="0" algn="ctr" defTabSz="685800" rtl="0" eaLnBrk="1" fontAlgn="auto" latinLnBrk="0" hangingPunct="1">
-                    <a:lnSpc>
-                      <a:spcPct val="100000"/>
-                    </a:lnSpc>
-                    <a:spcBef>
-                      <a:spcPts val="0"/>
-                    </a:spcBef>
-                    <a:spcAft>
-                      <a:spcPts val="0"/>
-                    </a:spcAft>
-                    <a:buClrTx/>
-                    <a:buSzTx/>
-                    <a:buFontTx/>
-                    <a:buNone/>
-                    <a:defRPr/>
-                  </a:pPr>
-                  <a:endParaRPr kumimoji="0" lang="zh-CN" altLang="en-US" sz="1350" b="0" i="0" u="none" strike="noStrike" kern="1200" cap="none" spc="0" normalizeH="0" baseline="0" noProof="0">
-                    <a:ln>
-                      <a:noFill/>
-                    </a:ln>
-                    <a:solidFill>
-                      <a:schemeClr val="lt1"/>
-                    </a:solidFill>
-                    <a:effectLst/>
-                    <a:uLnTx/>
-                    <a:uFillTx/>
-                    <a:cs typeface="+mn-ea"/>
-                    <a:sym typeface="+mn-lt"/>
-                  </a:endParaRPr>
-                </a:p>
-              </p:txBody>
-            </p:sp>
-          </p:grpSp>
-        </p:grpSp>
-        <p:sp>
-          <p:nvSpPr>
-            <p:cNvPr id="12" name="矩形 11"/>
-            <p:cNvSpPr>
-              <a:spLocks noChangeArrowheads="1"/>
-            </p:cNvSpPr>
-            <p:nvPr/>
-          </p:nvSpPr>
-          <p:spPr bwMode="auto">
-            <a:xfrm>
-              <a:off x="1410341" y="2753434"/>
-              <a:ext cx="4942928" cy="1477328"/>
-            </a:xfrm>
-            <a:prstGeom prst="rect">
-              <a:avLst/>
-            </a:prstGeom>
-            <a:noFill/>
-            <a:ln>
-              <a:noFill/>
-            </a:ln>
-            <a:extLst>
-              <a:ext uri="{91240B29-F687-4F45-9708-019B960494DF}">
-                <a14:hiddenLine xmlns:a14="http://schemas.microsoft.com/office/drawing/2010/main" w="9525">
-                  <a:solidFill>
-                    <a:srgbClr val="000000"/>
-                  </a:solidFill>
-                  <a:miter lim="800000"/>
-                  <a:headEnd/>
-                  <a:tailEnd/>
-                </a14:hiddenLine>
-              </a:ext>
-            </a:extLst>
-          </p:spPr>
-          <p:txBody>
-            <a:bodyPr>
-              <a:spAutoFit/>
-            </a:bodyPr>
-            <a:lstStyle/>
-            <a:p>
-              <a:pPr marL="0" marR="0" lvl="0" indent="0" algn="just" defTabSz="685800" rtl="0" eaLnBrk="1" fontAlgn="auto" latinLnBrk="0" hangingPunct="1">
-                <a:lnSpc>
-                  <a:spcPct val="150000"/>
-                </a:lnSpc>
-                <a:spcBef>
-                  <a:spcPts val="0"/>
-                </a:spcBef>
-                <a:spcAft>
-                  <a:spcPts val="0"/>
-                </a:spcAft>
-                <a:buClrTx/>
-                <a:buSzTx/>
-                <a:buFontTx/>
-                <a:buNone/>
-                <a:defRPr/>
-              </a:pPr>
-              <a:r>
-                <a:rPr kumimoji="0" lang="zh-CN" altLang="en-US" sz="1200" b="0" i="0" u="none" strike="noStrike" kern="1200" cap="none" spc="0" normalizeH="0" baseline="0" noProof="0" dirty="0">
-                  <a:ln>
-                    <a:noFill/>
-                  </a:ln>
-                  <a:solidFill>
-                    <a:schemeClr val="bg1"/>
-                  </a:solidFill>
-                  <a:effectLst/>
-                  <a:uLnTx/>
-                  <a:uFillTx/>
-                  <a:latin typeface="+mn-lt"/>
-                  <a:ea typeface="+mn-ea"/>
-                  <a:cs typeface="+mn-ea"/>
-                  <a:sym typeface="+mn-lt"/>
-                </a:rPr>
-                <a:t>您的内容打在这里，或者通过复制您的文本后，在此框中选择粘贴，并选择只保留文字。您的内容打在这里，或者通过复制您的文本后您的内容打在这里，您的内容打在这里，或者通过复制您的文本后，在此框中选择粘贴，并选择只保留文字。您的内容打在这里，或者通过复制您的文本后您的内容打在这里</a:t>
-              </a:r>
-              <a:endParaRPr kumimoji="0" lang="zh-CN" altLang="zh-CN" sz="1200" b="0" i="0" u="none" strike="noStrike" kern="1200" cap="none" spc="0" normalizeH="0" baseline="0" noProof="0" dirty="0">
-                <a:ln>
-                  <a:noFill/>
-                </a:ln>
-                <a:solidFill>
-                  <a:schemeClr val="bg1"/>
-                </a:solidFill>
-                <a:effectLst/>
-                <a:uLnTx/>
-                <a:uFillTx/>
-                <a:latin typeface="+mn-lt"/>
-                <a:ea typeface="+mn-ea"/>
-                <a:cs typeface="+mn-ea"/>
-                <a:sym typeface="+mn-lt"/>
-              </a:endParaRPr>
-            </a:p>
-          </p:txBody>
-        </p:sp>
-      </p:grpSp>
-      <p:grpSp>
-        <p:nvGrpSpPr>
-          <p:cNvPr id="17" name="组合 16"/>
-          <p:cNvGrpSpPr/>
-          <p:nvPr/>
-        </p:nvGrpSpPr>
-        <p:grpSpPr>
-          <a:xfrm>
-            <a:off x="6660231" y="2393477"/>
-            <a:ext cx="1396956" cy="1358900"/>
-            <a:chOff x="6919459" y="2300288"/>
-            <a:chExt cx="1396955" cy="1358900"/>
-          </a:xfrm>
-          <a:solidFill>
-            <a:schemeClr val="accent6"/>
-          </a:solidFill>
-        </p:grpSpPr>
-        <p:sp>
-          <p:nvSpPr>
-            <p:cNvPr id="18" name="任意多边形 17"/>
-            <p:cNvSpPr/>
-            <p:nvPr/>
-          </p:nvSpPr>
-          <p:spPr>
-            <a:xfrm>
-              <a:off x="6919459" y="2300288"/>
-              <a:ext cx="1396955" cy="1358900"/>
-            </a:xfrm>
-            <a:custGeom>
-              <a:avLst/>
-              <a:gdLst>
-                <a:gd name="connsiteX0" fmla="*/ 0 w 1319348"/>
-                <a:gd name="connsiteY0" fmla="*/ 0 h 1293223"/>
-                <a:gd name="connsiteX1" fmla="*/ 1319348 w 1319348"/>
-                <a:gd name="connsiteY1" fmla="*/ 1293223 h 1293223"/>
-                <a:gd name="connsiteX2" fmla="*/ 1319348 w 1319348"/>
-                <a:gd name="connsiteY2" fmla="*/ 391886 h 1293223"/>
-                <a:gd name="connsiteX3" fmla="*/ 927463 w 1319348"/>
-                <a:gd name="connsiteY3" fmla="*/ 13063 h 1293223"/>
-                <a:gd name="connsiteX4" fmla="*/ 0 w 1319348"/>
-                <a:gd name="connsiteY4" fmla="*/ 0 h 1293223"/>
-                <a:gd name="connsiteX0-1" fmla="*/ 0 w 1319348"/>
-                <a:gd name="connsiteY0-2" fmla="*/ 5987 h 1299210"/>
-                <a:gd name="connsiteX1-3" fmla="*/ 1319348 w 1319348"/>
-                <a:gd name="connsiteY1-4" fmla="*/ 1299210 h 1299210"/>
-                <a:gd name="connsiteX2-5" fmla="*/ 1319348 w 1319348"/>
-                <a:gd name="connsiteY2-6" fmla="*/ 397873 h 1299210"/>
-                <a:gd name="connsiteX3-7" fmla="*/ 908413 w 1319348"/>
-                <a:gd name="connsiteY3-8" fmla="*/ 0 h 1299210"/>
-                <a:gd name="connsiteX4-9" fmla="*/ 0 w 1319348"/>
-                <a:gd name="connsiteY4-10" fmla="*/ 5987 h 1299210"/>
-                <a:gd name="connsiteX0-11" fmla="*/ 0 w 1333635"/>
-                <a:gd name="connsiteY0-12" fmla="*/ 1225 h 1299210"/>
-                <a:gd name="connsiteX1-13" fmla="*/ 1333635 w 1333635"/>
-                <a:gd name="connsiteY1-14" fmla="*/ 1299210 h 1299210"/>
-                <a:gd name="connsiteX2-15" fmla="*/ 1333635 w 1333635"/>
-                <a:gd name="connsiteY2-16" fmla="*/ 397873 h 1299210"/>
-                <a:gd name="connsiteX3-17" fmla="*/ 922700 w 1333635"/>
-                <a:gd name="connsiteY3-18" fmla="*/ 0 h 1299210"/>
-                <a:gd name="connsiteX4-19" fmla="*/ 0 w 1333635"/>
-                <a:gd name="connsiteY4-20" fmla="*/ 1225 h 1299210"/>
-              </a:gdLst>
-              <a:ahLst/>
-              <a:cxnLst>
-                <a:cxn ang="0">
-                  <a:pos x="connsiteX0-1" y="connsiteY0-2"/>
-                </a:cxn>
-                <a:cxn ang="0">
-                  <a:pos x="connsiteX1-3" y="connsiteY1-4"/>
-                </a:cxn>
-                <a:cxn ang="0">
-                  <a:pos x="connsiteX2-5" y="connsiteY2-6"/>
-                </a:cxn>
-                <a:cxn ang="0">
-                  <a:pos x="connsiteX3-7" y="connsiteY3-8"/>
-                </a:cxn>
-                <a:cxn ang="0">
-                  <a:pos x="connsiteX4-9" y="connsiteY4-10"/>
-                </a:cxn>
-              </a:cxnLst>
-              <a:rect l="l" t="t" r="r" b="b"/>
-              <a:pathLst>
-                <a:path w="1333635" h="1299210">
-                  <a:moveTo>
-                    <a:pt x="0" y="1225"/>
-                  </a:moveTo>
-                  <a:lnTo>
-                    <a:pt x="1333635" y="1299210"/>
-                  </a:lnTo>
-                  <a:lnTo>
-                    <a:pt x="1333635" y="397873"/>
-                  </a:lnTo>
-                  <a:lnTo>
-                    <a:pt x="922700" y="0"/>
-                  </a:lnTo>
-                  <a:lnTo>
-                    <a:pt x="0" y="1225"/>
-                  </a:lnTo>
-                  <a:close/>
-                </a:path>
-              </a:pathLst>
-            </a:custGeom>
-            <a:grpFill/>
-            <a:ln>
-              <a:noFill/>
-            </a:ln>
-          </p:spPr>
-          <p:style>
-            <a:lnRef idx="2">
-              <a:schemeClr val="accent1">
-                <a:shade val="50000"/>
-              </a:schemeClr>
-            </a:lnRef>
-            <a:fillRef idx="1">
-              <a:schemeClr val="accent1"/>
-            </a:fillRef>
-            <a:effectRef idx="0">
-              <a:schemeClr val="accent1"/>
-            </a:effectRef>
-            <a:fontRef idx="minor">
-              <a:schemeClr val="lt1"/>
-            </a:fontRef>
-          </p:style>
-          <p:txBody>
-            <a:bodyPr anchor="ctr"/>
-            <a:lstStyle/>
-            <a:p>
-              <a:pPr marL="0" marR="0" lvl="0" indent="0" algn="ctr" defTabSz="685800" rtl="0" eaLnBrk="1" fontAlgn="auto" latinLnBrk="0" hangingPunct="1">
-                <a:lnSpc>
-                  <a:spcPct val="100000"/>
-                </a:lnSpc>
-                <a:spcBef>
-                  <a:spcPts val="0"/>
-                </a:spcBef>
-                <a:spcAft>
-                  <a:spcPts val="0"/>
-                </a:spcAft>
-                <a:buClrTx/>
-                <a:buSzTx/>
-                <a:buFontTx/>
-                <a:buNone/>
-                <a:defRPr/>
-              </a:pPr>
-              <a:endParaRPr kumimoji="0" lang="zh-CN" altLang="en-US" sz="1350" b="0" i="0" u="none" strike="noStrike" kern="1200" cap="none" spc="0" normalizeH="0" baseline="0" noProof="0">
-                <a:ln>
-                  <a:noFill/>
-                </a:ln>
-                <a:solidFill>
-                  <a:schemeClr val="tx1">
-                    <a:lumMod val="85000"/>
-                    <a:lumOff val="15000"/>
-                  </a:schemeClr>
-                </a:solidFill>
-                <a:effectLst/>
-                <a:uLnTx/>
-                <a:uFillTx/>
-                <a:cs typeface="+mn-ea"/>
-                <a:sym typeface="+mn-lt"/>
-              </a:endParaRPr>
-            </a:p>
-          </p:txBody>
-        </p:sp>
-        <p:sp>
-          <p:nvSpPr>
-            <p:cNvPr id="19" name="矩形 18"/>
-            <p:cNvSpPr/>
-            <p:nvPr/>
-          </p:nvSpPr>
-          <p:spPr>
-            <a:xfrm rot="2637414">
-              <a:off x="7160398" y="2597343"/>
-              <a:ext cx="902811" cy="307777"/>
-            </a:xfrm>
-            <a:prstGeom prst="rect">
-              <a:avLst/>
-            </a:prstGeom>
-            <a:grpFill/>
-          </p:spPr>
-          <p:txBody>
-            <a:bodyPr wrap="none">
-              <a:spAutoFit/>
-            </a:bodyPr>
-            <a:lstStyle/>
-            <a:p>
-              <a:pPr marL="0" marR="0" lvl="0" indent="0" algn="l" defTabSz="685800" rtl="0" eaLnBrk="1" fontAlgn="auto" latinLnBrk="0" hangingPunct="1">
-                <a:lnSpc>
-                  <a:spcPct val="100000"/>
-                </a:lnSpc>
-                <a:spcBef>
-                  <a:spcPts val="0"/>
-                </a:spcBef>
-                <a:spcAft>
-                  <a:spcPts val="0"/>
-                </a:spcAft>
-                <a:buClrTx/>
-                <a:buSzTx/>
-                <a:buFontTx/>
-                <a:buNone/>
-                <a:defRPr/>
-              </a:pPr>
-              <a:r>
-                <a:rPr kumimoji="0" lang="zh-CN" altLang="en-US" sz="1400" b="0" i="0" u="none" strike="noStrike" kern="1200" cap="none" spc="0" normalizeH="0" baseline="0" noProof="0" dirty="0">
-                  <a:ln>
-                    <a:noFill/>
-                  </a:ln>
-                  <a:solidFill>
-                    <a:schemeClr val="bg1"/>
-                  </a:solidFill>
-                  <a:effectLst/>
-                  <a:uLnTx/>
-                  <a:uFillTx/>
-                  <a:latin typeface="+mn-lt"/>
-                  <a:ea typeface="+mn-ea"/>
-                  <a:cs typeface="+mn-ea"/>
-                  <a:sym typeface="+mn-lt"/>
-                </a:rPr>
-                <a:t>添加标题</a:t>
-              </a:r>
-              <a:endParaRPr kumimoji="0" lang="zh-CN" altLang="en-US" sz="1400" b="0" i="0" u="none" strike="noStrike" kern="1200" cap="none" spc="0" normalizeH="0" baseline="0" noProof="0" dirty="0">
-                <a:ln>
-                  <a:noFill/>
-                </a:ln>
-                <a:solidFill>
-                  <a:schemeClr val="bg1"/>
-                </a:solidFill>
-                <a:effectLst/>
-                <a:uLnTx/>
-                <a:uFillTx/>
-                <a:latin typeface="+mn-lt"/>
-                <a:ea typeface="+mn-ea"/>
-                <a:cs typeface="+mn-ea"/>
-                <a:sym typeface="+mn-lt"/>
-              </a:endParaRPr>
-            </a:p>
-          </p:txBody>
-        </p:sp>
-      </p:grpSp>
-      <p:grpSp>
-        <p:nvGrpSpPr>
-          <p:cNvPr id="20" name="组合 19"/>
-          <p:cNvGrpSpPr/>
-          <p:nvPr/>
-        </p:nvGrpSpPr>
-        <p:grpSpPr>
-          <a:xfrm>
-            <a:off x="-498530" y="1243"/>
-            <a:ext cx="3124499" cy="859534"/>
-            <a:chOff x="-498530" y="1243"/>
-            <a:chExt cx="3124499" cy="859534"/>
-          </a:xfrm>
-        </p:grpSpPr>
-        <p:sp>
-          <p:nvSpPr>
-            <p:cNvPr id="22" name="文本框 21"/>
-            <p:cNvSpPr txBox="1"/>
-            <p:nvPr/>
-          </p:nvSpPr>
-          <p:spPr>
-            <a:xfrm>
-              <a:off x="498529" y="105863"/>
-              <a:ext cx="2127440" cy="461963"/>
-            </a:xfrm>
-            <a:prstGeom prst="rect">
-              <a:avLst/>
-            </a:prstGeom>
-            <a:noFill/>
-          </p:spPr>
-          <p:txBody>
-            <a:bodyPr wrap="square">
-              <a:spAutoFit/>
-            </a:bodyPr>
-            <a:lstStyle/>
-            <a:p>
-              <a:pPr eaLnBrk="1" fontAlgn="auto" hangingPunct="1">
-                <a:spcBef>
-                  <a:spcPts val="0"/>
-                </a:spcBef>
-                <a:spcAft>
-                  <a:spcPts val="0"/>
-                </a:spcAft>
-                <a:defRPr/>
-              </a:pPr>
-              <a:r>
-                <a:rPr lang="zh-CN" altLang="en-US" sz="2400" dirty="0">
-                  <a:solidFill>
-                    <a:schemeClr val="accent6">
-                      <a:lumMod val="75000"/>
-                    </a:schemeClr>
-                  </a:solidFill>
-                  <a:latin typeface="+mn-lt"/>
-                  <a:ea typeface="+mn-ea"/>
-                  <a:cs typeface="+mn-ea"/>
-                  <a:sym typeface="+mn-lt"/>
-                </a:rPr>
-                <a:t>论文总结</a:t>
-              </a:r>
-              <a:endParaRPr lang="zh-CN" altLang="en-US" sz="2400" dirty="0">
-                <a:solidFill>
-                  <a:schemeClr val="accent6">
-                    <a:lumMod val="75000"/>
-                  </a:schemeClr>
-                </a:solidFill>
-                <a:latin typeface="+mn-lt"/>
-                <a:ea typeface="+mn-ea"/>
-                <a:cs typeface="+mn-ea"/>
-                <a:sym typeface="+mn-lt"/>
-              </a:endParaRPr>
-            </a:p>
-          </p:txBody>
-        </p:sp>
-        <p:sp>
-          <p:nvSpPr>
-            <p:cNvPr id="25" name="椭圆 24"/>
-            <p:cNvSpPr/>
-            <p:nvPr/>
-          </p:nvSpPr>
-          <p:spPr>
-            <a:xfrm>
-              <a:off x="-498530" y="1243"/>
-              <a:ext cx="997059" cy="859534"/>
-            </a:xfrm>
-            <a:prstGeom prst="ellipse">
-              <a:avLst/>
-            </a:prstGeom>
-            <a:pattFill prst="wdDnDiag">
-              <a:fgClr>
-                <a:schemeClr val="accent1"/>
-              </a:fgClr>
-              <a:bgClr>
-                <a:schemeClr val="bg1"/>
-              </a:bgClr>
-            </a:pattFill>
-            <a:ln>
-              <a:noFill/>
-            </a:ln>
-          </p:spPr>
-          <p:style>
-            <a:lnRef idx="2">
-              <a:schemeClr val="accent1">
-                <a:shade val="50000"/>
-              </a:schemeClr>
-            </a:lnRef>
-            <a:fillRef idx="1">
-              <a:schemeClr val="accent1"/>
-            </a:fillRef>
-            <a:effectRef idx="0">
-              <a:schemeClr val="accent1"/>
-            </a:effectRef>
-            <a:fontRef idx="minor">
-              <a:schemeClr val="lt1"/>
-            </a:fontRef>
-          </p:style>
-          <p:txBody>
-            <a:bodyPr rtlCol="0" anchor="ctr"/>
-            <a:lstStyle/>
-            <a:p>
-              <a:pPr algn="ctr"/>
-              <a:endParaRPr lang="zh-CN" altLang="en-US">
-                <a:cs typeface="+mn-ea"/>
-                <a:sym typeface="+mn-lt"/>
-              </a:endParaRPr>
-            </a:p>
-          </p:txBody>
-        </p:sp>
-        <p:sp>
-          <p:nvSpPr>
-            <p:cNvPr id="26" name="矩形 25"/>
-            <p:cNvSpPr/>
-            <p:nvPr/>
-          </p:nvSpPr>
-          <p:spPr>
-            <a:xfrm>
-              <a:off x="513914" y="506933"/>
-              <a:ext cx="1489510" cy="292388"/>
-            </a:xfrm>
-            <a:prstGeom prst="rect">
-              <a:avLst/>
-            </a:prstGeom>
-          </p:spPr>
-          <p:txBody>
-            <a:bodyPr wrap="none">
-              <a:spAutoFit/>
-            </a:bodyPr>
-            <a:lstStyle/>
-            <a:p>
-              <a:r>
-                <a:rPr lang="en-US" altLang="zh-CN" dirty="0">
-                  <a:latin typeface="+mn-lt"/>
-                  <a:ea typeface="+mn-ea"/>
-                  <a:cs typeface="+mn-ea"/>
-                  <a:sym typeface="+mn-lt"/>
-                </a:rPr>
-                <a:t>Summary Of Paper</a:t>
-              </a:r>
-              <a:endParaRPr lang="zh-CN" altLang="en-US" dirty="0">
-                <a:latin typeface="+mn-lt"/>
-                <a:ea typeface="+mn-ea"/>
-                <a:cs typeface="+mn-ea"/>
-                <a:sym typeface="+mn-lt"/>
-              </a:endParaRPr>
-            </a:p>
-          </p:txBody>
-        </p:sp>
-      </p:grpSp>
-    </p:spTree>
-  </p:cSld>
-  <p:clrMapOvr>
-    <a:masterClrMapping/>
-  </p:clrMapOvr>
-  <mc:AlternateContent xmlns:mc="http://schemas.openxmlformats.org/markup-compatibility/2006">
-    <mc:Choice xmlns:p14="http://schemas.microsoft.com/office/powerpoint/2010/main" Requires="p14">
-      <p:transition spd="slow" p14:dur="1500" advClick="0" advTm="3000">
-        <p:random/>
-      </p:transition>
-    </mc:Choice>
-    <mc:Fallback>
-      <p:transition spd="slow" advClick="0" advTm="3000">
-        <p:random/>
-      </p:transition>
-    </mc:Fallback>
-  </mc:AlternateContent>
-  <p:timing>
-    <p:tnLst>
-      <p:par>
-        <p:cTn id="1" dur="indefinite" restart="never" nodeType="tmRoot">
-          <p:childTnLst>
-            <p:seq concurrent="1" nextAc="seek">
-              <p:cTn id="2" dur="indefinite" nodeType="mainSeq">
-                <p:childTnLst>
-                  <p:par>
-                    <p:cTn id="3" fill="hold">
-                      <p:stCondLst>
-                        <p:cond delay="indefinite"/>
-                        <p:cond evt="onBegin" delay="0">
-                          <p:tn val="2"/>
-                        </p:cond>
-                      </p:stCondLst>
-                      <p:childTnLst>
-                        <p:par>
-                          <p:cTn id="4" fill="hold">
-                            <p:stCondLst>
-                              <p:cond delay="0"/>
-                            </p:stCondLst>
-                            <p:childTnLst>
-                              <p:par>
-                                <p:cTn id="5" presetID="18" presetClass="entr" presetSubtype="6" fill="hold" nodeType="withEffect">
-                                  <p:stCondLst>
-                                    <p:cond delay="0"/>
-                                  </p:stCondLst>
-                                  <p:childTnLst>
-                                    <p:set>
-                                      <p:cBhvr>
-                                        <p:cTn id="6" dur="1" fill="hold">
-                                          <p:stCondLst>
-                                            <p:cond delay="0"/>
-                                          </p:stCondLst>
-                                        </p:cTn>
-                                        <p:tgtEl>
-                                          <p:spTgt spid="7"/>
-                                        </p:tgtEl>
-                                        <p:attrNameLst>
-                                          <p:attrName>style.visibility</p:attrName>
-                                        </p:attrNameLst>
-                                      </p:cBhvr>
-                                      <p:to>
-                                        <p:strVal val="visible"/>
-                                      </p:to>
-                                    </p:set>
-                                    <p:animEffect transition="in" filter="strips(downRight)">
-                                      <p:cBhvr>
-                                        <p:cTn id="7" dur="1000"/>
-                                        <p:tgtEl>
-                                          <p:spTgt spid="7"/>
-                                        </p:tgtEl>
-                                      </p:cBhvr>
-                                    </p:animEffect>
-                                  </p:childTnLst>
-                                </p:cTn>
-                              </p:par>
-                              <p:par>
-                                <p:cTn id="8" presetID="16" presetClass="entr" presetSubtype="37" fill="hold" nodeType="withEffect">
-                                  <p:stCondLst>
-                                    <p:cond delay="1000"/>
-                                  </p:stCondLst>
-                                  <p:childTnLst>
-                                    <p:set>
-                                      <p:cBhvr>
-                                        <p:cTn id="9" dur="1" fill="hold">
-                                          <p:stCondLst>
-                                            <p:cond delay="0"/>
-                                          </p:stCondLst>
-                                        </p:cTn>
-                                        <p:tgtEl>
-                                          <p:spTgt spid="10"/>
-                                        </p:tgtEl>
-                                        <p:attrNameLst>
-                                          <p:attrName>style.visibility</p:attrName>
-                                        </p:attrNameLst>
-                                      </p:cBhvr>
-                                      <p:to>
-                                        <p:strVal val="visible"/>
-                                      </p:to>
-                                    </p:set>
-                                    <p:animEffect transition="in" filter="barn(outVertical)">
-                                      <p:cBhvr>
-                                        <p:cTn id="10" dur="1000"/>
-                                        <p:tgtEl>
-                                          <p:spTgt spid="10"/>
-                                        </p:tgtEl>
-                                      </p:cBhvr>
-                                    </p:animEffect>
-                                  </p:childTnLst>
-                                </p:cTn>
-                              </p:par>
-                              <p:par>
-                                <p:cTn id="11" presetID="47" presetClass="entr" presetSubtype="0" fill="hold" nodeType="withEffect">
-                                  <p:stCondLst>
-                                    <p:cond delay="1700"/>
-                                  </p:stCondLst>
-                                  <p:childTnLst>
-                                    <p:set>
-                                      <p:cBhvr>
-                                        <p:cTn id="12" dur="1" fill="hold">
-                                          <p:stCondLst>
-                                            <p:cond delay="0"/>
-                                          </p:stCondLst>
-                                        </p:cTn>
-                                        <p:tgtEl>
-                                          <p:spTgt spid="17"/>
-                                        </p:tgtEl>
-                                        <p:attrNameLst>
-                                          <p:attrName>style.visibility</p:attrName>
-                                        </p:attrNameLst>
-                                      </p:cBhvr>
-                                      <p:to>
-                                        <p:strVal val="visible"/>
-                                      </p:to>
-                                    </p:set>
-                                    <p:animEffect transition="in" filter="fade">
-                                      <p:cBhvr>
-                                        <p:cTn id="13" dur="600"/>
-                                        <p:tgtEl>
-                                          <p:spTgt spid="17"/>
-                                        </p:tgtEl>
-                                      </p:cBhvr>
-                                    </p:animEffect>
-                                    <p:anim calcmode="lin" valueType="num">
-                                      <p:cBhvr>
-                                        <p:cTn id="14" dur="600" fill="hold"/>
-                                        <p:tgtEl>
-                                          <p:spTgt spid="17"/>
-                                        </p:tgtEl>
-                                        <p:attrNameLst>
-                                          <p:attrName>ppt_x</p:attrName>
-                                        </p:attrNameLst>
-                                      </p:cBhvr>
-                                      <p:tavLst>
-                                        <p:tav tm="0">
-                                          <p:val>
-                                            <p:strVal val="#ppt_x"/>
-                                          </p:val>
-                                        </p:tav>
-                                        <p:tav tm="100000">
-                                          <p:val>
-                                            <p:strVal val="#ppt_x"/>
-                                          </p:val>
-                                        </p:tav>
-                                      </p:tavLst>
-                                    </p:anim>
-                                    <p:anim calcmode="lin" valueType="num">
-                                      <p:cBhvr>
-                                        <p:cTn id="15" dur="600" fill="hold"/>
-                                        <p:tgtEl>
-                                          <p:spTgt spid="17"/>
-                                        </p:tgtEl>
-                                        <p:attrNameLst>
-                                          <p:attrName>ppt_y</p:attrName>
-                                        </p:attrNameLst>
-                                      </p:cBhvr>
-                                      <p:tavLst>
-                                        <p:tav tm="0">
-                                          <p:val>
-                                            <p:strVal val="#ppt_y-.1"/>
                                           </p:val>
                                         </p:tav>
                                         <p:tav tm="100000">
@@ -24134,18 +24239,6 @@
               </a:rPr>
               <a:t>课题综述</a:t>
             </a:r>
-            <a:endParaRPr kumimoji="0" lang="zh-CN" altLang="en-US" sz="1800" kern="1200" cap="none" spc="0" normalizeH="0" baseline="0" noProof="0" dirty="0">
-              <a:solidFill>
-                <a:schemeClr val="tx1">
-                  <a:lumMod val="85000"/>
-                  <a:lumOff val="15000"/>
-                </a:schemeClr>
-              </a:solidFill>
-              <a:latin typeface="+mn-lt"/>
-              <a:ea typeface="+mn-ea"/>
-              <a:cs typeface="+mn-ea"/>
-              <a:sym typeface="+mn-lt"/>
-            </a:endParaRPr>
           </a:p>
         </p:txBody>
       </p:sp>
@@ -24333,18 +24426,6 @@
               </a:rPr>
               <a:t>研究过程</a:t>
             </a:r>
-            <a:endParaRPr kumimoji="0" lang="zh-CN" altLang="en-US" sz="1800" kern="1200" cap="none" spc="0" normalizeH="0" baseline="0" noProof="0" dirty="0">
-              <a:solidFill>
-                <a:schemeClr val="tx1">
-                  <a:lumMod val="85000"/>
-                  <a:lumOff val="15000"/>
-                </a:schemeClr>
-              </a:solidFill>
-              <a:latin typeface="+mn-lt"/>
-              <a:ea typeface="+mn-ea"/>
-              <a:cs typeface="+mn-ea"/>
-              <a:sym typeface="+mn-lt"/>
-            </a:endParaRPr>
           </a:p>
         </p:txBody>
       </p:sp>
@@ -24398,18 +24479,6 @@
               </a:rPr>
               <a:t>目前现状</a:t>
             </a:r>
-            <a:endParaRPr kumimoji="0" lang="zh-CN" altLang="en-US" sz="1800" kern="1200" cap="none" spc="0" normalizeH="0" baseline="0" noProof="0" dirty="0">
-              <a:solidFill>
-                <a:schemeClr val="tx1">
-                  <a:lumMod val="85000"/>
-                  <a:lumOff val="15000"/>
-                </a:schemeClr>
-              </a:solidFill>
-              <a:latin typeface="+mn-lt"/>
-              <a:ea typeface="+mn-ea"/>
-              <a:cs typeface="+mn-ea"/>
-              <a:sym typeface="+mn-lt"/>
-            </a:endParaRPr>
           </a:p>
         </p:txBody>
       </p:sp>
@@ -24463,18 +24532,6 @@
               </a:rPr>
               <a:t>研究目标</a:t>
             </a:r>
-            <a:endParaRPr kumimoji="0" lang="zh-CN" altLang="en-US" sz="1800" kern="1200" cap="none" spc="0" normalizeH="0" baseline="0" noProof="0" dirty="0">
-              <a:solidFill>
-                <a:schemeClr val="tx1">
-                  <a:lumMod val="85000"/>
-                  <a:lumOff val="15000"/>
-                </a:schemeClr>
-              </a:solidFill>
-              <a:latin typeface="+mn-lt"/>
-              <a:ea typeface="+mn-ea"/>
-              <a:cs typeface="+mn-ea"/>
-              <a:sym typeface="+mn-lt"/>
-            </a:endParaRPr>
           </a:p>
         </p:txBody>
       </p:sp>
@@ -24671,18 +24728,6 @@
               </a:rPr>
               <a:t>研究结论</a:t>
             </a:r>
-            <a:endParaRPr kumimoji="0" lang="zh-CN" altLang="en-US" sz="1800" kern="1200" cap="none" spc="0" normalizeH="0" baseline="0" noProof="0" dirty="0">
-              <a:solidFill>
-                <a:schemeClr val="tx1">
-                  <a:lumMod val="85000"/>
-                  <a:lumOff val="15000"/>
-                </a:schemeClr>
-              </a:solidFill>
-              <a:latin typeface="+mn-lt"/>
-              <a:ea typeface="+mn-ea"/>
-              <a:cs typeface="+mn-ea"/>
-              <a:sym typeface="+mn-lt"/>
-            </a:endParaRPr>
           </a:p>
         </p:txBody>
       </p:sp>
@@ -24736,18 +24781,6 @@
               </a:rPr>
               <a:t>参考文献</a:t>
             </a:r>
-            <a:endParaRPr kumimoji="0" lang="zh-CN" altLang="en-US" sz="1800" kern="1200" cap="none" spc="0" normalizeH="0" baseline="0" noProof="0" dirty="0">
-              <a:solidFill>
-                <a:schemeClr val="tx1">
-                  <a:lumMod val="85000"/>
-                  <a:lumOff val="15000"/>
-                </a:schemeClr>
-              </a:solidFill>
-              <a:latin typeface="+mn-lt"/>
-              <a:ea typeface="+mn-ea"/>
-              <a:cs typeface="+mn-ea"/>
-              <a:sym typeface="+mn-lt"/>
-            </a:endParaRPr>
           </a:p>
         </p:txBody>
       </p:sp>
@@ -24890,13 +24923,13 @@
   <p:clrMapOvr>
     <a:masterClrMapping/>
   </p:clrMapOvr>
-  <mc:AlternateContent xmlns:mc="http://schemas.openxmlformats.org/markup-compatibility/2006">
-    <mc:Choice xmlns:p14="http://schemas.microsoft.com/office/powerpoint/2010/main" Requires="p14">
+  <mc:AlternateContent xmlns:mc="http://schemas.openxmlformats.org/markup-compatibility/2006" xmlns:p14="http://schemas.microsoft.com/office/powerpoint/2010/main">
+    <mc:Choice Requires="p14">
       <p:transition spd="slow" p14:dur="1500" advClick="0" advTm="3000">
         <p:random/>
       </p:transition>
     </mc:Choice>
-    <mc:Fallback>
+    <mc:Fallback xmlns="">
       <p:transition spd="slow" advClick="0" advTm="3000">
         <p:random/>
       </p:transition>
@@ -25266,6 +25299,1287 @@
       </p:grpSpPr>
       <p:grpSp>
         <p:nvGrpSpPr>
+          <p:cNvPr id="7" name="组合 6"/>
+          <p:cNvGrpSpPr/>
+          <p:nvPr/>
+        </p:nvGrpSpPr>
+        <p:grpSpPr>
+          <a:xfrm>
+            <a:off x="1154113" y="984250"/>
+            <a:ext cx="7162800" cy="1546225"/>
+            <a:chOff x="2954339" y="1292764"/>
+            <a:chExt cx="7162269" cy="1545453"/>
+          </a:xfrm>
+        </p:grpSpPr>
+        <p:sp>
+          <p:nvSpPr>
+            <p:cNvPr id="8" name="矩形 7"/>
+            <p:cNvSpPr>
+              <a:spLocks noChangeArrowheads="1"/>
+            </p:cNvSpPr>
+            <p:nvPr/>
+          </p:nvSpPr>
+          <p:spPr bwMode="auto">
+            <a:xfrm>
+              <a:off x="2954339" y="1638666"/>
+              <a:ext cx="7162269" cy="1199551"/>
+            </a:xfrm>
+            <a:prstGeom prst="rect">
+              <a:avLst/>
+            </a:prstGeom>
+            <a:noFill/>
+            <a:ln>
+              <a:noFill/>
+            </a:ln>
+            <a:extLst>
+              <a:ext uri="{909E8E84-426E-40DD-AFC4-6F175D3DCCD1}">
+                <a14:hiddenFill xmlns:a14="http://schemas.microsoft.com/office/drawing/2010/main">
+                  <a:solidFill>
+                    <a:srgbClr val="FFFFFF"/>
+                  </a:solidFill>
+                </a14:hiddenFill>
+              </a:ext>
+              <a:ext uri="{91240B29-F687-4F45-9708-019B960494DF}">
+                <a14:hiddenLine xmlns:a14="http://schemas.microsoft.com/office/drawing/2010/main" w="9525">
+                  <a:solidFill>
+                    <a:srgbClr val="000000"/>
+                  </a:solidFill>
+                  <a:miter lim="800000"/>
+                  <a:headEnd/>
+                  <a:tailEnd/>
+                </a14:hiddenLine>
+              </a:ext>
+            </a:extLst>
+          </p:spPr>
+          <p:txBody>
+            <a:bodyPr>
+              <a:spAutoFit/>
+            </a:bodyPr>
+            <a:lstStyle/>
+            <a:p>
+              <a:pPr marL="0" marR="0" lvl="0" indent="0" algn="just" defTabSz="685800" rtl="0" eaLnBrk="1" fontAlgn="auto" latinLnBrk="0" hangingPunct="1">
+                <a:lnSpc>
+                  <a:spcPct val="150000"/>
+                </a:lnSpc>
+                <a:spcBef>
+                  <a:spcPts val="0"/>
+                </a:spcBef>
+                <a:spcAft>
+                  <a:spcPts val="0"/>
+                </a:spcAft>
+                <a:buClrTx/>
+                <a:buSzTx/>
+                <a:buFontTx/>
+                <a:buNone/>
+                <a:defRPr/>
+              </a:pPr>
+              <a:r>
+                <a:rPr kumimoji="0" lang="zh-CN" altLang="en-US" sz="1200" b="0" i="0" u="none" strike="noStrike" kern="1200" cap="none" spc="0" normalizeH="0" baseline="0" noProof="0" dirty="0">
+                  <a:ln>
+                    <a:noFill/>
+                  </a:ln>
+                  <a:solidFill>
+                    <a:schemeClr val="tx1">
+                      <a:lumMod val="75000"/>
+                      <a:lumOff val="25000"/>
+                    </a:schemeClr>
+                  </a:solidFill>
+                  <a:effectLst/>
+                  <a:uLnTx/>
+                  <a:uFillTx/>
+                  <a:latin typeface="+mn-lt"/>
+                  <a:ea typeface="+mn-ea"/>
+                  <a:cs typeface="+mn-ea"/>
+                  <a:sym typeface="+mn-lt"/>
+                </a:rPr>
+                <a:t>您的内容打在这里，或者通过复制您的文本后，在此框中选择粘贴，并选择只保留文字。您的内容打在这里，或者通过复制您的文本后您的内容打在这里，您的内容打在这里，或者通过复制您的文本后，在此框中选择粘贴，并选择只保留文字。您的内容打在这里，或者通过复制您的文本后您的内容打在这里</a:t>
+              </a:r>
+              <a:endParaRPr kumimoji="0" lang="zh-CN" altLang="zh-CN" sz="1200" b="0" i="0" u="none" strike="noStrike" kern="1200" cap="none" spc="0" normalizeH="0" baseline="0" noProof="0" dirty="0">
+                <a:ln>
+                  <a:noFill/>
+                </a:ln>
+                <a:solidFill>
+                  <a:schemeClr val="tx1">
+                    <a:lumMod val="75000"/>
+                    <a:lumOff val="25000"/>
+                  </a:schemeClr>
+                </a:solidFill>
+                <a:effectLst/>
+                <a:uLnTx/>
+                <a:uFillTx/>
+                <a:latin typeface="+mn-lt"/>
+                <a:ea typeface="+mn-ea"/>
+                <a:cs typeface="+mn-ea"/>
+                <a:sym typeface="+mn-lt"/>
+              </a:endParaRPr>
+            </a:p>
+            <a:p>
+              <a:pPr marL="0" marR="0" lvl="0" indent="0" algn="just" defTabSz="685800" rtl="0" eaLnBrk="1" fontAlgn="auto" latinLnBrk="0" hangingPunct="1">
+                <a:lnSpc>
+                  <a:spcPct val="150000"/>
+                </a:lnSpc>
+                <a:spcBef>
+                  <a:spcPts val="0"/>
+                </a:spcBef>
+                <a:spcAft>
+                  <a:spcPts val="0"/>
+                </a:spcAft>
+                <a:buClrTx/>
+                <a:buSzTx/>
+                <a:buFontTx/>
+                <a:buNone/>
+                <a:defRPr/>
+              </a:pPr>
+              <a:endParaRPr kumimoji="0" lang="zh-CN" altLang="zh-CN" sz="1200" b="0" i="0" u="none" strike="noStrike" kern="1200" cap="none" spc="0" normalizeH="0" baseline="0" noProof="0" dirty="0">
+                <a:ln>
+                  <a:noFill/>
+                </a:ln>
+                <a:solidFill>
+                  <a:schemeClr val="tx1">
+                    <a:lumMod val="75000"/>
+                    <a:lumOff val="25000"/>
+                  </a:schemeClr>
+                </a:solidFill>
+                <a:effectLst/>
+                <a:uLnTx/>
+                <a:uFillTx/>
+                <a:latin typeface="+mn-lt"/>
+                <a:ea typeface="+mn-ea"/>
+                <a:cs typeface="+mn-ea"/>
+                <a:sym typeface="+mn-lt"/>
+              </a:endParaRPr>
+            </a:p>
+          </p:txBody>
+        </p:sp>
+        <p:sp>
+          <p:nvSpPr>
+            <p:cNvPr id="9" name="矩形 8"/>
+            <p:cNvSpPr/>
+            <p:nvPr/>
+          </p:nvSpPr>
+          <p:spPr>
+            <a:xfrm>
+              <a:off x="2963863" y="1292764"/>
+              <a:ext cx="877098" cy="299932"/>
+            </a:xfrm>
+            <a:prstGeom prst="rect">
+              <a:avLst/>
+            </a:prstGeom>
+          </p:spPr>
+          <p:txBody>
+            <a:bodyPr wrap="none">
+              <a:spAutoFit/>
+            </a:bodyPr>
+            <a:lstStyle/>
+            <a:p>
+              <a:pPr marL="0" marR="0" lvl="0" indent="0" algn="l" defTabSz="685800" rtl="0" eaLnBrk="1" fontAlgn="auto" latinLnBrk="0" hangingPunct="1">
+                <a:lnSpc>
+                  <a:spcPct val="100000"/>
+                </a:lnSpc>
+                <a:spcBef>
+                  <a:spcPts val="0"/>
+                </a:spcBef>
+                <a:spcAft>
+                  <a:spcPts val="0"/>
+                </a:spcAft>
+                <a:buClrTx/>
+                <a:buSzTx/>
+                <a:buFontTx/>
+                <a:buNone/>
+                <a:defRPr/>
+              </a:pPr>
+              <a:r>
+                <a:rPr kumimoji="0" lang="zh-CN" altLang="en-US" sz="1350" b="0" i="0" u="none" strike="noStrike" kern="1200" cap="none" spc="0" normalizeH="0" baseline="0" noProof="0" dirty="0">
+                  <a:ln>
+                    <a:noFill/>
+                  </a:ln>
+                  <a:solidFill>
+                    <a:schemeClr val="tx1"/>
+                  </a:solidFill>
+                  <a:effectLst/>
+                  <a:uLnTx/>
+                  <a:uFillTx/>
+                  <a:latin typeface="+mn-lt"/>
+                  <a:ea typeface="+mn-ea"/>
+                  <a:cs typeface="+mn-ea"/>
+                  <a:sym typeface="+mn-lt"/>
+                </a:rPr>
+                <a:t>研究结论</a:t>
+              </a:r>
+            </a:p>
+          </p:txBody>
+        </p:sp>
+      </p:grpSp>
+      <p:grpSp>
+        <p:nvGrpSpPr>
+          <p:cNvPr id="10" name="组合 9"/>
+          <p:cNvGrpSpPr/>
+          <p:nvPr/>
+        </p:nvGrpSpPr>
+        <p:grpSpPr>
+          <a:xfrm>
+            <a:off x="1162907" y="2393477"/>
+            <a:ext cx="6907149" cy="2122489"/>
+            <a:chOff x="1162907" y="2401888"/>
+            <a:chExt cx="6907149" cy="2122489"/>
+          </a:xfrm>
+          <a:solidFill>
+            <a:srgbClr val="0066FF"/>
+          </a:solidFill>
+        </p:grpSpPr>
+        <p:grpSp>
+          <p:nvGrpSpPr>
+            <p:cNvPr id="11" name="组合 10"/>
+            <p:cNvGrpSpPr/>
+            <p:nvPr/>
+          </p:nvGrpSpPr>
+          <p:grpSpPr>
+            <a:xfrm>
+              <a:off x="1162907" y="2401888"/>
+              <a:ext cx="6907149" cy="2122489"/>
+              <a:chOff x="1162907" y="2300288"/>
+              <a:chExt cx="6907149" cy="2122489"/>
+            </a:xfrm>
+            <a:grpFill/>
+          </p:grpSpPr>
+          <p:sp>
+            <p:nvSpPr>
+              <p:cNvPr id="13" name="任意多边形 12"/>
+              <p:cNvSpPr/>
+              <p:nvPr/>
+            </p:nvSpPr>
+            <p:spPr>
+              <a:xfrm>
+                <a:off x="7967663" y="3529013"/>
+                <a:ext cx="102393" cy="130968"/>
+              </a:xfrm>
+              <a:custGeom>
+                <a:avLst/>
+                <a:gdLst>
+                  <a:gd name="connsiteX0" fmla="*/ 102393 w 102393"/>
+                  <a:gd name="connsiteY0" fmla="*/ 130968 h 130968"/>
+                  <a:gd name="connsiteX1" fmla="*/ 0 w 102393"/>
+                  <a:gd name="connsiteY1" fmla="*/ 130968 h 130968"/>
+                  <a:gd name="connsiteX2" fmla="*/ 0 w 102393"/>
+                  <a:gd name="connsiteY2" fmla="*/ 0 h 130968"/>
+                  <a:gd name="connsiteX3" fmla="*/ 102393 w 102393"/>
+                  <a:gd name="connsiteY3" fmla="*/ 130968 h 130968"/>
+                </a:gdLst>
+                <a:ahLst/>
+                <a:cxnLst>
+                  <a:cxn ang="0">
+                    <a:pos x="connsiteX0" y="connsiteY0"/>
+                  </a:cxn>
+                  <a:cxn ang="0">
+                    <a:pos x="connsiteX1" y="connsiteY1"/>
+                  </a:cxn>
+                  <a:cxn ang="0">
+                    <a:pos x="connsiteX2" y="connsiteY2"/>
+                  </a:cxn>
+                  <a:cxn ang="0">
+                    <a:pos x="connsiteX3" y="connsiteY3"/>
+                  </a:cxn>
+                </a:cxnLst>
+                <a:rect l="l" t="t" r="r" b="b"/>
+                <a:pathLst>
+                  <a:path w="102393" h="130968">
+                    <a:moveTo>
+                      <a:pt x="102393" y="130968"/>
+                    </a:moveTo>
+                    <a:lnTo>
+                      <a:pt x="0" y="130968"/>
+                    </a:lnTo>
+                    <a:lnTo>
+                      <a:pt x="0" y="0"/>
+                    </a:lnTo>
+                    <a:lnTo>
+                      <a:pt x="102393" y="130968"/>
+                    </a:lnTo>
+                    <a:close/>
+                  </a:path>
+                </a:pathLst>
+              </a:custGeom>
+              <a:solidFill>
+                <a:srgbClr val="686C86"/>
+              </a:solidFill>
+              <a:ln>
+                <a:noFill/>
+              </a:ln>
+            </p:spPr>
+            <p:style>
+              <a:lnRef idx="2">
+                <a:schemeClr val="accent1">
+                  <a:shade val="50000"/>
+                </a:schemeClr>
+              </a:lnRef>
+              <a:fillRef idx="1">
+                <a:schemeClr val="accent1"/>
+              </a:fillRef>
+              <a:effectRef idx="0">
+                <a:schemeClr val="accent1"/>
+              </a:effectRef>
+              <a:fontRef idx="minor">
+                <a:schemeClr val="lt1"/>
+              </a:fontRef>
+            </p:style>
+            <p:txBody>
+              <a:bodyPr anchor="ctr"/>
+              <a:lstStyle/>
+              <a:p>
+                <a:pPr marL="0" marR="0" lvl="0" indent="0" algn="ctr" defTabSz="685800" rtl="0" eaLnBrk="1" fontAlgn="auto" latinLnBrk="0" hangingPunct="1">
+                  <a:lnSpc>
+                    <a:spcPct val="100000"/>
+                  </a:lnSpc>
+                  <a:spcBef>
+                    <a:spcPts val="0"/>
+                  </a:spcBef>
+                  <a:spcAft>
+                    <a:spcPts val="0"/>
+                  </a:spcAft>
+                  <a:buClrTx/>
+                  <a:buSzTx/>
+                  <a:buFontTx/>
+                  <a:buNone/>
+                  <a:defRPr/>
+                </a:pPr>
+                <a:endParaRPr kumimoji="0" lang="zh-CN" altLang="en-US" sz="1350" b="0" i="0" u="none" strike="noStrike" kern="1200" cap="none" spc="0" normalizeH="0" baseline="0" noProof="0">
+                  <a:ln>
+                    <a:noFill/>
+                  </a:ln>
+                  <a:solidFill>
+                    <a:schemeClr val="tx1">
+                      <a:lumMod val="85000"/>
+                      <a:lumOff val="15000"/>
+                    </a:schemeClr>
+                  </a:solidFill>
+                  <a:effectLst/>
+                  <a:uLnTx/>
+                  <a:uFillTx/>
+                  <a:cs typeface="+mn-ea"/>
+                  <a:sym typeface="+mn-lt"/>
+                </a:endParaRPr>
+              </a:p>
+            </p:txBody>
+          </p:sp>
+          <p:grpSp>
+            <p:nvGrpSpPr>
+              <p:cNvPr id="14" name="组合 13"/>
+              <p:cNvGrpSpPr/>
+              <p:nvPr/>
+            </p:nvGrpSpPr>
+            <p:grpSpPr>
+              <a:xfrm>
+                <a:off x="1162907" y="2300288"/>
+                <a:ext cx="6840760" cy="2122489"/>
+                <a:chOff x="1162907" y="2300288"/>
+                <a:chExt cx="6840760" cy="2122489"/>
+              </a:xfrm>
+              <a:grpFill/>
+            </p:grpSpPr>
+            <p:sp>
+              <p:nvSpPr>
+                <p:cNvPr id="15" name="任意多边形 14"/>
+                <p:cNvSpPr/>
+                <p:nvPr/>
+              </p:nvSpPr>
+              <p:spPr>
+                <a:xfrm>
+                  <a:off x="6657975" y="2300288"/>
+                  <a:ext cx="114300" cy="71437"/>
+                </a:xfrm>
+                <a:custGeom>
+                  <a:avLst/>
+                  <a:gdLst>
+                    <a:gd name="connsiteX0" fmla="*/ 19050 w 114300"/>
+                    <a:gd name="connsiteY0" fmla="*/ 0 h 71437"/>
+                    <a:gd name="connsiteX1" fmla="*/ 0 w 114300"/>
+                    <a:gd name="connsiteY1" fmla="*/ 71437 h 71437"/>
+                    <a:gd name="connsiteX2" fmla="*/ 114300 w 114300"/>
+                    <a:gd name="connsiteY2" fmla="*/ 71437 h 71437"/>
+                    <a:gd name="connsiteX3" fmla="*/ 19050 w 114300"/>
+                    <a:gd name="connsiteY3" fmla="*/ 0 h 71437"/>
+                  </a:gdLst>
+                  <a:ahLst/>
+                  <a:cxnLst>
+                    <a:cxn ang="0">
+                      <a:pos x="connsiteX0" y="connsiteY0"/>
+                    </a:cxn>
+                    <a:cxn ang="0">
+                      <a:pos x="connsiteX1" y="connsiteY1"/>
+                    </a:cxn>
+                    <a:cxn ang="0">
+                      <a:pos x="connsiteX2" y="connsiteY2"/>
+                    </a:cxn>
+                    <a:cxn ang="0">
+                      <a:pos x="connsiteX3" y="connsiteY3"/>
+                    </a:cxn>
+                  </a:cxnLst>
+                  <a:rect l="l" t="t" r="r" b="b"/>
+                  <a:pathLst>
+                    <a:path w="114300" h="71437">
+                      <a:moveTo>
+                        <a:pt x="19050" y="0"/>
+                      </a:moveTo>
+                      <a:lnTo>
+                        <a:pt x="0" y="71437"/>
+                      </a:lnTo>
+                      <a:lnTo>
+                        <a:pt x="114300" y="71437"/>
+                      </a:lnTo>
+                      <a:lnTo>
+                        <a:pt x="19050" y="0"/>
+                      </a:lnTo>
+                      <a:close/>
+                    </a:path>
+                  </a:pathLst>
+                </a:custGeom>
+                <a:solidFill>
+                  <a:srgbClr val="686C86"/>
+                </a:solidFill>
+                <a:ln>
+                  <a:noFill/>
+                </a:ln>
+              </p:spPr>
+              <p:style>
+                <a:lnRef idx="2">
+                  <a:schemeClr val="accent1">
+                    <a:shade val="50000"/>
+                  </a:schemeClr>
+                </a:lnRef>
+                <a:fillRef idx="1">
+                  <a:schemeClr val="accent1"/>
+                </a:fillRef>
+                <a:effectRef idx="0">
+                  <a:schemeClr val="accent1"/>
+                </a:effectRef>
+                <a:fontRef idx="minor">
+                  <a:schemeClr val="lt1"/>
+                </a:fontRef>
+              </p:style>
+              <p:txBody>
+                <a:bodyPr anchor="ctr"/>
+                <a:lstStyle/>
+                <a:p>
+                  <a:pPr marL="0" marR="0" lvl="0" indent="0" algn="ctr" defTabSz="685800" rtl="0" eaLnBrk="1" fontAlgn="auto" latinLnBrk="0" hangingPunct="1">
+                    <a:lnSpc>
+                      <a:spcPct val="100000"/>
+                    </a:lnSpc>
+                    <a:spcBef>
+                      <a:spcPts val="0"/>
+                    </a:spcBef>
+                    <a:spcAft>
+                      <a:spcPts val="0"/>
+                    </a:spcAft>
+                    <a:buClrTx/>
+                    <a:buSzTx/>
+                    <a:buFontTx/>
+                    <a:buNone/>
+                    <a:defRPr/>
+                  </a:pPr>
+                  <a:endParaRPr kumimoji="0" lang="zh-CN" altLang="en-US" sz="1350" b="0" i="0" u="none" strike="noStrike" kern="1200" cap="none" spc="0" normalizeH="0" baseline="0" noProof="0">
+                    <a:ln>
+                      <a:noFill/>
+                    </a:ln>
+                    <a:solidFill>
+                      <a:schemeClr val="lt1"/>
+                    </a:solidFill>
+                    <a:effectLst/>
+                    <a:uLnTx/>
+                    <a:uFillTx/>
+                    <a:cs typeface="+mn-ea"/>
+                    <a:sym typeface="+mn-lt"/>
+                  </a:endParaRPr>
+                </a:p>
+              </p:txBody>
+            </p:sp>
+            <p:sp>
+              <p:nvSpPr>
+                <p:cNvPr id="16" name="矩形 15"/>
+                <p:cNvSpPr/>
+                <p:nvPr/>
+              </p:nvSpPr>
+              <p:spPr>
+                <a:xfrm>
+                  <a:off x="1162907" y="2359707"/>
+                  <a:ext cx="6840760" cy="2063070"/>
+                </a:xfrm>
+                <a:prstGeom prst="rect">
+                  <a:avLst/>
+                </a:prstGeom>
+                <a:solidFill>
+                  <a:schemeClr val="accent6">
+                    <a:lumMod val="75000"/>
+                  </a:schemeClr>
+                </a:solidFill>
+                <a:ln>
+                  <a:noFill/>
+                </a:ln>
+              </p:spPr>
+              <p:style>
+                <a:lnRef idx="2">
+                  <a:schemeClr val="accent1">
+                    <a:shade val="50000"/>
+                  </a:schemeClr>
+                </a:lnRef>
+                <a:fillRef idx="1">
+                  <a:schemeClr val="accent1"/>
+                </a:fillRef>
+                <a:effectRef idx="0">
+                  <a:schemeClr val="accent1"/>
+                </a:effectRef>
+                <a:fontRef idx="minor">
+                  <a:schemeClr val="lt1"/>
+                </a:fontRef>
+              </p:style>
+              <p:txBody>
+                <a:bodyPr anchor="ctr"/>
+                <a:lstStyle/>
+                <a:p>
+                  <a:pPr marL="0" marR="0" lvl="0" indent="0" algn="ctr" defTabSz="685800" rtl="0" eaLnBrk="1" fontAlgn="auto" latinLnBrk="0" hangingPunct="1">
+                    <a:lnSpc>
+                      <a:spcPct val="100000"/>
+                    </a:lnSpc>
+                    <a:spcBef>
+                      <a:spcPts val="0"/>
+                    </a:spcBef>
+                    <a:spcAft>
+                      <a:spcPts val="0"/>
+                    </a:spcAft>
+                    <a:buClrTx/>
+                    <a:buSzTx/>
+                    <a:buFontTx/>
+                    <a:buNone/>
+                    <a:defRPr/>
+                  </a:pPr>
+                  <a:endParaRPr kumimoji="0" lang="zh-CN" altLang="en-US" sz="1350" b="0" i="0" u="none" strike="noStrike" kern="1200" cap="none" spc="0" normalizeH="0" baseline="0" noProof="0">
+                    <a:ln>
+                      <a:noFill/>
+                    </a:ln>
+                    <a:solidFill>
+                      <a:schemeClr val="lt1"/>
+                    </a:solidFill>
+                    <a:effectLst/>
+                    <a:uLnTx/>
+                    <a:uFillTx/>
+                    <a:cs typeface="+mn-ea"/>
+                    <a:sym typeface="+mn-lt"/>
+                  </a:endParaRPr>
+                </a:p>
+              </p:txBody>
+            </p:sp>
+          </p:grpSp>
+        </p:grpSp>
+        <p:sp>
+          <p:nvSpPr>
+            <p:cNvPr id="12" name="矩形 11"/>
+            <p:cNvSpPr>
+              <a:spLocks noChangeArrowheads="1"/>
+            </p:cNvSpPr>
+            <p:nvPr/>
+          </p:nvSpPr>
+          <p:spPr bwMode="auto">
+            <a:xfrm>
+              <a:off x="1410341" y="2753434"/>
+              <a:ext cx="4942928" cy="1477328"/>
+            </a:xfrm>
+            <a:prstGeom prst="rect">
+              <a:avLst/>
+            </a:prstGeom>
+            <a:noFill/>
+            <a:ln>
+              <a:noFill/>
+            </a:ln>
+            <a:extLst>
+              <a:ext uri="{91240B29-F687-4F45-9708-019B960494DF}">
+                <a14:hiddenLine xmlns:a14="http://schemas.microsoft.com/office/drawing/2010/main" w="9525">
+                  <a:solidFill>
+                    <a:srgbClr val="000000"/>
+                  </a:solidFill>
+                  <a:miter lim="800000"/>
+                  <a:headEnd/>
+                  <a:tailEnd/>
+                </a14:hiddenLine>
+              </a:ext>
+            </a:extLst>
+          </p:spPr>
+          <p:txBody>
+            <a:bodyPr>
+              <a:spAutoFit/>
+            </a:bodyPr>
+            <a:lstStyle/>
+            <a:p>
+              <a:pPr marL="0" marR="0" lvl="0" indent="0" algn="just" defTabSz="685800" rtl="0" eaLnBrk="1" fontAlgn="auto" latinLnBrk="0" hangingPunct="1">
+                <a:lnSpc>
+                  <a:spcPct val="150000"/>
+                </a:lnSpc>
+                <a:spcBef>
+                  <a:spcPts val="0"/>
+                </a:spcBef>
+                <a:spcAft>
+                  <a:spcPts val="0"/>
+                </a:spcAft>
+                <a:buClrTx/>
+                <a:buSzTx/>
+                <a:buFontTx/>
+                <a:buNone/>
+                <a:defRPr/>
+              </a:pPr>
+              <a:r>
+                <a:rPr kumimoji="0" lang="zh-CN" altLang="en-US" sz="1200" b="0" i="0" u="none" strike="noStrike" kern="1200" cap="none" spc="0" normalizeH="0" baseline="0" noProof="0" dirty="0">
+                  <a:ln>
+                    <a:noFill/>
+                  </a:ln>
+                  <a:solidFill>
+                    <a:schemeClr val="bg1"/>
+                  </a:solidFill>
+                  <a:effectLst/>
+                  <a:uLnTx/>
+                  <a:uFillTx/>
+                  <a:latin typeface="+mn-lt"/>
+                  <a:ea typeface="+mn-ea"/>
+                  <a:cs typeface="+mn-ea"/>
+                  <a:sym typeface="+mn-lt"/>
+                </a:rPr>
+                <a:t>您的内容打在这里，或者通过复制您的文本后，在此框中选择粘贴，并选择只保留文字。您的内容打在这里，或者通过复制您的文本后您的内容打在这里，您的内容打在这里，或者通过复制您的文本后，在此框中选择粘贴，并选择只保留文字。您的内容打在这里，或者通过复制您的文本后您的内容打在这里</a:t>
+              </a:r>
+              <a:endParaRPr kumimoji="0" lang="zh-CN" altLang="zh-CN" sz="1200" b="0" i="0" u="none" strike="noStrike" kern="1200" cap="none" spc="0" normalizeH="0" baseline="0" noProof="0" dirty="0">
+                <a:ln>
+                  <a:noFill/>
+                </a:ln>
+                <a:solidFill>
+                  <a:schemeClr val="bg1"/>
+                </a:solidFill>
+                <a:effectLst/>
+                <a:uLnTx/>
+                <a:uFillTx/>
+                <a:latin typeface="+mn-lt"/>
+                <a:ea typeface="+mn-ea"/>
+                <a:cs typeface="+mn-ea"/>
+                <a:sym typeface="+mn-lt"/>
+              </a:endParaRPr>
+            </a:p>
+          </p:txBody>
+        </p:sp>
+      </p:grpSp>
+      <p:grpSp>
+        <p:nvGrpSpPr>
+          <p:cNvPr id="17" name="组合 16"/>
+          <p:cNvGrpSpPr/>
+          <p:nvPr/>
+        </p:nvGrpSpPr>
+        <p:grpSpPr>
+          <a:xfrm>
+            <a:off x="6660231" y="2393477"/>
+            <a:ext cx="1396956" cy="1358900"/>
+            <a:chOff x="6919459" y="2300288"/>
+            <a:chExt cx="1396955" cy="1358900"/>
+          </a:xfrm>
+          <a:solidFill>
+            <a:schemeClr val="accent6"/>
+          </a:solidFill>
+        </p:grpSpPr>
+        <p:sp>
+          <p:nvSpPr>
+            <p:cNvPr id="18" name="任意多边形 17"/>
+            <p:cNvSpPr/>
+            <p:nvPr/>
+          </p:nvSpPr>
+          <p:spPr>
+            <a:xfrm>
+              <a:off x="6919459" y="2300288"/>
+              <a:ext cx="1396955" cy="1358900"/>
+            </a:xfrm>
+            <a:custGeom>
+              <a:avLst/>
+              <a:gdLst>
+                <a:gd name="connsiteX0" fmla="*/ 0 w 1319348"/>
+                <a:gd name="connsiteY0" fmla="*/ 0 h 1293223"/>
+                <a:gd name="connsiteX1" fmla="*/ 1319348 w 1319348"/>
+                <a:gd name="connsiteY1" fmla="*/ 1293223 h 1293223"/>
+                <a:gd name="connsiteX2" fmla="*/ 1319348 w 1319348"/>
+                <a:gd name="connsiteY2" fmla="*/ 391886 h 1293223"/>
+                <a:gd name="connsiteX3" fmla="*/ 927463 w 1319348"/>
+                <a:gd name="connsiteY3" fmla="*/ 13063 h 1293223"/>
+                <a:gd name="connsiteX4" fmla="*/ 0 w 1319348"/>
+                <a:gd name="connsiteY4" fmla="*/ 0 h 1293223"/>
+                <a:gd name="connsiteX0-1" fmla="*/ 0 w 1319348"/>
+                <a:gd name="connsiteY0-2" fmla="*/ 5987 h 1299210"/>
+                <a:gd name="connsiteX1-3" fmla="*/ 1319348 w 1319348"/>
+                <a:gd name="connsiteY1-4" fmla="*/ 1299210 h 1299210"/>
+                <a:gd name="connsiteX2-5" fmla="*/ 1319348 w 1319348"/>
+                <a:gd name="connsiteY2-6" fmla="*/ 397873 h 1299210"/>
+                <a:gd name="connsiteX3-7" fmla="*/ 908413 w 1319348"/>
+                <a:gd name="connsiteY3-8" fmla="*/ 0 h 1299210"/>
+                <a:gd name="connsiteX4-9" fmla="*/ 0 w 1319348"/>
+                <a:gd name="connsiteY4-10" fmla="*/ 5987 h 1299210"/>
+                <a:gd name="connsiteX0-11" fmla="*/ 0 w 1333635"/>
+                <a:gd name="connsiteY0-12" fmla="*/ 1225 h 1299210"/>
+                <a:gd name="connsiteX1-13" fmla="*/ 1333635 w 1333635"/>
+                <a:gd name="connsiteY1-14" fmla="*/ 1299210 h 1299210"/>
+                <a:gd name="connsiteX2-15" fmla="*/ 1333635 w 1333635"/>
+                <a:gd name="connsiteY2-16" fmla="*/ 397873 h 1299210"/>
+                <a:gd name="connsiteX3-17" fmla="*/ 922700 w 1333635"/>
+                <a:gd name="connsiteY3-18" fmla="*/ 0 h 1299210"/>
+                <a:gd name="connsiteX4-19" fmla="*/ 0 w 1333635"/>
+                <a:gd name="connsiteY4-20" fmla="*/ 1225 h 1299210"/>
+              </a:gdLst>
+              <a:ahLst/>
+              <a:cxnLst>
+                <a:cxn ang="0">
+                  <a:pos x="connsiteX0-1" y="connsiteY0-2"/>
+                </a:cxn>
+                <a:cxn ang="0">
+                  <a:pos x="connsiteX1-3" y="connsiteY1-4"/>
+                </a:cxn>
+                <a:cxn ang="0">
+                  <a:pos x="connsiteX2-5" y="connsiteY2-6"/>
+                </a:cxn>
+                <a:cxn ang="0">
+                  <a:pos x="connsiteX3-7" y="connsiteY3-8"/>
+                </a:cxn>
+                <a:cxn ang="0">
+                  <a:pos x="connsiteX4-9" y="connsiteY4-10"/>
+                </a:cxn>
+              </a:cxnLst>
+              <a:rect l="l" t="t" r="r" b="b"/>
+              <a:pathLst>
+                <a:path w="1333635" h="1299210">
+                  <a:moveTo>
+                    <a:pt x="0" y="1225"/>
+                  </a:moveTo>
+                  <a:lnTo>
+                    <a:pt x="1333635" y="1299210"/>
+                  </a:lnTo>
+                  <a:lnTo>
+                    <a:pt x="1333635" y="397873"/>
+                  </a:lnTo>
+                  <a:lnTo>
+                    <a:pt x="922700" y="0"/>
+                  </a:lnTo>
+                  <a:lnTo>
+                    <a:pt x="0" y="1225"/>
+                  </a:lnTo>
+                  <a:close/>
+                </a:path>
+              </a:pathLst>
+            </a:custGeom>
+            <a:grpFill/>
+            <a:ln>
+              <a:noFill/>
+            </a:ln>
+          </p:spPr>
+          <p:style>
+            <a:lnRef idx="2">
+              <a:schemeClr val="accent1">
+                <a:shade val="50000"/>
+              </a:schemeClr>
+            </a:lnRef>
+            <a:fillRef idx="1">
+              <a:schemeClr val="accent1"/>
+            </a:fillRef>
+            <a:effectRef idx="0">
+              <a:schemeClr val="accent1"/>
+            </a:effectRef>
+            <a:fontRef idx="minor">
+              <a:schemeClr val="lt1"/>
+            </a:fontRef>
+          </p:style>
+          <p:txBody>
+            <a:bodyPr anchor="ctr"/>
+            <a:lstStyle/>
+            <a:p>
+              <a:pPr marL="0" marR="0" lvl="0" indent="0" algn="ctr" defTabSz="685800" rtl="0" eaLnBrk="1" fontAlgn="auto" latinLnBrk="0" hangingPunct="1">
+                <a:lnSpc>
+                  <a:spcPct val="100000"/>
+                </a:lnSpc>
+                <a:spcBef>
+                  <a:spcPts val="0"/>
+                </a:spcBef>
+                <a:spcAft>
+                  <a:spcPts val="0"/>
+                </a:spcAft>
+                <a:buClrTx/>
+                <a:buSzTx/>
+                <a:buFontTx/>
+                <a:buNone/>
+                <a:defRPr/>
+              </a:pPr>
+              <a:endParaRPr kumimoji="0" lang="zh-CN" altLang="en-US" sz="1350" b="0" i="0" u="none" strike="noStrike" kern="1200" cap="none" spc="0" normalizeH="0" baseline="0" noProof="0">
+                <a:ln>
+                  <a:noFill/>
+                </a:ln>
+                <a:solidFill>
+                  <a:schemeClr val="tx1">
+                    <a:lumMod val="85000"/>
+                    <a:lumOff val="15000"/>
+                  </a:schemeClr>
+                </a:solidFill>
+                <a:effectLst/>
+                <a:uLnTx/>
+                <a:uFillTx/>
+                <a:cs typeface="+mn-ea"/>
+                <a:sym typeface="+mn-lt"/>
+              </a:endParaRPr>
+            </a:p>
+          </p:txBody>
+        </p:sp>
+        <p:sp>
+          <p:nvSpPr>
+            <p:cNvPr id="19" name="矩形 18"/>
+            <p:cNvSpPr/>
+            <p:nvPr/>
+          </p:nvSpPr>
+          <p:spPr>
+            <a:xfrm rot="2637414">
+              <a:off x="7160398" y="2597343"/>
+              <a:ext cx="902811" cy="307777"/>
+            </a:xfrm>
+            <a:prstGeom prst="rect">
+              <a:avLst/>
+            </a:prstGeom>
+            <a:grpFill/>
+          </p:spPr>
+          <p:txBody>
+            <a:bodyPr wrap="none">
+              <a:spAutoFit/>
+            </a:bodyPr>
+            <a:lstStyle/>
+            <a:p>
+              <a:pPr marL="0" marR="0" lvl="0" indent="0" algn="l" defTabSz="685800" rtl="0" eaLnBrk="1" fontAlgn="auto" latinLnBrk="0" hangingPunct="1">
+                <a:lnSpc>
+                  <a:spcPct val="100000"/>
+                </a:lnSpc>
+                <a:spcBef>
+                  <a:spcPts val="0"/>
+                </a:spcBef>
+                <a:spcAft>
+                  <a:spcPts val="0"/>
+                </a:spcAft>
+                <a:buClrTx/>
+                <a:buSzTx/>
+                <a:buFontTx/>
+                <a:buNone/>
+                <a:defRPr/>
+              </a:pPr>
+              <a:r>
+                <a:rPr kumimoji="0" lang="zh-CN" altLang="en-US" sz="1400" b="0" i="0" u="none" strike="noStrike" kern="1200" cap="none" spc="0" normalizeH="0" baseline="0" noProof="0" dirty="0">
+                  <a:ln>
+                    <a:noFill/>
+                  </a:ln>
+                  <a:solidFill>
+                    <a:schemeClr val="bg1"/>
+                  </a:solidFill>
+                  <a:effectLst/>
+                  <a:uLnTx/>
+                  <a:uFillTx/>
+                  <a:latin typeface="+mn-lt"/>
+                  <a:ea typeface="+mn-ea"/>
+                  <a:cs typeface="+mn-ea"/>
+                  <a:sym typeface="+mn-lt"/>
+                </a:rPr>
+                <a:t>添加标题</a:t>
+              </a:r>
+            </a:p>
+          </p:txBody>
+        </p:sp>
+      </p:grpSp>
+      <p:grpSp>
+        <p:nvGrpSpPr>
+          <p:cNvPr id="20" name="组合 19"/>
+          <p:cNvGrpSpPr/>
+          <p:nvPr/>
+        </p:nvGrpSpPr>
+        <p:grpSpPr>
+          <a:xfrm>
+            <a:off x="-498530" y="1243"/>
+            <a:ext cx="3124499" cy="859534"/>
+            <a:chOff x="-498530" y="1243"/>
+            <a:chExt cx="3124499" cy="859534"/>
+          </a:xfrm>
+        </p:grpSpPr>
+        <p:sp>
+          <p:nvSpPr>
+            <p:cNvPr id="22" name="文本框 21"/>
+            <p:cNvSpPr txBox="1"/>
+            <p:nvPr/>
+          </p:nvSpPr>
+          <p:spPr>
+            <a:xfrm>
+              <a:off x="498529" y="105863"/>
+              <a:ext cx="2127440" cy="461963"/>
+            </a:xfrm>
+            <a:prstGeom prst="rect">
+              <a:avLst/>
+            </a:prstGeom>
+            <a:noFill/>
+          </p:spPr>
+          <p:txBody>
+            <a:bodyPr wrap="square">
+              <a:spAutoFit/>
+            </a:bodyPr>
+            <a:lstStyle/>
+            <a:p>
+              <a:pPr eaLnBrk="1" fontAlgn="auto" hangingPunct="1">
+                <a:spcBef>
+                  <a:spcPts val="0"/>
+                </a:spcBef>
+                <a:spcAft>
+                  <a:spcPts val="0"/>
+                </a:spcAft>
+                <a:defRPr/>
+              </a:pPr>
+              <a:r>
+                <a:rPr lang="zh-CN" altLang="en-US" sz="2400" dirty="0">
+                  <a:solidFill>
+                    <a:schemeClr val="accent6">
+                      <a:lumMod val="75000"/>
+                    </a:schemeClr>
+                  </a:solidFill>
+                  <a:latin typeface="+mn-lt"/>
+                  <a:ea typeface="+mn-ea"/>
+                  <a:cs typeface="+mn-ea"/>
+                  <a:sym typeface="+mn-lt"/>
+                </a:rPr>
+                <a:t>论文总结</a:t>
+              </a:r>
+            </a:p>
+          </p:txBody>
+        </p:sp>
+        <p:sp>
+          <p:nvSpPr>
+            <p:cNvPr id="25" name="椭圆 24"/>
+            <p:cNvSpPr/>
+            <p:nvPr/>
+          </p:nvSpPr>
+          <p:spPr>
+            <a:xfrm>
+              <a:off x="-498530" y="1243"/>
+              <a:ext cx="997059" cy="859534"/>
+            </a:xfrm>
+            <a:prstGeom prst="ellipse">
+              <a:avLst/>
+            </a:prstGeom>
+            <a:pattFill prst="wdDnDiag">
+              <a:fgClr>
+                <a:schemeClr val="accent1"/>
+              </a:fgClr>
+              <a:bgClr>
+                <a:schemeClr val="bg1"/>
+              </a:bgClr>
+            </a:pattFill>
+            <a:ln>
+              <a:noFill/>
+            </a:ln>
+          </p:spPr>
+          <p:style>
+            <a:lnRef idx="2">
+              <a:schemeClr val="accent1">
+                <a:shade val="50000"/>
+              </a:schemeClr>
+            </a:lnRef>
+            <a:fillRef idx="1">
+              <a:schemeClr val="accent1"/>
+            </a:fillRef>
+            <a:effectRef idx="0">
+              <a:schemeClr val="accent1"/>
+            </a:effectRef>
+            <a:fontRef idx="minor">
+              <a:schemeClr val="lt1"/>
+            </a:fontRef>
+          </p:style>
+          <p:txBody>
+            <a:bodyPr rtlCol="0" anchor="ctr"/>
+            <a:lstStyle/>
+            <a:p>
+              <a:pPr algn="ctr"/>
+              <a:endParaRPr lang="zh-CN" altLang="en-US">
+                <a:cs typeface="+mn-ea"/>
+                <a:sym typeface="+mn-lt"/>
+              </a:endParaRPr>
+            </a:p>
+          </p:txBody>
+        </p:sp>
+        <p:sp>
+          <p:nvSpPr>
+            <p:cNvPr id="26" name="矩形 25"/>
+            <p:cNvSpPr/>
+            <p:nvPr/>
+          </p:nvSpPr>
+          <p:spPr>
+            <a:xfrm>
+              <a:off x="513914" y="506933"/>
+              <a:ext cx="1489510" cy="292388"/>
+            </a:xfrm>
+            <a:prstGeom prst="rect">
+              <a:avLst/>
+            </a:prstGeom>
+          </p:spPr>
+          <p:txBody>
+            <a:bodyPr wrap="none">
+              <a:spAutoFit/>
+            </a:bodyPr>
+            <a:lstStyle/>
+            <a:p>
+              <a:r>
+                <a:rPr lang="en-US" altLang="zh-CN" dirty="0">
+                  <a:latin typeface="+mn-lt"/>
+                  <a:ea typeface="+mn-ea"/>
+                  <a:cs typeface="+mn-ea"/>
+                  <a:sym typeface="+mn-lt"/>
+                </a:rPr>
+                <a:t>Summary Of Paper</a:t>
+              </a:r>
+              <a:endParaRPr lang="zh-CN" altLang="en-US" dirty="0">
+                <a:latin typeface="+mn-lt"/>
+                <a:ea typeface="+mn-ea"/>
+                <a:cs typeface="+mn-ea"/>
+                <a:sym typeface="+mn-lt"/>
+              </a:endParaRPr>
+            </a:p>
+          </p:txBody>
+        </p:sp>
+      </p:grpSp>
+    </p:spTree>
+  </p:cSld>
+  <p:clrMapOvr>
+    <a:masterClrMapping/>
+  </p:clrMapOvr>
+  <mc:AlternateContent xmlns:mc="http://schemas.openxmlformats.org/markup-compatibility/2006" xmlns:p14="http://schemas.microsoft.com/office/powerpoint/2010/main">
+    <mc:Choice Requires="p14">
+      <p:transition spd="slow" p14:dur="1500" advClick="0" advTm="3000">
+        <p:random/>
+      </p:transition>
+    </mc:Choice>
+    <mc:Fallback xmlns="">
+      <p:transition spd="slow" advClick="0" advTm="3000">
+        <p:random/>
+      </p:transition>
+    </mc:Fallback>
+  </mc:AlternateContent>
+  <p:timing>
+    <p:tnLst>
+      <p:par>
+        <p:cTn id="1" dur="indefinite" restart="never" nodeType="tmRoot">
+          <p:childTnLst>
+            <p:seq concurrent="1" nextAc="seek">
+              <p:cTn id="2" dur="indefinite" nodeType="mainSeq">
+                <p:childTnLst>
+                  <p:par>
+                    <p:cTn id="3" fill="hold">
+                      <p:stCondLst>
+                        <p:cond delay="indefinite"/>
+                        <p:cond evt="onBegin" delay="0">
+                          <p:tn val="2"/>
+                        </p:cond>
+                      </p:stCondLst>
+                      <p:childTnLst>
+                        <p:par>
+                          <p:cTn id="4" fill="hold">
+                            <p:stCondLst>
+                              <p:cond delay="0"/>
+                            </p:stCondLst>
+                            <p:childTnLst>
+                              <p:par>
+                                <p:cTn id="5" presetID="18" presetClass="entr" presetSubtype="6" fill="hold" nodeType="withEffect">
+                                  <p:stCondLst>
+                                    <p:cond delay="0"/>
+                                  </p:stCondLst>
+                                  <p:childTnLst>
+                                    <p:set>
+                                      <p:cBhvr>
+                                        <p:cTn id="6" dur="1" fill="hold">
+                                          <p:stCondLst>
+                                            <p:cond delay="0"/>
+                                          </p:stCondLst>
+                                        </p:cTn>
+                                        <p:tgtEl>
+                                          <p:spTgt spid="7"/>
+                                        </p:tgtEl>
+                                        <p:attrNameLst>
+                                          <p:attrName>style.visibility</p:attrName>
+                                        </p:attrNameLst>
+                                      </p:cBhvr>
+                                      <p:to>
+                                        <p:strVal val="visible"/>
+                                      </p:to>
+                                    </p:set>
+                                    <p:animEffect transition="in" filter="strips(downRight)">
+                                      <p:cBhvr>
+                                        <p:cTn id="7" dur="1000"/>
+                                        <p:tgtEl>
+                                          <p:spTgt spid="7"/>
+                                        </p:tgtEl>
+                                      </p:cBhvr>
+                                    </p:animEffect>
+                                  </p:childTnLst>
+                                </p:cTn>
+                              </p:par>
+                              <p:par>
+                                <p:cTn id="8" presetID="16" presetClass="entr" presetSubtype="37" fill="hold" nodeType="withEffect">
+                                  <p:stCondLst>
+                                    <p:cond delay="1000"/>
+                                  </p:stCondLst>
+                                  <p:childTnLst>
+                                    <p:set>
+                                      <p:cBhvr>
+                                        <p:cTn id="9" dur="1" fill="hold">
+                                          <p:stCondLst>
+                                            <p:cond delay="0"/>
+                                          </p:stCondLst>
+                                        </p:cTn>
+                                        <p:tgtEl>
+                                          <p:spTgt spid="10"/>
+                                        </p:tgtEl>
+                                        <p:attrNameLst>
+                                          <p:attrName>style.visibility</p:attrName>
+                                        </p:attrNameLst>
+                                      </p:cBhvr>
+                                      <p:to>
+                                        <p:strVal val="visible"/>
+                                      </p:to>
+                                    </p:set>
+                                    <p:animEffect transition="in" filter="barn(outVertical)">
+                                      <p:cBhvr>
+                                        <p:cTn id="10" dur="1000"/>
+                                        <p:tgtEl>
+                                          <p:spTgt spid="10"/>
+                                        </p:tgtEl>
+                                      </p:cBhvr>
+                                    </p:animEffect>
+                                  </p:childTnLst>
+                                </p:cTn>
+                              </p:par>
+                              <p:par>
+                                <p:cTn id="11" presetID="47" presetClass="entr" presetSubtype="0" fill="hold" nodeType="withEffect">
+                                  <p:stCondLst>
+                                    <p:cond delay="1700"/>
+                                  </p:stCondLst>
+                                  <p:childTnLst>
+                                    <p:set>
+                                      <p:cBhvr>
+                                        <p:cTn id="12" dur="1" fill="hold">
+                                          <p:stCondLst>
+                                            <p:cond delay="0"/>
+                                          </p:stCondLst>
+                                        </p:cTn>
+                                        <p:tgtEl>
+                                          <p:spTgt spid="17"/>
+                                        </p:tgtEl>
+                                        <p:attrNameLst>
+                                          <p:attrName>style.visibility</p:attrName>
+                                        </p:attrNameLst>
+                                      </p:cBhvr>
+                                      <p:to>
+                                        <p:strVal val="visible"/>
+                                      </p:to>
+                                    </p:set>
+                                    <p:animEffect transition="in" filter="fade">
+                                      <p:cBhvr>
+                                        <p:cTn id="13" dur="600"/>
+                                        <p:tgtEl>
+                                          <p:spTgt spid="17"/>
+                                        </p:tgtEl>
+                                      </p:cBhvr>
+                                    </p:animEffect>
+                                    <p:anim calcmode="lin" valueType="num">
+                                      <p:cBhvr>
+                                        <p:cTn id="14" dur="600" fill="hold"/>
+                                        <p:tgtEl>
+                                          <p:spTgt spid="17"/>
+                                        </p:tgtEl>
+                                        <p:attrNameLst>
+                                          <p:attrName>ppt_x</p:attrName>
+                                        </p:attrNameLst>
+                                      </p:cBhvr>
+                                      <p:tavLst>
+                                        <p:tav tm="0">
+                                          <p:val>
+                                            <p:strVal val="#ppt_x"/>
+                                          </p:val>
+                                        </p:tav>
+                                        <p:tav tm="100000">
+                                          <p:val>
+                                            <p:strVal val="#ppt_x"/>
+                                          </p:val>
+                                        </p:tav>
+                                      </p:tavLst>
+                                    </p:anim>
+                                    <p:anim calcmode="lin" valueType="num">
+                                      <p:cBhvr>
+                                        <p:cTn id="15" dur="600" fill="hold"/>
+                                        <p:tgtEl>
+                                          <p:spTgt spid="17"/>
+                                        </p:tgtEl>
+                                        <p:attrNameLst>
+                                          <p:attrName>ppt_y</p:attrName>
+                                        </p:attrNameLst>
+                                      </p:cBhvr>
+                                      <p:tavLst>
+                                        <p:tav tm="0">
+                                          <p:val>
+                                            <p:strVal val="#ppt_y-.1"/>
+                                          </p:val>
+                                        </p:tav>
+                                        <p:tav tm="100000">
+                                          <p:val>
+                                            <p:strVal val="#ppt_y"/>
+                                          </p:val>
+                                        </p:tav>
+                                      </p:tavLst>
+                                    </p:anim>
+                                  </p:childTnLst>
+                                </p:cTn>
+                              </p:par>
+                            </p:childTnLst>
+                          </p:cTn>
+                        </p:par>
+                      </p:childTnLst>
+                    </p:cTn>
+                  </p:par>
+                </p:childTnLst>
+              </p:cTn>
+              <p:prevCondLst>
+                <p:cond evt="onPrev" delay="0">
+                  <p:tgtEl>
+                    <p:sldTgt/>
+                  </p:tgtEl>
+                </p:cond>
+              </p:prevCondLst>
+              <p:nextCondLst>
+                <p:cond evt="onNext" delay="0">
+                  <p:tgtEl>
+                    <p:sldTgt/>
+                  </p:tgtEl>
+                </p:cond>
+              </p:nextCondLst>
+            </p:seq>
+          </p:childTnLst>
+        </p:cTn>
+      </p:par>
+    </p:tnLst>
+  </p:timing>
+</p:sld>
+</file>
+
+<file path=ppt/slides/slide21.xml><?xml version="1.0" encoding="utf-8"?>
+<p:sld xmlns:a="http://schemas.openxmlformats.org/drawingml/2006/main" xmlns:r="http://schemas.openxmlformats.org/officeDocument/2006/relationships" xmlns:p="http://schemas.openxmlformats.org/presentationml/2006/main" showMasterSp="0">
+  <p:cSld>
+    <p:spTree>
+      <p:nvGrpSpPr>
+        <p:cNvPr id="1" name=""/>
+        <p:cNvGrpSpPr/>
+        <p:nvPr/>
+      </p:nvGrpSpPr>
+      <p:grpSpPr>
+        <a:xfrm>
+          <a:off x="0" y="0"/>
+          <a:ext cx="0" cy="0"/>
+          <a:chOff x="0" y="0"/>
+          <a:chExt cx="0" cy="0"/>
+        </a:xfrm>
+      </p:grpSpPr>
+      <p:grpSp>
+        <p:nvGrpSpPr>
           <p:cNvPr id="10" name="组合 9"/>
           <p:cNvGrpSpPr/>
           <p:nvPr/>
@@ -25327,18 +26641,6 @@
                 </a:rPr>
                 <a:t>参考文献</a:t>
               </a:r>
-              <a:endParaRPr lang="zh-CN" altLang="en-US" sz="5400" dirty="0">
-                <a:solidFill>
-                  <a:schemeClr val="tx1">
-                    <a:lumMod val="85000"/>
-                    <a:lumOff val="15000"/>
-                  </a:schemeClr>
-                </a:solidFill>
-                <a:latin typeface="+mn-lt"/>
-                <a:ea typeface="+mn-ea"/>
-                <a:cs typeface="+mn-ea"/>
-                <a:sym typeface="+mn-lt"/>
-              </a:endParaRPr>
             </a:p>
           </p:txBody>
         </p:sp>
@@ -25554,13 +26856,13 @@
   <p:clrMapOvr>
     <a:masterClrMapping/>
   </p:clrMapOvr>
-  <mc:AlternateContent xmlns:mc="http://schemas.openxmlformats.org/markup-compatibility/2006">
-    <mc:Choice xmlns:p14="http://schemas.microsoft.com/office/powerpoint/2010/main" Requires="p14">
+  <mc:AlternateContent xmlns:mc="http://schemas.openxmlformats.org/markup-compatibility/2006" xmlns:p14="http://schemas.microsoft.com/office/powerpoint/2010/main">
+    <mc:Choice Requires="p14">
       <p:transition spd="slow" p14:dur="1500" advClick="0" advTm="3000">
         <p:random/>
       </p:transition>
     </mc:Choice>
-    <mc:Fallback>
+    <mc:Fallback xmlns="">
       <p:transition spd="slow" advClick="0" advTm="3000">
         <p:random/>
       </p:transition>
@@ -25693,7 +26995,7 @@
 </p:sld>
 </file>
 
-<file path=ppt/slides/slide21.xml><?xml version="1.0" encoding="utf-8"?>
+<file path=ppt/slides/slide22.xml><?xml version="1.0" encoding="utf-8"?>
 <p:sld xmlns:a="http://schemas.openxmlformats.org/drawingml/2006/main" xmlns:r="http://schemas.openxmlformats.org/officeDocument/2006/relationships" xmlns:p="http://schemas.openxmlformats.org/presentationml/2006/main">
   <p:cSld>
     <p:spTree>
@@ -26257,13 +27559,13 @@
           <p:nvPr/>
         </p:nvPicPr>
         <p:blipFill>
-          <a:blip r:embed="rId1" cstate="print">
+          <a:blip r:embed="rId3" cstate="print">
             <a:extLst>
               <a:ext uri="{28A0092B-C50C-407E-A947-70E740481C1C}">
                 <a14:useLocalDpi xmlns:a14="http://schemas.microsoft.com/office/drawing/2010/main" val="0"/>
               </a:ext>
               <a:ext uri="{96DAC541-7B7A-43D3-8B79-37D633B846F1}">
-                <asvg:svgBlip xmlns:asvg="http://schemas.microsoft.com/office/drawing/2016/SVG/main" r:embed="rId2"/>
+                <asvg:svgBlip xmlns:asvg="http://schemas.microsoft.com/office/drawing/2016/SVG/main" r:embed="rId4"/>
               </a:ext>
             </a:extLst>
           </a:blip>
@@ -26340,17 +27642,6 @@
                 </a:rPr>
                 <a:t>参考文献</a:t>
               </a:r>
-              <a:endParaRPr lang="zh-CN" altLang="en-US" sz="2400" dirty="0">
-                <a:solidFill>
-                  <a:schemeClr val="accent6">
-                    <a:lumMod val="75000"/>
-                  </a:schemeClr>
-                </a:solidFill>
-                <a:latin typeface="+mn-lt"/>
-                <a:ea typeface="+mn-ea"/>
-                <a:cs typeface="+mn-ea"/>
-                <a:sym typeface="+mn-lt"/>
-              </a:endParaRPr>
             </a:p>
           </p:txBody>
         </p:sp>
@@ -26561,13 +27852,13 @@
   <p:clrMapOvr>
     <a:masterClrMapping/>
   </p:clrMapOvr>
-  <mc:AlternateContent xmlns:mc="http://schemas.openxmlformats.org/markup-compatibility/2006">
-    <mc:Choice xmlns:p14="http://schemas.microsoft.com/office/powerpoint/2010/main" Requires="p14">
+  <mc:AlternateContent xmlns:mc="http://schemas.openxmlformats.org/markup-compatibility/2006" xmlns:p14="http://schemas.microsoft.com/office/powerpoint/2010/main">
+    <mc:Choice Requires="p14">
       <p:transition spd="slow" p14:dur="1500" advClick="0" advTm="3000">
         <p:random/>
       </p:transition>
     </mc:Choice>
-    <mc:Fallback>
+    <mc:Fallback xmlns="">
       <p:transition spd="slow" advClick="0" advTm="3000">
         <p:random/>
       </p:transition>
@@ -26767,7 +28058,7 @@
 </p:sld>
 </file>
 
-<file path=ppt/slides/slide22.xml><?xml version="1.0" encoding="utf-8"?>
+<file path=ppt/slides/slide23.xml><?xml version="1.0" encoding="utf-8"?>
 <p:sld xmlns:a="http://schemas.openxmlformats.org/drawingml/2006/main" xmlns:r="http://schemas.openxmlformats.org/officeDocument/2006/relationships" xmlns:p="http://schemas.openxmlformats.org/presentationml/2006/main" showMasterSp="0">
   <p:cSld>
     <p:spTree>
@@ -26815,12 +28106,6 @@
               </a:rPr>
               <a:t>谢谢观看</a:t>
             </a:r>
-            <a:endParaRPr lang="zh-CN" altLang="en-US" sz="8800" dirty="0">
-              <a:latin typeface="+mn-lt"/>
-              <a:ea typeface="+mn-ea"/>
-              <a:cs typeface="+mn-ea"/>
-              <a:sym typeface="+mn-lt"/>
-            </a:endParaRPr>
           </a:p>
         </p:txBody>
       </p:sp>
@@ -26887,12 +28172,12 @@
           <p:nvPr/>
         </p:nvPicPr>
         <p:blipFill rotWithShape="1">
-          <a:blip r:embed="rId1" cstate="print">
+          <a:blip r:embed="rId3" cstate="print">
             <a:biLevel thresh="50000"/>
             <a:extLst>
               <a:ext uri="{BEBA8EAE-BF5A-486C-A8C5-ECC9F3942E4B}">
                 <a14:imgProps xmlns:a14="http://schemas.microsoft.com/office/drawing/2010/main">
-                  <a14:imgLayer r:embed="rId2">
+                  <a14:imgLayer r:embed="rId4">
                     <a14:imgEffect>
                       <a14:saturation sat="0"/>
                     </a14:imgEffect>
@@ -27036,13 +28321,13 @@
   <p:clrMapOvr>
     <a:masterClrMapping/>
   </p:clrMapOvr>
-  <mc:AlternateContent xmlns:mc="http://schemas.openxmlformats.org/markup-compatibility/2006">
-    <mc:Choice xmlns:p14="http://schemas.microsoft.com/office/powerpoint/2010/main" Requires="p14">
+  <mc:AlternateContent xmlns:mc="http://schemas.openxmlformats.org/markup-compatibility/2006" xmlns:p14="http://schemas.microsoft.com/office/powerpoint/2010/main">
+    <mc:Choice Requires="p14">
       <p:transition spd="slow" p14:dur="1500" advClick="0" advTm="3000">
         <p:random/>
       </p:transition>
     </mc:Choice>
-    <mc:Fallback>
+    <mc:Fallback xmlns="">
       <p:transition spd="slow" advClick="0" advTm="3000">
         <p:random/>
       </p:transition>
@@ -27120,15 +28405,6 @@
                 </a:rPr>
                 <a:t>绪论</a:t>
               </a:r>
-              <a:endParaRPr lang="zh-CN" altLang="en-US" sz="5400" dirty="0">
-                <a:solidFill>
-                  <a:srgbClr val="000000"/>
-                </a:solidFill>
-                <a:latin typeface="+mn-lt"/>
-                <a:ea typeface="+mn-ea"/>
-                <a:cs typeface="+mn-ea"/>
-                <a:sym typeface="+mn-lt"/>
-              </a:endParaRPr>
             </a:p>
           </p:txBody>
         </p:sp>
@@ -27344,13 +28620,13 @@
   <p:clrMapOvr>
     <a:masterClrMapping/>
   </p:clrMapOvr>
-  <mc:AlternateContent xmlns:mc="http://schemas.openxmlformats.org/markup-compatibility/2006">
-    <mc:Choice xmlns:p14="http://schemas.microsoft.com/office/powerpoint/2010/main" Requires="p14">
+  <mc:AlternateContent xmlns:mc="http://schemas.openxmlformats.org/markup-compatibility/2006" xmlns:p14="http://schemas.microsoft.com/office/powerpoint/2010/main">
+    <mc:Choice Requires="p14">
       <p:transition spd="slow" p14:dur="1500" advClick="0" advTm="3000">
         <p:random/>
       </p:transition>
     </mc:Choice>
-    <mc:Fallback>
+    <mc:Fallback xmlns="">
       <p:transition spd="slow" advClick="0" advTm="3000">
         <p:random/>
       </p:transition>
@@ -28828,12 +30104,6 @@
                 </a:rPr>
                 <a:t>选题背景</a:t>
               </a:r>
-              <a:endParaRPr lang="zh-CN" altLang="en-US" sz="1600" dirty="0">
-                <a:latin typeface="+mn-lt"/>
-                <a:ea typeface="+mn-ea"/>
-                <a:cs typeface="+mn-ea"/>
-                <a:sym typeface="+mn-lt"/>
-              </a:endParaRPr>
             </a:p>
           </p:txBody>
         </p:sp>
@@ -29048,12 +30318,6 @@
                 </a:rPr>
                 <a:t>添加标题</a:t>
               </a:r>
-              <a:endParaRPr kumimoji="0" lang="zh-CN" altLang="en-US" sz="1350" kern="1200" cap="none" spc="0" normalizeH="0" baseline="0" noProof="0" dirty="0">
-                <a:latin typeface="+mn-lt"/>
-                <a:ea typeface="+mn-ea"/>
-                <a:cs typeface="+mn-ea"/>
-                <a:sym typeface="+mn-lt"/>
-              </a:endParaRPr>
             </a:p>
           </p:txBody>
         </p:sp>
@@ -29192,12 +30456,6 @@
                 </a:rPr>
                 <a:t>添加标题</a:t>
               </a:r>
-              <a:endParaRPr kumimoji="0" lang="zh-CN" altLang="en-US" sz="1350" kern="1200" cap="none" spc="0" normalizeH="0" baseline="0" noProof="0" dirty="0">
-                <a:latin typeface="+mn-lt"/>
-                <a:ea typeface="+mn-ea"/>
-                <a:cs typeface="+mn-ea"/>
-                <a:sym typeface="+mn-lt"/>
-              </a:endParaRPr>
             </a:p>
           </p:txBody>
         </p:sp>
@@ -29449,17 +30707,6 @@
                 </a:rPr>
                 <a:t>选题背景</a:t>
               </a:r>
-              <a:endParaRPr kumimoji="0" lang="zh-CN" altLang="en-US" sz="2400" kern="1200" cap="none" spc="0" normalizeH="0" baseline="0" noProof="0" dirty="0">
-                <a:solidFill>
-                  <a:schemeClr val="accent6">
-                    <a:lumMod val="75000"/>
-                  </a:schemeClr>
-                </a:solidFill>
-                <a:latin typeface="+mn-lt"/>
-                <a:ea typeface="+mn-ea"/>
-                <a:cs typeface="+mn-ea"/>
-                <a:sym typeface="+mn-lt"/>
-              </a:endParaRPr>
             </a:p>
           </p:txBody>
         </p:sp>
@@ -29547,12 +30794,6 @@
                 </a:rPr>
                 <a:t>Background Of Topic Selection</a:t>
               </a:r>
-              <a:endParaRPr lang="zh-CN" altLang="en-US" dirty="0">
-                <a:latin typeface="+mn-lt"/>
-                <a:ea typeface="+mn-ea"/>
-                <a:cs typeface="+mn-ea"/>
-                <a:sym typeface="+mn-lt"/>
-              </a:endParaRPr>
             </a:p>
           </p:txBody>
         </p:sp>
@@ -29562,13 +30803,13 @@
   <p:clrMapOvr>
     <a:masterClrMapping/>
   </p:clrMapOvr>
-  <mc:AlternateContent xmlns:mc="http://schemas.openxmlformats.org/markup-compatibility/2006">
-    <mc:Choice xmlns:p14="http://schemas.microsoft.com/office/powerpoint/2010/main" Requires="p14">
+  <mc:AlternateContent xmlns:mc="http://schemas.openxmlformats.org/markup-compatibility/2006" xmlns:p14="http://schemas.microsoft.com/office/powerpoint/2010/main">
+    <mc:Choice Requires="p14">
       <p:transition spd="slow" p14:dur="1500" advClick="0" advTm="3000">
         <p:random/>
       </p:transition>
     </mc:Choice>
-    <mc:Fallback>
+    <mc:Fallback xmlns="">
       <p:transition spd="slow" advClick="0" advTm="3000">
         <p:random/>
       </p:transition>
@@ -30021,18 +31262,6 @@
                 </a:rPr>
                 <a:t>研究方法与思路</a:t>
               </a:r>
-              <a:endParaRPr lang="zh-CN" altLang="en-US" sz="5000" dirty="0">
-                <a:solidFill>
-                  <a:schemeClr val="tx1">
-                    <a:lumMod val="85000"/>
-                    <a:lumOff val="15000"/>
-                  </a:schemeClr>
-                </a:solidFill>
-                <a:latin typeface="+mn-lt"/>
-                <a:ea typeface="+mn-ea"/>
-                <a:cs typeface="+mn-ea"/>
-                <a:sym typeface="+mn-lt"/>
-              </a:endParaRPr>
             </a:p>
           </p:txBody>
         </p:sp>
@@ -30248,13 +31477,13 @@
   <p:clrMapOvr>
     <a:masterClrMapping/>
   </p:clrMapOvr>
-  <mc:AlternateContent xmlns:mc="http://schemas.openxmlformats.org/markup-compatibility/2006">
-    <mc:Choice xmlns:p14="http://schemas.microsoft.com/office/powerpoint/2010/main" Requires="p14">
+  <mc:AlternateContent xmlns:mc="http://schemas.openxmlformats.org/markup-compatibility/2006" xmlns:p14="http://schemas.microsoft.com/office/powerpoint/2010/main">
+    <mc:Choice Requires="p14">
       <p:transition spd="slow" p14:dur="1500" advClick="0" advTm="3000">
         <p:random/>
       </p:transition>
     </mc:Choice>
-    <mc:Fallback>
+    <mc:Fallback xmlns="">
       <p:transition spd="slow" advClick="0" advTm="3000">
         <p:random/>
       </p:transition>
@@ -30468,18 +31697,6 @@
                 </a:rPr>
                 <a:t>添加标题</a:t>
               </a:r>
-              <a:endParaRPr kumimoji="0" lang="zh-CN" altLang="en-US" sz="2000" kern="1200" cap="none" spc="0" normalizeH="0" baseline="0" noProof="0" dirty="0">
-                <a:solidFill>
-                  <a:schemeClr val="tx1">
-                    <a:lumMod val="85000"/>
-                    <a:lumOff val="15000"/>
-                  </a:schemeClr>
-                </a:solidFill>
-                <a:latin typeface="+mn-lt"/>
-                <a:ea typeface="+mn-ea"/>
-                <a:cs typeface="+mn-ea"/>
-                <a:sym typeface="+mn-lt"/>
-              </a:endParaRPr>
             </a:p>
           </p:txBody>
         </p:sp>
@@ -30569,12 +31786,48 @@
             <a:tbl>
               <a:tblPr/>
               <a:tblGrid>
-                <a:gridCol w="641309"/>
-                <a:gridCol w="1358815"/>
-                <a:gridCol w="863546"/>
-                <a:gridCol w="1371514"/>
-                <a:gridCol w="2563598"/>
-                <a:gridCol w="1006955"/>
+                <a:gridCol w="641309">
+                  <a:extLst>
+                    <a:ext uri="{9D8B030D-6E8A-4147-A177-3AD203B41FA5}">
+                      <a16:colId xmlns:a16="http://schemas.microsoft.com/office/drawing/2014/main" val="20000"/>
+                    </a:ext>
+                  </a:extLst>
+                </a:gridCol>
+                <a:gridCol w="1358815">
+                  <a:extLst>
+                    <a:ext uri="{9D8B030D-6E8A-4147-A177-3AD203B41FA5}">
+                      <a16:colId xmlns:a16="http://schemas.microsoft.com/office/drawing/2014/main" val="20001"/>
+                    </a:ext>
+                  </a:extLst>
+                </a:gridCol>
+                <a:gridCol w="863546">
+                  <a:extLst>
+                    <a:ext uri="{9D8B030D-6E8A-4147-A177-3AD203B41FA5}">
+                      <a16:colId xmlns:a16="http://schemas.microsoft.com/office/drawing/2014/main" val="20002"/>
+                    </a:ext>
+                  </a:extLst>
+                </a:gridCol>
+                <a:gridCol w="1371514">
+                  <a:extLst>
+                    <a:ext uri="{9D8B030D-6E8A-4147-A177-3AD203B41FA5}">
+                      <a16:colId xmlns:a16="http://schemas.microsoft.com/office/drawing/2014/main" val="20003"/>
+                    </a:ext>
+                  </a:extLst>
+                </a:gridCol>
+                <a:gridCol w="2563598">
+                  <a:extLst>
+                    <a:ext uri="{9D8B030D-6E8A-4147-A177-3AD203B41FA5}">
+                      <a16:colId xmlns:a16="http://schemas.microsoft.com/office/drawing/2014/main" val="20004"/>
+                    </a:ext>
+                  </a:extLst>
+                </a:gridCol>
+                <a:gridCol w="1006955">
+                  <a:extLst>
+                    <a:ext uri="{9D8B030D-6E8A-4147-A177-3AD203B41FA5}">
+                      <a16:colId xmlns:a16="http://schemas.microsoft.com/office/drawing/2014/main" val="20005"/>
+                    </a:ext>
+                  </a:extLst>
+                </a:gridCol>
               </a:tblGrid>
               <a:tr h="355862">
                 <a:tc gridSpan="6">
@@ -30596,16 +31849,6 @@
                         </a:rPr>
                         <a:t>点击添加标题</a:t>
                       </a:r>
-                      <a:endParaRPr lang="zh-CN" altLang="en-US" sz="1500" b="1" i="0" u="none" strike="noStrike" dirty="0">
-                        <a:solidFill>
-                          <a:schemeClr val="bg1"/>
-                        </a:solidFill>
-                        <a:effectLst/>
-                        <a:latin typeface="+mn-lt"/>
-                        <a:ea typeface="+mn-ea"/>
-                        <a:cs typeface="+mn-ea"/>
-                        <a:sym typeface="+mn-lt"/>
-                      </a:endParaRPr>
                     </a:p>
                   </a:txBody>
                   <a:tcPr marL="4807" marR="4807" marT="3606" marB="0" anchor="ctr">
@@ -30653,20 +31896,60 @@
                   </a:tcPr>
                 </a:tc>
                 <a:tc hMerge="1">
+                  <a:txBody>
+                    <a:bodyPr/>
+                    <a:lstStyle/>
+                    <a:p>
+                      <a:endParaRPr lang="zh-CN"/>
+                    </a:p>
+                  </a:txBody>
                   <a:tcPr/>
                 </a:tc>
                 <a:tc hMerge="1">
+                  <a:txBody>
+                    <a:bodyPr/>
+                    <a:lstStyle/>
+                    <a:p>
+                      <a:endParaRPr lang="zh-CN"/>
+                    </a:p>
+                  </a:txBody>
                   <a:tcPr/>
                 </a:tc>
                 <a:tc hMerge="1">
+                  <a:txBody>
+                    <a:bodyPr/>
+                    <a:lstStyle/>
+                    <a:p>
+                      <a:endParaRPr lang="zh-CN"/>
+                    </a:p>
+                  </a:txBody>
                   <a:tcPr/>
                 </a:tc>
                 <a:tc hMerge="1">
+                  <a:txBody>
+                    <a:bodyPr/>
+                    <a:lstStyle/>
+                    <a:p>
+                      <a:endParaRPr lang="zh-CN"/>
+                    </a:p>
+                  </a:txBody>
                   <a:tcPr/>
                 </a:tc>
                 <a:tc hMerge="1">
+                  <a:txBody>
+                    <a:bodyPr/>
+                    <a:lstStyle/>
+                    <a:p>
+                      <a:endParaRPr lang="zh-CN"/>
+                    </a:p>
+                  </a:txBody>
                   <a:tcPr/>
                 </a:tc>
+                <a:extLst>
+                  <a:ext uri="{0D108BD9-81ED-4DB2-BD59-A6C34878D82A}">
+                    <a16:rowId xmlns:a16="http://schemas.microsoft.com/office/drawing/2014/main" val="10000"/>
+                  </a:ext>
+                </a:extLst>
               </a:tr>
               <a:tr h="263488">
                 <a:tc gridSpan="6">
@@ -30851,19 +32134,6 @@
                         </a:rPr>
                         <a:t>日</a:t>
                       </a:r>
-                      <a:endParaRPr lang="zh-CN" altLang="en-US" sz="1200" b="0" i="0" u="none" strike="noStrike" dirty="0">
-                        <a:solidFill>
-                          <a:schemeClr val="tx1">
-                            <a:lumMod val="85000"/>
-                            <a:lumOff val="15000"/>
-                          </a:schemeClr>
-                        </a:solidFill>
-                        <a:effectLst/>
-                        <a:latin typeface="+mn-lt"/>
-                        <a:ea typeface="+mn-ea"/>
-                        <a:cs typeface="+mn-ea"/>
-                        <a:sym typeface="+mn-lt"/>
-                      </a:endParaRPr>
                     </a:p>
                   </a:txBody>
                   <a:tcPr marL="4807" marR="4807" marT="3606" marB="0" anchor="ctr">
@@ -30911,20 +32181,60 @@
                   </a:tcPr>
                 </a:tc>
                 <a:tc hMerge="1">
+                  <a:txBody>
+                    <a:bodyPr/>
+                    <a:lstStyle/>
+                    <a:p>
+                      <a:endParaRPr lang="zh-CN"/>
+                    </a:p>
+                  </a:txBody>
                   <a:tcPr/>
                 </a:tc>
                 <a:tc hMerge="1">
+                  <a:txBody>
+                    <a:bodyPr/>
+                    <a:lstStyle/>
+                    <a:p>
+                      <a:endParaRPr lang="zh-CN"/>
+                    </a:p>
+                  </a:txBody>
                   <a:tcPr/>
                 </a:tc>
                 <a:tc hMerge="1">
+                  <a:txBody>
+                    <a:bodyPr/>
+                    <a:lstStyle/>
+                    <a:p>
+                      <a:endParaRPr lang="zh-CN"/>
+                    </a:p>
+                  </a:txBody>
                   <a:tcPr/>
                 </a:tc>
                 <a:tc hMerge="1">
+                  <a:txBody>
+                    <a:bodyPr/>
+                    <a:lstStyle/>
+                    <a:p>
+                      <a:endParaRPr lang="zh-CN"/>
+                    </a:p>
+                  </a:txBody>
                   <a:tcPr/>
                 </a:tc>
                 <a:tc hMerge="1">
+                  <a:txBody>
+                    <a:bodyPr/>
+                    <a:lstStyle/>
+                    <a:p>
+                      <a:endParaRPr lang="zh-CN"/>
+                    </a:p>
+                  </a:txBody>
                   <a:tcPr/>
                 </a:tc>
+                <a:extLst>
+                  <a:ext uri="{0D108BD9-81ED-4DB2-BD59-A6C34878D82A}">
+                    <a16:rowId xmlns:a16="http://schemas.microsoft.com/office/drawing/2014/main" val="10001"/>
+                  </a:ext>
+                </a:extLst>
               </a:tr>
               <a:tr h="263488">
                 <a:tc>
@@ -30949,19 +32259,6 @@
                         </a:rPr>
                         <a:t>序号</a:t>
                       </a:r>
-                      <a:endParaRPr lang="zh-CN" altLang="en-US" sz="1200" b="0" i="0" u="none" strike="noStrike" dirty="0">
-                        <a:solidFill>
-                          <a:schemeClr val="tx1">
-                            <a:lumMod val="85000"/>
-                            <a:lumOff val="15000"/>
-                          </a:schemeClr>
-                        </a:solidFill>
-                        <a:effectLst/>
-                        <a:latin typeface="+mn-lt"/>
-                        <a:ea typeface="+mn-ea"/>
-                        <a:cs typeface="+mn-ea"/>
-                        <a:sym typeface="+mn-lt"/>
-                      </a:endParaRPr>
                     </a:p>
                   </a:txBody>
                   <a:tcPr marL="4807" marR="4807" marT="3606" marB="0" anchor="ctr">
@@ -31030,19 +32327,6 @@
                         </a:rPr>
                         <a:t>工作任务</a:t>
                       </a:r>
-                      <a:endParaRPr lang="zh-CN" altLang="en-US" sz="1200" b="0" i="0" u="none" strike="noStrike" dirty="0">
-                        <a:solidFill>
-                          <a:schemeClr val="tx1">
-                            <a:lumMod val="85000"/>
-                            <a:lumOff val="15000"/>
-                          </a:schemeClr>
-                        </a:solidFill>
-                        <a:effectLst/>
-                        <a:latin typeface="+mn-lt"/>
-                        <a:ea typeface="+mn-ea"/>
-                        <a:cs typeface="+mn-ea"/>
-                        <a:sym typeface="+mn-lt"/>
-                      </a:endParaRPr>
                     </a:p>
                   </a:txBody>
                   <a:tcPr marL="4807" marR="4807" marT="3606" marB="0" anchor="ctr">
@@ -31111,19 +32395,6 @@
                         </a:rPr>
                         <a:t>日期</a:t>
                       </a:r>
-                      <a:endParaRPr lang="zh-CN" altLang="en-US" sz="1200" b="0" i="0" u="none" strike="noStrike" dirty="0">
-                        <a:solidFill>
-                          <a:schemeClr val="tx1">
-                            <a:lumMod val="85000"/>
-                            <a:lumOff val="15000"/>
-                          </a:schemeClr>
-                        </a:solidFill>
-                        <a:effectLst/>
-                        <a:latin typeface="+mn-lt"/>
-                        <a:ea typeface="+mn-ea"/>
-                        <a:cs typeface="+mn-ea"/>
-                        <a:sym typeface="+mn-lt"/>
-                      </a:endParaRPr>
                     </a:p>
                   </a:txBody>
                   <a:tcPr marL="4807" marR="4807" marT="3606" marB="0" anchor="ctr">
@@ -31192,19 +32463,6 @@
                         </a:rPr>
                         <a:t>目的</a:t>
                       </a:r>
-                      <a:endParaRPr lang="zh-CN" altLang="en-US" sz="1200" b="0" i="0" u="none" strike="noStrike" dirty="0">
-                        <a:solidFill>
-                          <a:schemeClr val="tx1">
-                            <a:lumMod val="85000"/>
-                            <a:lumOff val="15000"/>
-                          </a:schemeClr>
-                        </a:solidFill>
-                        <a:effectLst/>
-                        <a:latin typeface="+mn-lt"/>
-                        <a:ea typeface="+mn-ea"/>
-                        <a:cs typeface="+mn-ea"/>
-                        <a:sym typeface="+mn-lt"/>
-                      </a:endParaRPr>
                     </a:p>
                   </a:txBody>
                   <a:tcPr marL="4807" marR="4807" marT="3606" marB="0" anchor="ctr">
@@ -31273,19 +32531,6 @@
                         </a:rPr>
                         <a:t>网站</a:t>
                       </a:r>
-                      <a:endParaRPr lang="zh-CN" altLang="en-US" sz="1200" b="0" i="0" u="none" strike="noStrike" dirty="0">
-                        <a:solidFill>
-                          <a:schemeClr val="tx1">
-                            <a:lumMod val="85000"/>
-                            <a:lumOff val="15000"/>
-                          </a:schemeClr>
-                        </a:solidFill>
-                        <a:effectLst/>
-                        <a:latin typeface="+mn-lt"/>
-                        <a:ea typeface="+mn-ea"/>
-                        <a:cs typeface="+mn-ea"/>
-                        <a:sym typeface="+mn-lt"/>
-                      </a:endParaRPr>
                     </a:p>
                   </a:txBody>
                   <a:tcPr marL="4807" marR="4807" marT="3606" marB="0" anchor="ctr">
@@ -31354,19 +32599,6 @@
                         </a:rPr>
                         <a:t>备注</a:t>
                       </a:r>
-                      <a:endParaRPr lang="zh-CN" altLang="en-US" sz="1200" b="0" i="0" u="none" strike="noStrike" dirty="0">
-                        <a:solidFill>
-                          <a:schemeClr val="tx1">
-                            <a:lumMod val="85000"/>
-                            <a:lumOff val="15000"/>
-                          </a:schemeClr>
-                        </a:solidFill>
-                        <a:effectLst/>
-                        <a:latin typeface="+mn-lt"/>
-                        <a:ea typeface="+mn-ea"/>
-                        <a:cs typeface="+mn-ea"/>
-                        <a:sym typeface="+mn-lt"/>
-                      </a:endParaRPr>
                     </a:p>
                   </a:txBody>
                   <a:tcPr marL="4807" marR="4807" marT="3606" marB="0" anchor="ctr">
@@ -31413,6 +32645,11 @@
                     </a:solidFill>
                   </a:tcPr>
                 </a:tc>
+                <a:extLst>
+                  <a:ext uri="{0D108BD9-81ED-4DB2-BD59-A6C34878D82A}">
+                    <a16:rowId xmlns:a16="http://schemas.microsoft.com/office/drawing/2014/main" val="10002"/>
+                  </a:ext>
+                </a:extLst>
               </a:tr>
               <a:tr h="263488">
                 <a:tc>
@@ -31437,19 +32674,6 @@
                         </a:rPr>
                         <a:t>1</a:t>
                       </a:r>
-                      <a:endParaRPr lang="en-US" altLang="zh-CN" sz="1100" b="0" i="0" u="none" strike="noStrike" dirty="0">
-                        <a:solidFill>
-                          <a:schemeClr val="tx1">
-                            <a:lumMod val="85000"/>
-                            <a:lumOff val="15000"/>
-                          </a:schemeClr>
-                        </a:solidFill>
-                        <a:effectLst/>
-                        <a:latin typeface="+mn-lt"/>
-                        <a:ea typeface="+mn-ea"/>
-                        <a:cs typeface="+mn-ea"/>
-                        <a:sym typeface="+mn-lt"/>
-                      </a:endParaRPr>
                     </a:p>
                   </a:txBody>
                   <a:tcPr marL="4807" marR="4807" marT="3606" marB="0" anchor="ctr">
@@ -31821,6 +33045,11 @@
                     </a:solidFill>
                   </a:tcPr>
                 </a:tc>
+                <a:extLst>
+                  <a:ext uri="{0D108BD9-81ED-4DB2-BD59-A6C34878D82A}">
+                    <a16:rowId xmlns:a16="http://schemas.microsoft.com/office/drawing/2014/main" val="10003"/>
+                  </a:ext>
+                </a:extLst>
               </a:tr>
               <a:tr h="263488">
                 <a:tc>
@@ -31845,19 +33074,6 @@
                         </a:rPr>
                         <a:t>2</a:t>
                       </a:r>
-                      <a:endParaRPr lang="en-US" altLang="zh-CN" sz="1100" b="0" i="0" u="none" strike="noStrike" dirty="0">
-                        <a:solidFill>
-                          <a:schemeClr val="tx1">
-                            <a:lumMod val="85000"/>
-                            <a:lumOff val="15000"/>
-                          </a:schemeClr>
-                        </a:solidFill>
-                        <a:effectLst/>
-                        <a:latin typeface="+mn-lt"/>
-                        <a:ea typeface="+mn-ea"/>
-                        <a:cs typeface="+mn-ea"/>
-                        <a:sym typeface="+mn-lt"/>
-                      </a:endParaRPr>
                     </a:p>
                   </a:txBody>
                   <a:tcPr marL="4807" marR="4807" marT="3606" marB="0" anchor="ctr">
@@ -32229,6 +33445,11 @@
                     </a:solidFill>
                   </a:tcPr>
                 </a:tc>
+                <a:extLst>
+                  <a:ext uri="{0D108BD9-81ED-4DB2-BD59-A6C34878D82A}">
+                    <a16:rowId xmlns:a16="http://schemas.microsoft.com/office/drawing/2014/main" val="10004"/>
+                  </a:ext>
+                </a:extLst>
               </a:tr>
               <a:tr h="263488">
                 <a:tc>
@@ -32253,19 +33474,6 @@
                         </a:rPr>
                         <a:t>3</a:t>
                       </a:r>
-                      <a:endParaRPr lang="en-US" altLang="zh-CN" sz="1100" b="0" i="0" u="none" strike="noStrike" dirty="0">
-                        <a:solidFill>
-                          <a:schemeClr val="tx1">
-                            <a:lumMod val="85000"/>
-                            <a:lumOff val="15000"/>
-                          </a:schemeClr>
-                        </a:solidFill>
-                        <a:effectLst/>
-                        <a:latin typeface="+mn-lt"/>
-                        <a:ea typeface="+mn-ea"/>
-                        <a:cs typeface="+mn-ea"/>
-                        <a:sym typeface="+mn-lt"/>
-                      </a:endParaRPr>
                     </a:p>
                   </a:txBody>
                   <a:tcPr marL="4807" marR="4807" marT="3606" marB="0" anchor="ctr">
@@ -32637,6 +33845,11 @@
                     </a:solidFill>
                   </a:tcPr>
                 </a:tc>
+                <a:extLst>
+                  <a:ext uri="{0D108BD9-81ED-4DB2-BD59-A6C34878D82A}">
+                    <a16:rowId xmlns:a16="http://schemas.microsoft.com/office/drawing/2014/main" val="10005"/>
+                  </a:ext>
+                </a:extLst>
               </a:tr>
               <a:tr h="263488">
                 <a:tc>
@@ -32661,19 +33874,6 @@
                         </a:rPr>
                         <a:t>4</a:t>
                       </a:r>
-                      <a:endParaRPr lang="en-US" altLang="zh-CN" sz="1100" b="0" i="0" u="none" strike="noStrike" dirty="0">
-                        <a:solidFill>
-                          <a:schemeClr val="tx1">
-                            <a:lumMod val="85000"/>
-                            <a:lumOff val="15000"/>
-                          </a:schemeClr>
-                        </a:solidFill>
-                        <a:effectLst/>
-                        <a:latin typeface="+mn-lt"/>
-                        <a:ea typeface="+mn-ea"/>
-                        <a:cs typeface="+mn-ea"/>
-                        <a:sym typeface="+mn-lt"/>
-                      </a:endParaRPr>
                     </a:p>
                   </a:txBody>
                   <a:tcPr marL="4807" marR="4807" marT="3606" marB="0" anchor="ctr">
@@ -33045,6 +34245,11 @@
                     </a:solidFill>
                   </a:tcPr>
                 </a:tc>
+                <a:extLst>
+                  <a:ext uri="{0D108BD9-81ED-4DB2-BD59-A6C34878D82A}">
+                    <a16:rowId xmlns:a16="http://schemas.microsoft.com/office/drawing/2014/main" val="10006"/>
+                  </a:ext>
+                </a:extLst>
               </a:tr>
               <a:tr h="263488">
                 <a:tc>
@@ -33069,19 +34274,6 @@
                         </a:rPr>
                         <a:t>5</a:t>
                       </a:r>
-                      <a:endParaRPr lang="en-US" altLang="zh-CN" sz="1100" b="0" i="0" u="none" strike="noStrike" dirty="0">
-                        <a:solidFill>
-                          <a:schemeClr val="tx1">
-                            <a:lumMod val="85000"/>
-                            <a:lumOff val="15000"/>
-                          </a:schemeClr>
-                        </a:solidFill>
-                        <a:effectLst/>
-                        <a:latin typeface="+mn-lt"/>
-                        <a:ea typeface="+mn-ea"/>
-                        <a:cs typeface="+mn-ea"/>
-                        <a:sym typeface="+mn-lt"/>
-                      </a:endParaRPr>
                     </a:p>
                   </a:txBody>
                   <a:tcPr marL="4807" marR="4807" marT="3606" marB="0" anchor="ctr">
@@ -33453,6 +34645,11 @@
                     </a:solidFill>
                   </a:tcPr>
                 </a:tc>
+                <a:extLst>
+                  <a:ext uri="{0D108BD9-81ED-4DB2-BD59-A6C34878D82A}">
+                    <a16:rowId xmlns:a16="http://schemas.microsoft.com/office/drawing/2014/main" val="10007"/>
+                  </a:ext>
+                </a:extLst>
               </a:tr>
             </a:tbl>
           </a:graphicData>
@@ -33517,17 +34714,6 @@
                 </a:rPr>
                 <a:t>研究思路</a:t>
               </a:r>
-              <a:endParaRPr lang="zh-CN" altLang="en-US" sz="2400" dirty="0">
-                <a:solidFill>
-                  <a:schemeClr val="accent6">
-                    <a:lumMod val="75000"/>
-                  </a:schemeClr>
-                </a:solidFill>
-                <a:latin typeface="+mn-lt"/>
-                <a:ea typeface="+mn-ea"/>
-                <a:cs typeface="+mn-ea"/>
-                <a:sym typeface="+mn-lt"/>
-              </a:endParaRPr>
             </a:p>
           </p:txBody>
         </p:sp>
@@ -33738,13 +34924,13 @@
   <p:clrMapOvr>
     <a:masterClrMapping/>
   </p:clrMapOvr>
-  <mc:AlternateContent xmlns:mc="http://schemas.openxmlformats.org/markup-compatibility/2006">
-    <mc:Choice xmlns:p14="http://schemas.microsoft.com/office/powerpoint/2010/main" Requires="p14">
+  <mc:AlternateContent xmlns:mc="http://schemas.openxmlformats.org/markup-compatibility/2006" xmlns:p14="http://schemas.microsoft.com/office/powerpoint/2010/main">
+    <mc:Choice Requires="p14">
       <p:transition spd="slow" p14:dur="1500" advClick="0" advTm="3000">
         <p:random/>
       </p:transition>
     </mc:Choice>
-    <mc:Fallback>
+    <mc:Fallback xmlns="">
       <p:transition spd="slow" advClick="0" advTm="3000">
         <p:random/>
       </p:transition>
@@ -34428,19 +35614,6 @@
                 </a:rPr>
                 <a:t>添加标题文字</a:t>
               </a:r>
-              <a:endParaRPr kumimoji="0" lang="zh-CN" altLang="en-US" sz="1200" b="0" i="0" u="none" strike="noStrike" kern="1200" cap="none" spc="0" normalizeH="0" baseline="0" noProof="0" dirty="0">
-                <a:ln>
-                  <a:noFill/>
-                </a:ln>
-                <a:solidFill>
-                  <a:schemeClr val="lt1"/>
-                </a:solidFill>
-                <a:effectLst/>
-                <a:uLnTx/>
-                <a:uFillTx/>
-                <a:cs typeface="+mn-ea"/>
-                <a:sym typeface="+mn-lt"/>
-              </a:endParaRPr>
             </a:p>
           </p:txBody>
         </p:sp>
@@ -34990,19 +36163,6 @@
                 </a:rPr>
                 <a:t>添加标题文字</a:t>
               </a:r>
-              <a:endParaRPr kumimoji="0" lang="zh-CN" altLang="en-US" sz="1200" b="0" i="0" u="none" strike="noStrike" kern="1200" cap="none" spc="0" normalizeH="0" baseline="0" noProof="0" dirty="0">
-                <a:ln>
-                  <a:noFill/>
-                </a:ln>
-                <a:solidFill>
-                  <a:schemeClr val="lt1"/>
-                </a:solidFill>
-                <a:effectLst/>
-                <a:uLnTx/>
-                <a:uFillTx/>
-                <a:cs typeface="+mn-ea"/>
-                <a:sym typeface="+mn-lt"/>
-              </a:endParaRPr>
             </a:p>
           </p:txBody>
         </p:sp>
@@ -38091,19 +39251,6 @@
                 </a:rPr>
                 <a:t>添加标题文字</a:t>
               </a:r>
-              <a:endParaRPr kumimoji="0" lang="zh-CN" altLang="en-US" sz="1200" b="0" i="0" u="none" strike="noStrike" kern="1200" cap="none" spc="0" normalizeH="0" baseline="0" noProof="0" dirty="0">
-                <a:ln>
-                  <a:noFill/>
-                </a:ln>
-                <a:solidFill>
-                  <a:schemeClr val="lt1"/>
-                </a:solidFill>
-                <a:effectLst/>
-                <a:uLnTx/>
-                <a:uFillTx/>
-                <a:cs typeface="+mn-ea"/>
-                <a:sym typeface="+mn-lt"/>
-              </a:endParaRPr>
             </a:p>
           </p:txBody>
         </p:sp>
@@ -38571,19 +39718,6 @@
                 </a:rPr>
                 <a:t>添加标题文字</a:t>
               </a:r>
-              <a:endParaRPr kumimoji="0" lang="zh-CN" altLang="en-US" sz="1200" b="0" i="0" u="none" strike="noStrike" kern="1200" cap="none" spc="0" normalizeH="0" baseline="0" noProof="0" dirty="0">
-                <a:ln>
-                  <a:noFill/>
-                </a:ln>
-                <a:solidFill>
-                  <a:schemeClr val="lt1"/>
-                </a:solidFill>
-                <a:effectLst/>
-                <a:uLnTx/>
-                <a:uFillTx/>
-                <a:cs typeface="+mn-ea"/>
-                <a:sym typeface="+mn-lt"/>
-              </a:endParaRPr>
             </a:p>
           </p:txBody>
         </p:sp>
@@ -38698,17 +39832,6 @@
                 </a:rPr>
                 <a:t>研究方法</a:t>
               </a:r>
-              <a:endParaRPr lang="zh-CN" altLang="en-US" sz="2400" dirty="0">
-                <a:solidFill>
-                  <a:schemeClr val="accent6">
-                    <a:lumMod val="75000"/>
-                  </a:schemeClr>
-                </a:solidFill>
-                <a:latin typeface="+mn-lt"/>
-                <a:ea typeface="+mn-ea"/>
-                <a:cs typeface="+mn-ea"/>
-                <a:sym typeface="+mn-lt"/>
-              </a:endParaRPr>
             </a:p>
           </p:txBody>
         </p:sp>
@@ -38919,13 +40042,13 @@
   <p:clrMapOvr>
     <a:masterClrMapping/>
   </p:clrMapOvr>
-  <mc:AlternateContent xmlns:mc="http://schemas.openxmlformats.org/markup-compatibility/2006">
-    <mc:Choice xmlns:p14="http://schemas.microsoft.com/office/powerpoint/2010/main" Requires="p14">
+  <mc:AlternateContent xmlns:mc="http://schemas.openxmlformats.org/markup-compatibility/2006" xmlns:p14="http://schemas.microsoft.com/office/powerpoint/2010/main">
+    <mc:Choice Requires="p14">
       <p:transition spd="slow" p14:dur="1500" advClick="0" advTm="3000">
         <p:random/>
       </p:transition>
     </mc:Choice>
-    <mc:Fallback>
+    <mc:Fallback xmlns="">
       <p:transition spd="slow" advClick="0" advTm="3000">
         <p:random/>
       </p:transition>
@@ -39945,7 +41068,7 @@
           <p:nvPr/>
         </p:nvPicPr>
         <p:blipFill>
-          <a:blip r:embed="rId1"/>
+          <a:blip r:embed="rId3"/>
           <a:stretch>
             <a:fillRect/>
           </a:stretch>
@@ -40624,24 +41747,6 @@
               </a:rPr>
               <a:t>成果形式一</a:t>
             </a:r>
-            <a:endParaRPr kumimoji="0" lang="zh-CN" altLang="en-US" sz="1600" b="0" i="0" u="none" strike="noStrike" kern="1200" cap="none" spc="0" normalizeH="0" baseline="0" noProof="0" dirty="0">
-              <a:ln>
-                <a:noFill/>
-              </a:ln>
-              <a:solidFill>
-                <a:schemeClr val="tx1">
-                  <a:lumMod val="75000"/>
-                  <a:lumOff val="25000"/>
-                </a:schemeClr>
-              </a:solidFill>
-              <a:effectLst/>
-              <a:uLnTx/>
-              <a:uFillTx/>
-              <a:latin typeface="+mn-lt"/>
-              <a:ea typeface="+mn-ea"/>
-              <a:cs typeface="+mn-ea"/>
-              <a:sym typeface="+mn-lt"/>
-            </a:endParaRPr>
           </a:p>
         </p:txBody>
       </p:sp>
@@ -40771,24 +41876,6 @@
               </a:rPr>
               <a:t>成果形式二</a:t>
             </a:r>
-            <a:endParaRPr kumimoji="0" lang="zh-CN" altLang="en-US" sz="1600" b="0" i="0" u="none" strike="noStrike" kern="1200" cap="none" spc="0" normalizeH="0" baseline="0" noProof="0" dirty="0">
-              <a:ln>
-                <a:noFill/>
-              </a:ln>
-              <a:solidFill>
-                <a:schemeClr val="tx1">
-                  <a:lumMod val="75000"/>
-                  <a:lumOff val="25000"/>
-                </a:schemeClr>
-              </a:solidFill>
-              <a:effectLst/>
-              <a:uLnTx/>
-              <a:uFillTx/>
-              <a:latin typeface="+mn-lt"/>
-              <a:ea typeface="+mn-ea"/>
-              <a:cs typeface="+mn-ea"/>
-              <a:sym typeface="+mn-lt"/>
-            </a:endParaRPr>
           </a:p>
         </p:txBody>
       </p:sp>
@@ -40918,24 +42005,6 @@
               </a:rPr>
               <a:t>成果形式三</a:t>
             </a:r>
-            <a:endParaRPr kumimoji="0" lang="zh-CN" altLang="en-US" sz="1600" b="0" i="0" u="none" strike="noStrike" kern="1200" cap="none" spc="0" normalizeH="0" baseline="0" noProof="0" dirty="0">
-              <a:ln>
-                <a:noFill/>
-              </a:ln>
-              <a:solidFill>
-                <a:schemeClr val="tx1">
-                  <a:lumMod val="75000"/>
-                  <a:lumOff val="25000"/>
-                </a:schemeClr>
-              </a:solidFill>
-              <a:effectLst/>
-              <a:uLnTx/>
-              <a:uFillTx/>
-              <a:latin typeface="+mn-lt"/>
-              <a:ea typeface="+mn-ea"/>
-              <a:cs typeface="+mn-ea"/>
-              <a:sym typeface="+mn-lt"/>
-            </a:endParaRPr>
           </a:p>
         </p:txBody>
       </p:sp>
@@ -41052,17 +42121,6 @@
                 </a:rPr>
                 <a:t>成果形式</a:t>
               </a:r>
-              <a:endParaRPr lang="zh-CN" altLang="en-US" sz="2400" dirty="0">
-                <a:solidFill>
-                  <a:schemeClr val="accent6">
-                    <a:lumMod val="75000"/>
-                  </a:schemeClr>
-                </a:solidFill>
-                <a:latin typeface="+mn-lt"/>
-                <a:ea typeface="+mn-ea"/>
-                <a:cs typeface="+mn-ea"/>
-                <a:sym typeface="+mn-lt"/>
-              </a:endParaRPr>
             </a:p>
           </p:txBody>
         </p:sp>
@@ -41165,13 +42223,13 @@
   <p:clrMapOvr>
     <a:masterClrMapping/>
   </p:clrMapOvr>
-  <mc:AlternateContent xmlns:mc="http://schemas.openxmlformats.org/markup-compatibility/2006">
-    <mc:Choice xmlns:p14="http://schemas.microsoft.com/office/powerpoint/2010/main" Requires="p14">
+  <mc:AlternateContent xmlns:mc="http://schemas.openxmlformats.org/markup-compatibility/2006" xmlns:p14="http://schemas.microsoft.com/office/powerpoint/2010/main">
+    <mc:Choice Requires="p14">
       <p:transition spd="slow" p14:dur="1500" advClick="0" advTm="3000">
         <p:random/>
       </p:transition>
     </mc:Choice>
-    <mc:Fallback>
+    <mc:Fallback xmlns="">
       <p:transition spd="slow" advClick="0" advTm="3000">
         <p:random/>
       </p:transition>
@@ -42410,12 +43468,6 @@
                 </a:rPr>
                 <a:t>关键技术与难点</a:t>
               </a:r>
-              <a:endParaRPr lang="zh-CN" altLang="en-US" sz="5400" dirty="0">
-                <a:latin typeface="+mn-lt"/>
-                <a:ea typeface="+mn-ea"/>
-                <a:cs typeface="+mn-ea"/>
-                <a:sym typeface="+mn-lt"/>
-              </a:endParaRPr>
             </a:p>
           </p:txBody>
         </p:sp>
@@ -42631,13 +43683,13 @@
   <p:clrMapOvr>
     <a:masterClrMapping/>
   </p:clrMapOvr>
-  <mc:AlternateContent xmlns:mc="http://schemas.openxmlformats.org/markup-compatibility/2006">
-    <mc:Choice xmlns:p14="http://schemas.microsoft.com/office/powerpoint/2010/main" Requires="p14">
+  <mc:AlternateContent xmlns:mc="http://schemas.openxmlformats.org/markup-compatibility/2006" xmlns:p14="http://schemas.microsoft.com/office/powerpoint/2010/main">
+    <mc:Choice Requires="p14">
       <p:transition spd="slow" p14:dur="1500" advClick="0" advTm="3000">
         <p:random/>
       </p:transition>
     </mc:Choice>
-    <mc:Fallback>
+    <mc:Fallback xmlns="">
       <p:transition spd="slow" advClick="0" advTm="3000">
         <p:random/>
       </p:transition>
@@ -42771,7 +43823,7 @@
 </file>
 
 <file path=ppt/tags/tag1.xml><?xml version="1.0" encoding="utf-8"?>
-<p:tagLst xmlns:p="http://schemas.openxmlformats.org/presentationml/2006/main">
+<p:tagLst xmlns:a="http://schemas.openxmlformats.org/drawingml/2006/main" xmlns:r="http://schemas.openxmlformats.org/officeDocument/2006/relationships" xmlns:p="http://schemas.openxmlformats.org/presentationml/2006/main">
   <p:tag name="ISPRING_PRESENTATION_TITLE" val="极简几何毕业论文答辩PPT模板"/>
 </p:tagLst>
 </file>
@@ -42967,6 +44019,8 @@
       </a:bgFillStyleLst>
     </a:fmtScheme>
   </a:themeElements>
+  <a:objectDefaults/>
+  <a:extraClrSchemeLst/>
   <a:extLst>
     <a:ext uri="{05A4C25C-085E-4340-85A3-A5531E510DB2}">
       <thm15:themeFamily xmlns:thm15="http://schemas.microsoft.com/office/thememl/2012/main" name="Office Theme" id="{62F939B6-93AF-4DB8-9C6B-D6C7DFDC589F}" vid="{4A3C46E8-61CC-4603-A589-7422A47A8E4A}"/>
@@ -43226,6 +44280,8 @@
       </a:bgFillStyleLst>
     </a:fmtScheme>
   </a:themeElements>
+  <a:objectDefaults/>
+  <a:extraClrSchemeLst/>
   <a:extLst>
     <a:ext uri="{05A4C25C-085E-4340-85A3-A5531E510DB2}">
       <thm15:themeFamily xmlns:thm15="http://schemas.microsoft.com/office/thememl/2012/main" name="Office Theme" id="{62F939B6-93AF-4DB8-9C6B-D6C7DFDC589F}" vid="{4A3C46E8-61CC-4603-A589-7422A47A8E4A}"/>

--- a/master/Modern Industry Practice/Phase2/毕业答辩 (09)---.pptx
+++ b/master/Modern Industry Practice/Phase2/毕业答辩 (09)---.pptx
@@ -14021,7 +14021,7 @@
                   <a:cs typeface="+mn-ea"/>
                   <a:sym typeface="+mn-lt"/>
                 </a:rPr>
-                <a:t> Function of EMG</a:t>
+                <a:t> Aim of the System</a:t>
               </a:r>
               <a:endParaRPr lang="zh-CN" altLang="en-US" sz="2400" dirty="0">
                 <a:solidFill>
@@ -15982,13 +15982,13 @@
   <p:clrMapOvr>
     <a:masterClrMapping/>
   </p:clrMapOvr>
-  <mc:AlternateContent xmlns:mc="http://schemas.openxmlformats.org/markup-compatibility/2006">
-    <mc:Choice xmlns:p14="http://schemas.microsoft.com/office/powerpoint/2010/main" Requires="p14">
+  <mc:AlternateContent xmlns:mc="http://schemas.openxmlformats.org/markup-compatibility/2006" xmlns:p14="http://schemas.microsoft.com/office/powerpoint/2010/main">
+    <mc:Choice Requires="p14">
       <p:transition spd="slow" p14:dur="1500" advClick="0" advTm="3000">
         <p:random/>
       </p:transition>
     </mc:Choice>
-    <mc:Fallback>
+    <mc:Fallback xmlns="">
       <p:transition spd="slow" advClick="0" advTm="3000">
         <p:random/>
       </p:transition>

--- a/master/Modern Industry Practice/Phase2/毕业答辩 (09)---.pptx
+++ b/master/Modern Industry Practice/Phase2/毕业答辩 (09)---.pptx
@@ -10084,7 +10084,7 @@
         </p:nvCxnSpPr>
         <p:spPr>
           <a:xfrm>
-            <a:off x="4572000" y="1108075"/>
+            <a:off x="3955001" y="1103571"/>
             <a:ext cx="0" cy="3298825"/>
           </a:xfrm>
           <a:prstGeom prst="line">
@@ -10119,7 +10119,7 @@
         </p:nvSpPr>
         <p:spPr>
           <a:xfrm>
-            <a:off x="4219575" y="2254250"/>
+            <a:off x="3602576" y="2249746"/>
             <a:ext cx="704850" cy="706438"/>
           </a:xfrm>
           <a:prstGeom prst="ellipse">
@@ -10170,22 +10170,6 @@
               <a:buNone/>
               <a:defRPr/>
             </a:pPr>
-            <a:r>
-              <a:rPr kumimoji="0" lang="en-US" altLang="zh-CN" sz="1800" b="1" i="0" u="none" strike="noStrike" kern="1200" cap="none" spc="0" normalizeH="0" baseline="0" noProof="0" dirty="0">
-                <a:ln>
-                  <a:noFill/>
-                </a:ln>
-                <a:solidFill>
-                  <a:schemeClr val="bg1"/>
-                </a:solidFill>
-                <a:effectLst/>
-                <a:uLnTx/>
-                <a:uFillTx/>
-                <a:cs typeface="+mn-ea"/>
-                <a:sym typeface="+mn-lt"/>
-              </a:rPr>
-              <a:t>VS</a:t>
-            </a:r>
             <a:endParaRPr kumimoji="0" lang="zh-CN" altLang="en-US" sz="1800" b="1" i="0" u="none" strike="noStrike" kern="1200" cap="none" spc="0" normalizeH="0" baseline="0" noProof="0" dirty="0">
               <a:ln>
                 <a:noFill/>
@@ -10210,10 +10194,10 @@
         </p:nvGrpSpPr>
         <p:grpSpPr>
           <a:xfrm>
-            <a:off x="1212850" y="1393825"/>
-            <a:ext cx="2698750" cy="1412875"/>
+            <a:off x="117906" y="965397"/>
+            <a:ext cx="2698750" cy="607317"/>
             <a:chOff x="1212260" y="1394385"/>
-            <a:chExt cx="2699790" cy="1413046"/>
+            <a:chExt cx="2699790" cy="607391"/>
           </a:xfrm>
         </p:grpSpPr>
         <p:sp>
@@ -10225,7 +10209,7 @@
           <p:spPr>
             <a:xfrm>
               <a:off x="1212260" y="1745265"/>
-              <a:ext cx="2699790" cy="1062166"/>
+              <a:ext cx="2699790" cy="256511"/>
             </a:xfrm>
             <a:prstGeom prst="rect">
               <a:avLst/>
@@ -10254,15 +10238,6 @@
                 <a:buNone/>
                 <a:defRPr/>
               </a:pPr>
-              <a:r>
-                <a:rPr kumimoji="0" lang="zh-CN" altLang="en-US" sz="1050" kern="1200" cap="none" spc="0" normalizeH="0" baseline="0" noProof="0" dirty="0">
-                  <a:latin typeface="+mn-lt"/>
-                  <a:ea typeface="+mn-ea"/>
-                  <a:cs typeface="+mn-ea"/>
-                  <a:sym typeface="+mn-lt"/>
-                </a:rPr>
-                <a:t>您的内容打在这里，或者通过复制您的文本后，在此框中选择粘贴，并选择只保留文字。您的内容打在这里，或者通过复制您的文本后，在此框中选择粘贴，并选择只保留文字，您的内容打在</a:t>
-              </a:r>
               <a:endParaRPr kumimoji="0" lang="zh-CN" altLang="en-US" sz="1000" kern="1200" cap="none" spc="0" normalizeH="0" baseline="0" noProof="0" dirty="0">
                 <a:latin typeface="+mn-lt"/>
                 <a:ea typeface="+mn-ea"/>
@@ -10322,10 +10297,10 @@
         </p:nvGrpSpPr>
         <p:grpSpPr>
           <a:xfrm>
-            <a:off x="5172075" y="1408113"/>
-            <a:ext cx="2759075" cy="1420812"/>
-            <a:chOff x="5171954" y="1407576"/>
-            <a:chExt cx="2759786" cy="1421801"/>
+            <a:off x="4810285" y="965397"/>
+            <a:ext cx="3014775" cy="474175"/>
+            <a:chOff x="5189422" y="1550343"/>
+            <a:chExt cx="3015552" cy="474505"/>
           </a:xfrm>
         </p:grpSpPr>
         <p:sp>
@@ -10336,7 +10311,7 @@
           </p:nvSpPr>
           <p:spPr>
             <a:xfrm>
-              <a:off x="5171954" y="1407576"/>
+              <a:off x="6164510" y="1550343"/>
               <a:ext cx="2040464" cy="368556"/>
             </a:xfrm>
             <a:prstGeom prst="rect">
@@ -10423,7 +10398,7 @@
           <p:spPr>
             <a:xfrm>
               <a:off x="5189422" y="1768189"/>
-              <a:ext cx="2742318" cy="1061188"/>
+              <a:ext cx="2742318" cy="256659"/>
             </a:xfrm>
             <a:prstGeom prst="rect">
               <a:avLst/>
@@ -10452,1235 +10427,12 @@
                 <a:buNone/>
                 <a:defRPr/>
               </a:pPr>
-              <a:r>
-                <a:rPr kumimoji="0" lang="zh-CN" altLang="en-US" sz="1050" kern="1200" cap="none" spc="0" normalizeH="0" baseline="0" noProof="0" dirty="0">
-                  <a:latin typeface="+mn-lt"/>
-                  <a:ea typeface="+mn-ea"/>
-                  <a:cs typeface="+mn-ea"/>
-                  <a:sym typeface="+mn-lt"/>
-                </a:rPr>
-                <a:t>您的内容打在这里，或者通过复制您的文本后，在此框中选择粘贴，并选择只保留文字。您的内容打在这里，或者通过复制您的文本后，在此框中选择粘贴，并选择只保留文字，您的内容打在</a:t>
-              </a:r>
               <a:endParaRPr kumimoji="0" lang="zh-CN" altLang="en-US" sz="1000" kern="1200" cap="none" spc="0" normalizeH="0" baseline="0" noProof="0" dirty="0">
                 <a:latin typeface="+mn-lt"/>
                 <a:ea typeface="+mn-ea"/>
                 <a:cs typeface="+mn-ea"/>
                 <a:sym typeface="+mn-lt"/>
               </a:endParaRPr>
-            </a:p>
-          </p:txBody>
-        </p:sp>
-      </p:grpSp>
-      <p:grpSp>
-        <p:nvGrpSpPr>
-          <p:cNvPr id="3" name="组合 2"/>
-          <p:cNvGrpSpPr/>
-          <p:nvPr/>
-        </p:nvGrpSpPr>
-        <p:grpSpPr>
-          <a:xfrm>
-            <a:off x="1512888" y="3268663"/>
-            <a:ext cx="2219325" cy="1189037"/>
-            <a:chOff x="1512237" y="3294193"/>
-            <a:chExt cx="2219829" cy="1189680"/>
-          </a:xfrm>
-        </p:grpSpPr>
-        <p:sp>
-          <p:nvSpPr>
-            <p:cNvPr id="26" name="矩形 25"/>
-            <p:cNvSpPr/>
-            <p:nvPr/>
-          </p:nvSpPr>
-          <p:spPr>
-            <a:xfrm>
-              <a:off x="2144205" y="3294193"/>
-              <a:ext cx="1584685" cy="189014"/>
-            </a:xfrm>
-            <a:prstGeom prst="rect">
-              <a:avLst/>
-            </a:prstGeom>
-            <a:solidFill>
-              <a:schemeClr val="accent6">
-                <a:lumMod val="75000"/>
-              </a:schemeClr>
-            </a:solidFill>
-            <a:ln>
-              <a:noFill/>
-            </a:ln>
-          </p:spPr>
-          <p:style>
-            <a:lnRef idx="2">
-              <a:schemeClr val="accent1">
-                <a:shade val="50000"/>
-              </a:schemeClr>
-            </a:lnRef>
-            <a:fillRef idx="1">
-              <a:schemeClr val="accent1"/>
-            </a:fillRef>
-            <a:effectRef idx="0">
-              <a:schemeClr val="accent1"/>
-            </a:effectRef>
-            <a:fontRef idx="minor">
-              <a:schemeClr val="lt1"/>
-            </a:fontRef>
-          </p:style>
-          <p:txBody>
-            <a:bodyPr anchor="ctr"/>
-            <a:lstStyle/>
-            <a:p>
-              <a:pPr marL="0" marR="0" lvl="0" indent="0" algn="ctr" defTabSz="685800" rtl="0" eaLnBrk="1" fontAlgn="auto" latinLnBrk="0" hangingPunct="1">
-                <a:lnSpc>
-                  <a:spcPct val="100000"/>
-                </a:lnSpc>
-                <a:spcBef>
-                  <a:spcPts val="0"/>
-                </a:spcBef>
-                <a:spcAft>
-                  <a:spcPts val="0"/>
-                </a:spcAft>
-                <a:buClrTx/>
-                <a:buSzTx/>
-                <a:buFontTx/>
-                <a:buNone/>
-                <a:defRPr/>
-              </a:pPr>
-              <a:endParaRPr kumimoji="0" lang="zh-CN" altLang="en-US" sz="1015" b="0" i="0" u="none" strike="noStrike" kern="1200" cap="none" spc="0" normalizeH="0" baseline="0" noProof="0">
-                <a:ln>
-                  <a:noFill/>
-                </a:ln>
-                <a:solidFill>
-                  <a:schemeClr val="bg1"/>
-                </a:solidFill>
-                <a:effectLst/>
-                <a:uLnTx/>
-                <a:uFillTx/>
-                <a:cs typeface="+mn-ea"/>
-                <a:sym typeface="+mn-lt"/>
-              </a:endParaRPr>
-            </a:p>
-          </p:txBody>
-        </p:sp>
-        <p:sp>
-          <p:nvSpPr>
-            <p:cNvPr id="27" name="矩形 26"/>
-            <p:cNvSpPr/>
-            <p:nvPr/>
-          </p:nvSpPr>
-          <p:spPr>
-            <a:xfrm>
-              <a:off x="1512237" y="3594392"/>
-              <a:ext cx="2210302" cy="189015"/>
-            </a:xfrm>
-            <a:prstGeom prst="rect">
-              <a:avLst/>
-            </a:prstGeom>
-            <a:solidFill>
-              <a:schemeClr val="accent6">
-                <a:lumMod val="75000"/>
-              </a:schemeClr>
-            </a:solidFill>
-            <a:ln>
-              <a:noFill/>
-            </a:ln>
-          </p:spPr>
-          <p:style>
-            <a:lnRef idx="2">
-              <a:schemeClr val="accent1">
-                <a:shade val="50000"/>
-              </a:schemeClr>
-            </a:lnRef>
-            <a:fillRef idx="1">
-              <a:schemeClr val="accent1"/>
-            </a:fillRef>
-            <a:effectRef idx="0">
-              <a:schemeClr val="accent1"/>
-            </a:effectRef>
-            <a:fontRef idx="minor">
-              <a:schemeClr val="lt1"/>
-            </a:fontRef>
-          </p:style>
-          <p:txBody>
-            <a:bodyPr anchor="ctr"/>
-            <a:lstStyle/>
-            <a:p>
-              <a:pPr marL="0" marR="0" lvl="0" indent="0" algn="ctr" defTabSz="685800" rtl="0" eaLnBrk="1" fontAlgn="auto" latinLnBrk="0" hangingPunct="1">
-                <a:lnSpc>
-                  <a:spcPct val="100000"/>
-                </a:lnSpc>
-                <a:spcBef>
-                  <a:spcPts val="0"/>
-                </a:spcBef>
-                <a:spcAft>
-                  <a:spcPts val="0"/>
-                </a:spcAft>
-                <a:buClrTx/>
-                <a:buSzTx/>
-                <a:buFontTx/>
-                <a:buNone/>
-                <a:defRPr/>
-              </a:pPr>
-              <a:endParaRPr kumimoji="0" lang="zh-CN" altLang="en-US" sz="1015" b="0" i="0" u="none" strike="noStrike" kern="1200" cap="none" spc="0" normalizeH="0" baseline="0" noProof="0">
-                <a:ln>
-                  <a:noFill/>
-                </a:ln>
-                <a:solidFill>
-                  <a:schemeClr val="bg1"/>
-                </a:solidFill>
-                <a:effectLst/>
-                <a:uLnTx/>
-                <a:uFillTx/>
-                <a:cs typeface="+mn-ea"/>
-                <a:sym typeface="+mn-lt"/>
-              </a:endParaRPr>
-            </a:p>
-          </p:txBody>
-        </p:sp>
-        <p:sp>
-          <p:nvSpPr>
-            <p:cNvPr id="28" name="矩形 27"/>
-            <p:cNvSpPr/>
-            <p:nvPr/>
-          </p:nvSpPr>
-          <p:spPr>
-            <a:xfrm>
-              <a:off x="1931432" y="3920006"/>
-              <a:ext cx="1800634" cy="190603"/>
-            </a:xfrm>
-            <a:prstGeom prst="rect">
-              <a:avLst/>
-            </a:prstGeom>
-            <a:solidFill>
-              <a:schemeClr val="accent6">
-                <a:lumMod val="75000"/>
-              </a:schemeClr>
-            </a:solidFill>
-            <a:ln>
-              <a:noFill/>
-            </a:ln>
-          </p:spPr>
-          <p:style>
-            <a:lnRef idx="2">
-              <a:schemeClr val="accent1">
-                <a:shade val="50000"/>
-              </a:schemeClr>
-            </a:lnRef>
-            <a:fillRef idx="1">
-              <a:schemeClr val="accent1"/>
-            </a:fillRef>
-            <a:effectRef idx="0">
-              <a:schemeClr val="accent1"/>
-            </a:effectRef>
-            <a:fontRef idx="minor">
-              <a:schemeClr val="lt1"/>
-            </a:fontRef>
-          </p:style>
-          <p:txBody>
-            <a:bodyPr anchor="ctr"/>
-            <a:lstStyle/>
-            <a:p>
-              <a:pPr marL="0" marR="0" lvl="0" indent="0" algn="ctr" defTabSz="685800" rtl="0" eaLnBrk="1" fontAlgn="auto" latinLnBrk="0" hangingPunct="1">
-                <a:lnSpc>
-                  <a:spcPct val="100000"/>
-                </a:lnSpc>
-                <a:spcBef>
-                  <a:spcPts val="0"/>
-                </a:spcBef>
-                <a:spcAft>
-                  <a:spcPts val="0"/>
-                </a:spcAft>
-                <a:buClrTx/>
-                <a:buSzTx/>
-                <a:buFontTx/>
-                <a:buNone/>
-                <a:defRPr/>
-              </a:pPr>
-              <a:endParaRPr kumimoji="0" lang="zh-CN" altLang="en-US" sz="1015" b="0" i="0" u="none" strike="noStrike" kern="1200" cap="none" spc="0" normalizeH="0" baseline="0" noProof="0">
-                <a:ln>
-                  <a:noFill/>
-                </a:ln>
-                <a:solidFill>
-                  <a:schemeClr val="bg1"/>
-                </a:solidFill>
-                <a:effectLst/>
-                <a:uLnTx/>
-                <a:uFillTx/>
-                <a:cs typeface="+mn-ea"/>
-                <a:sym typeface="+mn-lt"/>
-              </a:endParaRPr>
-            </a:p>
-          </p:txBody>
-        </p:sp>
-        <p:sp>
-          <p:nvSpPr>
-            <p:cNvPr id="29" name="TextBox 19"/>
-            <p:cNvSpPr txBox="1"/>
-            <p:nvPr/>
-          </p:nvSpPr>
-          <p:spPr>
-            <a:xfrm>
-              <a:off x="2409378" y="3294193"/>
-              <a:ext cx="1113091" cy="219193"/>
-            </a:xfrm>
-            <a:prstGeom prst="rect">
-              <a:avLst/>
-            </a:prstGeom>
-            <a:noFill/>
-          </p:spPr>
-          <p:txBody>
-            <a:bodyPr wrap="none">
-              <a:spAutoFit/>
-            </a:bodyPr>
-            <a:lstStyle/>
-            <a:p>
-              <a:pPr marR="0" defTabSz="685800" eaLnBrk="1" fontAlgn="auto" hangingPunct="1">
-                <a:spcBef>
-                  <a:spcPts val="0"/>
-                </a:spcBef>
-                <a:spcAft>
-                  <a:spcPts val="0"/>
-                </a:spcAft>
-                <a:buClrTx/>
-                <a:buSzTx/>
-                <a:buFontTx/>
-                <a:buNone/>
-                <a:defRPr/>
-              </a:pPr>
-              <a:r>
-                <a:rPr kumimoji="0" lang="zh-CN" altLang="en-US" sz="825" kern="1200" cap="none" spc="0" normalizeH="0" baseline="0" noProof="0" dirty="0">
-                  <a:solidFill>
-                    <a:schemeClr val="bg1"/>
-                  </a:solidFill>
-                  <a:latin typeface="+mn-lt"/>
-                  <a:ea typeface="+mn-ea"/>
-                  <a:cs typeface="+mn-ea"/>
-                  <a:sym typeface="+mn-lt"/>
-                </a:rPr>
-                <a:t>对比数据一：</a:t>
-              </a:r>
-              <a:r>
-                <a:rPr kumimoji="0" lang="en-US" altLang="zh-CN" sz="825" kern="1200" cap="none" spc="0" normalizeH="0" baseline="0" noProof="0" dirty="0">
-                  <a:solidFill>
-                    <a:schemeClr val="bg1"/>
-                  </a:solidFill>
-                  <a:latin typeface="+mn-lt"/>
-                  <a:ea typeface="+mn-ea"/>
-                  <a:cs typeface="+mn-ea"/>
-                  <a:sym typeface="+mn-lt"/>
-                </a:rPr>
-                <a:t>600</a:t>
-              </a:r>
-              <a:r>
-                <a:rPr kumimoji="0" lang="zh-CN" altLang="en-US" sz="825" kern="1200" cap="none" spc="0" normalizeH="0" baseline="0" noProof="0" dirty="0">
-                  <a:solidFill>
-                    <a:schemeClr val="bg1"/>
-                  </a:solidFill>
-                  <a:latin typeface="+mn-lt"/>
-                  <a:ea typeface="+mn-ea"/>
-                  <a:cs typeface="+mn-ea"/>
-                  <a:sym typeface="+mn-lt"/>
-                </a:rPr>
-                <a:t>万</a:t>
-              </a:r>
-            </a:p>
-          </p:txBody>
-        </p:sp>
-        <p:sp>
-          <p:nvSpPr>
-            <p:cNvPr id="30" name="TextBox 20"/>
-            <p:cNvSpPr txBox="1"/>
-            <p:nvPr/>
-          </p:nvSpPr>
-          <p:spPr>
-            <a:xfrm>
-              <a:off x="2409378" y="3594392"/>
-              <a:ext cx="1113091" cy="219193"/>
-            </a:xfrm>
-            <a:prstGeom prst="rect">
-              <a:avLst/>
-            </a:prstGeom>
-            <a:noFill/>
-          </p:spPr>
-          <p:txBody>
-            <a:bodyPr wrap="none">
-              <a:spAutoFit/>
-            </a:bodyPr>
-            <a:lstStyle/>
-            <a:p>
-              <a:pPr marR="0" defTabSz="685800" eaLnBrk="1" fontAlgn="auto" hangingPunct="1">
-                <a:spcBef>
-                  <a:spcPts val="0"/>
-                </a:spcBef>
-                <a:spcAft>
-                  <a:spcPts val="0"/>
-                </a:spcAft>
-                <a:buClrTx/>
-                <a:buSzTx/>
-                <a:buFontTx/>
-                <a:buNone/>
-                <a:defRPr/>
-              </a:pPr>
-              <a:r>
-                <a:rPr kumimoji="0" lang="zh-CN" altLang="en-US" sz="825" kern="1200" cap="none" spc="0" normalizeH="0" baseline="0" noProof="0" dirty="0">
-                  <a:solidFill>
-                    <a:schemeClr val="bg1"/>
-                  </a:solidFill>
-                  <a:latin typeface="+mn-lt"/>
-                  <a:ea typeface="+mn-ea"/>
-                  <a:cs typeface="+mn-ea"/>
-                  <a:sym typeface="+mn-lt"/>
-                </a:rPr>
-                <a:t>对比数据二：</a:t>
-              </a:r>
-              <a:r>
-                <a:rPr kumimoji="0" lang="en-US" altLang="zh-CN" sz="825" kern="1200" cap="none" spc="0" normalizeH="0" baseline="0" noProof="0" dirty="0">
-                  <a:solidFill>
-                    <a:schemeClr val="bg1"/>
-                  </a:solidFill>
-                  <a:latin typeface="+mn-lt"/>
-                  <a:ea typeface="+mn-ea"/>
-                  <a:cs typeface="+mn-ea"/>
-                  <a:sym typeface="+mn-lt"/>
-                </a:rPr>
-                <a:t>800</a:t>
-              </a:r>
-              <a:r>
-                <a:rPr kumimoji="0" lang="zh-CN" altLang="en-US" sz="825" kern="1200" cap="none" spc="0" normalizeH="0" baseline="0" noProof="0" dirty="0">
-                  <a:solidFill>
-                    <a:schemeClr val="bg1"/>
-                  </a:solidFill>
-                  <a:latin typeface="+mn-lt"/>
-                  <a:ea typeface="+mn-ea"/>
-                  <a:cs typeface="+mn-ea"/>
-                  <a:sym typeface="+mn-lt"/>
-                </a:rPr>
-                <a:t>万</a:t>
-              </a:r>
-            </a:p>
-          </p:txBody>
-        </p:sp>
-        <p:sp>
-          <p:nvSpPr>
-            <p:cNvPr id="31" name="TextBox 21"/>
-            <p:cNvSpPr txBox="1"/>
-            <p:nvPr/>
-          </p:nvSpPr>
-          <p:spPr>
-            <a:xfrm>
-              <a:off x="2409378" y="3924771"/>
-              <a:ext cx="1113091" cy="219193"/>
-            </a:xfrm>
-            <a:prstGeom prst="rect">
-              <a:avLst/>
-            </a:prstGeom>
-            <a:noFill/>
-          </p:spPr>
-          <p:txBody>
-            <a:bodyPr wrap="none">
-              <a:spAutoFit/>
-            </a:bodyPr>
-            <a:lstStyle/>
-            <a:p>
-              <a:pPr marR="0" defTabSz="685800" eaLnBrk="1" fontAlgn="auto" hangingPunct="1">
-                <a:spcBef>
-                  <a:spcPts val="0"/>
-                </a:spcBef>
-                <a:spcAft>
-                  <a:spcPts val="0"/>
-                </a:spcAft>
-                <a:buClrTx/>
-                <a:buSzTx/>
-                <a:buFontTx/>
-                <a:buNone/>
-                <a:defRPr/>
-              </a:pPr>
-              <a:r>
-                <a:rPr kumimoji="0" lang="zh-CN" altLang="en-US" sz="825" kern="1200" cap="none" spc="0" normalizeH="0" baseline="0" noProof="0" dirty="0">
-                  <a:solidFill>
-                    <a:schemeClr val="bg1"/>
-                  </a:solidFill>
-                  <a:latin typeface="+mn-lt"/>
-                  <a:ea typeface="+mn-ea"/>
-                  <a:cs typeface="+mn-ea"/>
-                  <a:sym typeface="+mn-lt"/>
-                </a:rPr>
-                <a:t>对比数据三：</a:t>
-              </a:r>
-              <a:r>
-                <a:rPr kumimoji="0" lang="en-US" altLang="zh-CN" sz="825" kern="1200" cap="none" spc="0" normalizeH="0" baseline="0" noProof="0" dirty="0">
-                  <a:solidFill>
-                    <a:schemeClr val="bg1"/>
-                  </a:solidFill>
-                  <a:latin typeface="+mn-lt"/>
-                  <a:ea typeface="+mn-ea"/>
-                  <a:cs typeface="+mn-ea"/>
-                  <a:sym typeface="+mn-lt"/>
-                </a:rPr>
-                <a:t>760</a:t>
-              </a:r>
-              <a:r>
-                <a:rPr kumimoji="0" lang="zh-CN" altLang="en-US" sz="825" kern="1200" cap="none" spc="0" normalizeH="0" baseline="0" noProof="0" dirty="0">
-                  <a:solidFill>
-                    <a:schemeClr val="bg1"/>
-                  </a:solidFill>
-                  <a:latin typeface="+mn-lt"/>
-                  <a:ea typeface="+mn-ea"/>
-                  <a:cs typeface="+mn-ea"/>
-                  <a:sym typeface="+mn-lt"/>
-                </a:rPr>
-                <a:t>万</a:t>
-              </a:r>
-            </a:p>
-          </p:txBody>
-        </p:sp>
-        <p:sp>
-          <p:nvSpPr>
-            <p:cNvPr id="38" name="矩形 37"/>
-            <p:cNvSpPr/>
-            <p:nvPr/>
-          </p:nvSpPr>
-          <p:spPr>
-            <a:xfrm>
-              <a:off x="1786936" y="4259915"/>
-              <a:ext cx="1945130" cy="189014"/>
-            </a:xfrm>
-            <a:prstGeom prst="rect">
-              <a:avLst/>
-            </a:prstGeom>
-            <a:solidFill>
-              <a:schemeClr val="accent6">
-                <a:lumMod val="75000"/>
-              </a:schemeClr>
-            </a:solidFill>
-            <a:ln>
-              <a:noFill/>
-            </a:ln>
-          </p:spPr>
-          <p:style>
-            <a:lnRef idx="2">
-              <a:schemeClr val="accent1">
-                <a:shade val="50000"/>
-              </a:schemeClr>
-            </a:lnRef>
-            <a:fillRef idx="1">
-              <a:schemeClr val="accent1"/>
-            </a:fillRef>
-            <a:effectRef idx="0">
-              <a:schemeClr val="accent1"/>
-            </a:effectRef>
-            <a:fontRef idx="minor">
-              <a:schemeClr val="lt1"/>
-            </a:fontRef>
-          </p:style>
-          <p:txBody>
-            <a:bodyPr anchor="ctr"/>
-            <a:lstStyle/>
-            <a:p>
-              <a:pPr marL="0" marR="0" lvl="0" indent="0" algn="ctr" defTabSz="685800" rtl="0" eaLnBrk="1" fontAlgn="auto" latinLnBrk="0" hangingPunct="1">
-                <a:lnSpc>
-                  <a:spcPct val="100000"/>
-                </a:lnSpc>
-                <a:spcBef>
-                  <a:spcPts val="0"/>
-                </a:spcBef>
-                <a:spcAft>
-                  <a:spcPts val="0"/>
-                </a:spcAft>
-                <a:buClrTx/>
-                <a:buSzTx/>
-                <a:buFontTx/>
-                <a:buNone/>
-                <a:defRPr/>
-              </a:pPr>
-              <a:endParaRPr kumimoji="0" lang="zh-CN" altLang="en-US" sz="1015" b="0" i="0" u="none" strike="noStrike" kern="1200" cap="none" spc="0" normalizeH="0" baseline="0" noProof="0">
-                <a:ln>
-                  <a:noFill/>
-                </a:ln>
-                <a:solidFill>
-                  <a:schemeClr val="bg1"/>
-                </a:solidFill>
-                <a:effectLst/>
-                <a:uLnTx/>
-                <a:uFillTx/>
-                <a:cs typeface="+mn-ea"/>
-                <a:sym typeface="+mn-lt"/>
-              </a:endParaRPr>
-            </a:p>
-          </p:txBody>
-        </p:sp>
-        <p:sp>
-          <p:nvSpPr>
-            <p:cNvPr id="39" name="TextBox 21"/>
-            <p:cNvSpPr txBox="1"/>
-            <p:nvPr/>
-          </p:nvSpPr>
-          <p:spPr>
-            <a:xfrm>
-              <a:off x="2409378" y="4264680"/>
-              <a:ext cx="1113091" cy="219193"/>
-            </a:xfrm>
-            <a:prstGeom prst="rect">
-              <a:avLst/>
-            </a:prstGeom>
-            <a:noFill/>
-          </p:spPr>
-          <p:txBody>
-            <a:bodyPr wrap="none">
-              <a:spAutoFit/>
-            </a:bodyPr>
-            <a:lstStyle/>
-            <a:p>
-              <a:pPr marR="0" defTabSz="685800" eaLnBrk="1" fontAlgn="auto" hangingPunct="1">
-                <a:spcBef>
-                  <a:spcPts val="0"/>
-                </a:spcBef>
-                <a:spcAft>
-                  <a:spcPts val="0"/>
-                </a:spcAft>
-                <a:buClrTx/>
-                <a:buSzTx/>
-                <a:buFontTx/>
-                <a:buNone/>
-                <a:defRPr/>
-              </a:pPr>
-              <a:r>
-                <a:rPr kumimoji="0" lang="zh-CN" altLang="en-US" sz="825" kern="1200" cap="none" spc="0" normalizeH="0" baseline="0" noProof="0" dirty="0">
-                  <a:solidFill>
-                    <a:schemeClr val="bg1"/>
-                  </a:solidFill>
-                  <a:latin typeface="+mn-lt"/>
-                  <a:ea typeface="+mn-ea"/>
-                  <a:cs typeface="+mn-ea"/>
-                  <a:sym typeface="+mn-lt"/>
-                </a:rPr>
-                <a:t>对比数据四：</a:t>
-              </a:r>
-              <a:r>
-                <a:rPr kumimoji="0" lang="en-US" altLang="zh-CN" sz="825" kern="1200" cap="none" spc="0" normalizeH="0" baseline="0" noProof="0" dirty="0">
-                  <a:solidFill>
-                    <a:schemeClr val="bg1"/>
-                  </a:solidFill>
-                  <a:latin typeface="+mn-lt"/>
-                  <a:ea typeface="+mn-ea"/>
-                  <a:cs typeface="+mn-ea"/>
-                  <a:sym typeface="+mn-lt"/>
-                </a:rPr>
-                <a:t>550</a:t>
-              </a:r>
-              <a:r>
-                <a:rPr kumimoji="0" lang="zh-CN" altLang="en-US" sz="825" kern="1200" cap="none" spc="0" normalizeH="0" baseline="0" noProof="0" dirty="0">
-                  <a:solidFill>
-                    <a:schemeClr val="bg1"/>
-                  </a:solidFill>
-                  <a:latin typeface="+mn-lt"/>
-                  <a:ea typeface="+mn-ea"/>
-                  <a:cs typeface="+mn-ea"/>
-                  <a:sym typeface="+mn-lt"/>
-                </a:rPr>
-                <a:t>万</a:t>
-              </a:r>
-            </a:p>
-          </p:txBody>
-        </p:sp>
-      </p:grpSp>
-      <p:grpSp>
-        <p:nvGrpSpPr>
-          <p:cNvPr id="4" name="组合 3"/>
-          <p:cNvGrpSpPr/>
-          <p:nvPr/>
-        </p:nvGrpSpPr>
-        <p:grpSpPr>
-          <a:xfrm>
-            <a:off x="5292725" y="3273425"/>
-            <a:ext cx="2219325" cy="1165225"/>
-            <a:chOff x="5291943" y="3273646"/>
-            <a:chExt cx="2219829" cy="1165404"/>
-          </a:xfrm>
-        </p:grpSpPr>
-        <p:sp>
-          <p:nvSpPr>
-            <p:cNvPr id="32" name="矩形 31"/>
-            <p:cNvSpPr/>
-            <p:nvPr/>
-          </p:nvSpPr>
-          <p:spPr>
-            <a:xfrm>
-              <a:off x="5291943" y="3294287"/>
-              <a:ext cx="1584685" cy="188941"/>
-            </a:xfrm>
-            <a:prstGeom prst="rect">
-              <a:avLst/>
-            </a:prstGeom>
-            <a:solidFill>
-              <a:schemeClr val="accent6"/>
-            </a:solidFill>
-            <a:ln>
-              <a:noFill/>
-            </a:ln>
-          </p:spPr>
-          <p:style>
-            <a:lnRef idx="2">
-              <a:schemeClr val="accent1">
-                <a:shade val="50000"/>
-              </a:schemeClr>
-            </a:lnRef>
-            <a:fillRef idx="1">
-              <a:schemeClr val="accent1"/>
-            </a:fillRef>
-            <a:effectRef idx="0">
-              <a:schemeClr val="accent1"/>
-            </a:effectRef>
-            <a:fontRef idx="minor">
-              <a:schemeClr val="lt1"/>
-            </a:fontRef>
-          </p:style>
-          <p:txBody>
-            <a:bodyPr anchor="ctr"/>
-            <a:lstStyle/>
-            <a:p>
-              <a:pPr marL="0" marR="0" lvl="0" indent="0" algn="ctr" defTabSz="685800" rtl="0" eaLnBrk="1" fontAlgn="auto" latinLnBrk="0" hangingPunct="1">
-                <a:lnSpc>
-                  <a:spcPct val="100000"/>
-                </a:lnSpc>
-                <a:spcBef>
-                  <a:spcPts val="0"/>
-                </a:spcBef>
-                <a:spcAft>
-                  <a:spcPts val="0"/>
-                </a:spcAft>
-                <a:buClrTx/>
-                <a:buSzTx/>
-                <a:buFontTx/>
-                <a:buNone/>
-                <a:defRPr/>
-              </a:pPr>
-              <a:endParaRPr kumimoji="0" lang="zh-CN" altLang="en-US" sz="1015" b="0" i="0" u="none" strike="noStrike" kern="1200" cap="none" spc="0" normalizeH="0" baseline="0" noProof="0">
-                <a:ln>
-                  <a:noFill/>
-                </a:ln>
-                <a:solidFill>
-                  <a:sysClr val="windowText" lastClr="000000"/>
-                </a:solidFill>
-                <a:effectLst/>
-                <a:uLnTx/>
-                <a:uFillTx/>
-                <a:cs typeface="+mn-ea"/>
-                <a:sym typeface="+mn-lt"/>
-              </a:endParaRPr>
-            </a:p>
-          </p:txBody>
-        </p:sp>
-        <p:sp>
-          <p:nvSpPr>
-            <p:cNvPr id="33" name="矩形 32"/>
-            <p:cNvSpPr/>
-            <p:nvPr/>
-          </p:nvSpPr>
-          <p:spPr>
-            <a:xfrm>
-              <a:off x="5301470" y="3594370"/>
-              <a:ext cx="2210302" cy="188942"/>
-            </a:xfrm>
-            <a:prstGeom prst="rect">
-              <a:avLst/>
-            </a:prstGeom>
-            <a:solidFill>
-              <a:schemeClr val="accent6"/>
-            </a:solidFill>
-            <a:ln>
-              <a:noFill/>
-            </a:ln>
-          </p:spPr>
-          <p:style>
-            <a:lnRef idx="2">
-              <a:schemeClr val="accent1">
-                <a:shade val="50000"/>
-              </a:schemeClr>
-            </a:lnRef>
-            <a:fillRef idx="1">
-              <a:schemeClr val="accent1"/>
-            </a:fillRef>
-            <a:effectRef idx="0">
-              <a:schemeClr val="accent1"/>
-            </a:effectRef>
-            <a:fontRef idx="minor">
-              <a:schemeClr val="lt1"/>
-            </a:fontRef>
-          </p:style>
-          <p:txBody>
-            <a:bodyPr anchor="ctr"/>
-            <a:lstStyle/>
-            <a:p>
-              <a:pPr marL="0" marR="0" lvl="0" indent="0" algn="ctr" defTabSz="685800" rtl="0" eaLnBrk="1" fontAlgn="auto" latinLnBrk="0" hangingPunct="1">
-                <a:lnSpc>
-                  <a:spcPct val="100000"/>
-                </a:lnSpc>
-                <a:spcBef>
-                  <a:spcPts val="0"/>
-                </a:spcBef>
-                <a:spcAft>
-                  <a:spcPts val="0"/>
-                </a:spcAft>
-                <a:buClrTx/>
-                <a:buSzTx/>
-                <a:buFontTx/>
-                <a:buNone/>
-                <a:defRPr/>
-              </a:pPr>
-              <a:endParaRPr kumimoji="0" lang="zh-CN" altLang="en-US" sz="1015" b="0" i="0" u="none" strike="noStrike" kern="1200" cap="none" spc="0" normalizeH="0" baseline="0" noProof="0">
-                <a:ln>
-                  <a:noFill/>
-                </a:ln>
-                <a:solidFill>
-                  <a:sysClr val="windowText" lastClr="000000"/>
-                </a:solidFill>
-                <a:effectLst/>
-                <a:uLnTx/>
-                <a:uFillTx/>
-                <a:cs typeface="+mn-ea"/>
-                <a:sym typeface="+mn-lt"/>
-              </a:endParaRPr>
-            </a:p>
-          </p:txBody>
-        </p:sp>
-        <p:sp>
-          <p:nvSpPr>
-            <p:cNvPr id="34" name="矩形 33"/>
-            <p:cNvSpPr/>
-            <p:nvPr/>
-          </p:nvSpPr>
-          <p:spPr>
-            <a:xfrm>
-              <a:off x="5291943" y="3911919"/>
-              <a:ext cx="1800634" cy="190529"/>
-            </a:xfrm>
-            <a:prstGeom prst="rect">
-              <a:avLst/>
-            </a:prstGeom>
-            <a:solidFill>
-              <a:schemeClr val="accent6"/>
-            </a:solidFill>
-            <a:ln>
-              <a:noFill/>
-            </a:ln>
-          </p:spPr>
-          <p:style>
-            <a:lnRef idx="2">
-              <a:schemeClr val="accent1">
-                <a:shade val="50000"/>
-              </a:schemeClr>
-            </a:lnRef>
-            <a:fillRef idx="1">
-              <a:schemeClr val="accent1"/>
-            </a:fillRef>
-            <a:effectRef idx="0">
-              <a:schemeClr val="accent1"/>
-            </a:effectRef>
-            <a:fontRef idx="minor">
-              <a:schemeClr val="lt1"/>
-            </a:fontRef>
-          </p:style>
-          <p:txBody>
-            <a:bodyPr anchor="ctr"/>
-            <a:lstStyle/>
-            <a:p>
-              <a:pPr marL="0" marR="0" lvl="0" indent="0" algn="ctr" defTabSz="685800" rtl="0" eaLnBrk="1" fontAlgn="auto" latinLnBrk="0" hangingPunct="1">
-                <a:lnSpc>
-                  <a:spcPct val="100000"/>
-                </a:lnSpc>
-                <a:spcBef>
-                  <a:spcPts val="0"/>
-                </a:spcBef>
-                <a:spcAft>
-                  <a:spcPts val="0"/>
-                </a:spcAft>
-                <a:buClrTx/>
-                <a:buSzTx/>
-                <a:buFontTx/>
-                <a:buNone/>
-                <a:defRPr/>
-              </a:pPr>
-              <a:endParaRPr kumimoji="0" lang="zh-CN" altLang="en-US" sz="1015" b="0" i="0" u="none" strike="noStrike" kern="1200" cap="none" spc="0" normalizeH="0" baseline="0" noProof="0">
-                <a:ln>
-                  <a:noFill/>
-                </a:ln>
-                <a:solidFill>
-                  <a:sysClr val="windowText" lastClr="000000"/>
-                </a:solidFill>
-                <a:effectLst/>
-                <a:uLnTx/>
-                <a:uFillTx/>
-                <a:cs typeface="+mn-ea"/>
-                <a:sym typeface="+mn-lt"/>
-              </a:endParaRPr>
-            </a:p>
-          </p:txBody>
-        </p:sp>
-        <p:sp>
-          <p:nvSpPr>
-            <p:cNvPr id="40" name="矩形 39"/>
-            <p:cNvSpPr/>
-            <p:nvPr/>
-          </p:nvSpPr>
-          <p:spPr>
-            <a:xfrm>
-              <a:off x="5301470" y="4221530"/>
-              <a:ext cx="2053104" cy="188941"/>
-            </a:xfrm>
-            <a:prstGeom prst="rect">
-              <a:avLst/>
-            </a:prstGeom>
-            <a:solidFill>
-              <a:schemeClr val="accent6"/>
-            </a:solidFill>
-            <a:ln>
-              <a:noFill/>
-            </a:ln>
-          </p:spPr>
-          <p:style>
-            <a:lnRef idx="2">
-              <a:schemeClr val="accent1">
-                <a:shade val="50000"/>
-              </a:schemeClr>
-            </a:lnRef>
-            <a:fillRef idx="1">
-              <a:schemeClr val="accent1"/>
-            </a:fillRef>
-            <a:effectRef idx="0">
-              <a:schemeClr val="accent1"/>
-            </a:effectRef>
-            <a:fontRef idx="minor">
-              <a:schemeClr val="lt1"/>
-            </a:fontRef>
-          </p:style>
-          <p:txBody>
-            <a:bodyPr anchor="ctr"/>
-            <a:lstStyle/>
-            <a:p>
-              <a:pPr marL="0" marR="0" lvl="0" indent="0" algn="ctr" defTabSz="685800" rtl="0" eaLnBrk="1" fontAlgn="auto" latinLnBrk="0" hangingPunct="1">
-                <a:lnSpc>
-                  <a:spcPct val="100000"/>
-                </a:lnSpc>
-                <a:spcBef>
-                  <a:spcPts val="0"/>
-                </a:spcBef>
-                <a:spcAft>
-                  <a:spcPts val="0"/>
-                </a:spcAft>
-                <a:buClrTx/>
-                <a:buSzTx/>
-                <a:buFontTx/>
-                <a:buNone/>
-                <a:defRPr/>
-              </a:pPr>
-              <a:endParaRPr kumimoji="0" lang="zh-CN" altLang="en-US" sz="1015" b="0" i="0" u="none" strike="noStrike" kern="1200" cap="none" spc="0" normalizeH="0" baseline="0" noProof="0">
-                <a:ln>
-                  <a:noFill/>
-                </a:ln>
-                <a:solidFill>
-                  <a:sysClr val="windowText" lastClr="000000"/>
-                </a:solidFill>
-                <a:effectLst/>
-                <a:uLnTx/>
-                <a:uFillTx/>
-                <a:cs typeface="+mn-ea"/>
-                <a:sym typeface="+mn-lt"/>
-              </a:endParaRPr>
-            </a:p>
-          </p:txBody>
-        </p:sp>
-        <p:sp>
-          <p:nvSpPr>
-            <p:cNvPr id="42" name="TextBox 19"/>
-            <p:cNvSpPr txBox="1"/>
-            <p:nvPr/>
-          </p:nvSpPr>
-          <p:spPr>
-            <a:xfrm>
-              <a:off x="5507892" y="3273646"/>
-              <a:ext cx="1113091" cy="219109"/>
-            </a:xfrm>
-            <a:prstGeom prst="rect">
-              <a:avLst/>
-            </a:prstGeom>
-            <a:noFill/>
-          </p:spPr>
-          <p:txBody>
-            <a:bodyPr wrap="none">
-              <a:spAutoFit/>
-            </a:bodyPr>
-            <a:lstStyle/>
-            <a:p>
-              <a:pPr marR="0" defTabSz="685800" eaLnBrk="1" fontAlgn="auto" hangingPunct="1">
-                <a:spcBef>
-                  <a:spcPts val="0"/>
-                </a:spcBef>
-                <a:spcAft>
-                  <a:spcPts val="0"/>
-                </a:spcAft>
-                <a:buClrTx/>
-                <a:buSzTx/>
-                <a:buFontTx/>
-                <a:buNone/>
-                <a:defRPr/>
-              </a:pPr>
-              <a:r>
-                <a:rPr kumimoji="0" lang="zh-CN" altLang="en-US" sz="825" kern="1200" cap="none" spc="0" normalizeH="0" baseline="0" noProof="0" dirty="0">
-                  <a:solidFill>
-                    <a:schemeClr val="bg1"/>
-                  </a:solidFill>
-                  <a:latin typeface="+mn-lt"/>
-                  <a:ea typeface="+mn-ea"/>
-                  <a:cs typeface="+mn-ea"/>
-                  <a:sym typeface="+mn-lt"/>
-                </a:rPr>
-                <a:t>对比数据一：</a:t>
-              </a:r>
-              <a:r>
-                <a:rPr kumimoji="0" lang="en-US" altLang="zh-CN" sz="825" kern="1200" cap="none" spc="0" normalizeH="0" baseline="0" noProof="0" dirty="0">
-                  <a:solidFill>
-                    <a:schemeClr val="bg1"/>
-                  </a:solidFill>
-                  <a:latin typeface="+mn-lt"/>
-                  <a:ea typeface="+mn-ea"/>
-                  <a:cs typeface="+mn-ea"/>
-                  <a:sym typeface="+mn-lt"/>
-                </a:rPr>
-                <a:t>600</a:t>
-              </a:r>
-              <a:r>
-                <a:rPr kumimoji="0" lang="zh-CN" altLang="en-US" sz="825" kern="1200" cap="none" spc="0" normalizeH="0" baseline="0" noProof="0" dirty="0">
-                  <a:solidFill>
-                    <a:schemeClr val="bg1"/>
-                  </a:solidFill>
-                  <a:latin typeface="+mn-lt"/>
-                  <a:ea typeface="+mn-ea"/>
-                  <a:cs typeface="+mn-ea"/>
-                  <a:sym typeface="+mn-lt"/>
-                </a:rPr>
-                <a:t>万</a:t>
-              </a:r>
-            </a:p>
-          </p:txBody>
-        </p:sp>
-        <p:sp>
-          <p:nvSpPr>
-            <p:cNvPr id="43" name="TextBox 20"/>
-            <p:cNvSpPr txBox="1"/>
-            <p:nvPr/>
-          </p:nvSpPr>
-          <p:spPr>
-            <a:xfrm>
-              <a:off x="5507892" y="3589608"/>
-              <a:ext cx="1113091" cy="219109"/>
-            </a:xfrm>
-            <a:prstGeom prst="rect">
-              <a:avLst/>
-            </a:prstGeom>
-            <a:noFill/>
-          </p:spPr>
-          <p:txBody>
-            <a:bodyPr wrap="none">
-              <a:spAutoFit/>
-            </a:bodyPr>
-            <a:lstStyle/>
-            <a:p>
-              <a:pPr marR="0" defTabSz="685800" eaLnBrk="1" fontAlgn="auto" hangingPunct="1">
-                <a:spcBef>
-                  <a:spcPts val="0"/>
-                </a:spcBef>
-                <a:spcAft>
-                  <a:spcPts val="0"/>
-                </a:spcAft>
-                <a:buClrTx/>
-                <a:buSzTx/>
-                <a:buFontTx/>
-                <a:buNone/>
-                <a:defRPr/>
-              </a:pPr>
-              <a:r>
-                <a:rPr kumimoji="0" lang="zh-CN" altLang="en-US" sz="825" kern="1200" cap="none" spc="0" normalizeH="0" baseline="0" noProof="0" dirty="0">
-                  <a:solidFill>
-                    <a:schemeClr val="bg1"/>
-                  </a:solidFill>
-                  <a:latin typeface="+mn-lt"/>
-                  <a:ea typeface="+mn-ea"/>
-                  <a:cs typeface="+mn-ea"/>
-                  <a:sym typeface="+mn-lt"/>
-                </a:rPr>
-                <a:t>对比数据二：</a:t>
-              </a:r>
-              <a:r>
-                <a:rPr kumimoji="0" lang="en-US" altLang="zh-CN" sz="825" kern="1200" cap="none" spc="0" normalizeH="0" baseline="0" noProof="0" dirty="0">
-                  <a:solidFill>
-                    <a:schemeClr val="bg1"/>
-                  </a:solidFill>
-                  <a:latin typeface="+mn-lt"/>
-                  <a:ea typeface="+mn-ea"/>
-                  <a:cs typeface="+mn-ea"/>
-                  <a:sym typeface="+mn-lt"/>
-                </a:rPr>
-                <a:t>800</a:t>
-              </a:r>
-              <a:r>
-                <a:rPr kumimoji="0" lang="zh-CN" altLang="en-US" sz="825" kern="1200" cap="none" spc="0" normalizeH="0" baseline="0" noProof="0" dirty="0">
-                  <a:solidFill>
-                    <a:schemeClr val="bg1"/>
-                  </a:solidFill>
-                  <a:latin typeface="+mn-lt"/>
-                  <a:ea typeface="+mn-ea"/>
-                  <a:cs typeface="+mn-ea"/>
-                  <a:sym typeface="+mn-lt"/>
-                </a:rPr>
-                <a:t>万</a:t>
-              </a:r>
-            </a:p>
-          </p:txBody>
-        </p:sp>
-        <p:sp>
-          <p:nvSpPr>
-            <p:cNvPr id="44" name="TextBox 21"/>
-            <p:cNvSpPr txBox="1"/>
-            <p:nvPr/>
-          </p:nvSpPr>
-          <p:spPr>
-            <a:xfrm>
-              <a:off x="5507892" y="3911919"/>
-              <a:ext cx="1113091" cy="220697"/>
-            </a:xfrm>
-            <a:prstGeom prst="rect">
-              <a:avLst/>
-            </a:prstGeom>
-            <a:noFill/>
-          </p:spPr>
-          <p:txBody>
-            <a:bodyPr wrap="none">
-              <a:spAutoFit/>
-            </a:bodyPr>
-            <a:lstStyle/>
-            <a:p>
-              <a:pPr marR="0" defTabSz="685800" eaLnBrk="1" fontAlgn="auto" hangingPunct="1">
-                <a:spcBef>
-                  <a:spcPts val="0"/>
-                </a:spcBef>
-                <a:spcAft>
-                  <a:spcPts val="0"/>
-                </a:spcAft>
-                <a:buClrTx/>
-                <a:buSzTx/>
-                <a:buFontTx/>
-                <a:buNone/>
-                <a:defRPr/>
-              </a:pPr>
-              <a:r>
-                <a:rPr kumimoji="0" lang="zh-CN" altLang="en-US" sz="825" kern="1200" cap="none" spc="0" normalizeH="0" baseline="0" noProof="0" dirty="0">
-                  <a:solidFill>
-                    <a:schemeClr val="bg1"/>
-                  </a:solidFill>
-                  <a:latin typeface="+mn-lt"/>
-                  <a:ea typeface="+mn-ea"/>
-                  <a:cs typeface="+mn-ea"/>
-                  <a:sym typeface="+mn-lt"/>
-                </a:rPr>
-                <a:t>对比数据三：</a:t>
-              </a:r>
-              <a:r>
-                <a:rPr kumimoji="0" lang="en-US" altLang="zh-CN" sz="825" kern="1200" cap="none" spc="0" normalizeH="0" baseline="0" noProof="0" dirty="0">
-                  <a:solidFill>
-                    <a:schemeClr val="bg1"/>
-                  </a:solidFill>
-                  <a:latin typeface="+mn-lt"/>
-                  <a:ea typeface="+mn-ea"/>
-                  <a:cs typeface="+mn-ea"/>
-                  <a:sym typeface="+mn-lt"/>
-                </a:rPr>
-                <a:t>760</a:t>
-              </a:r>
-              <a:r>
-                <a:rPr kumimoji="0" lang="zh-CN" altLang="en-US" sz="825" kern="1200" cap="none" spc="0" normalizeH="0" baseline="0" noProof="0" dirty="0">
-                  <a:solidFill>
-                    <a:schemeClr val="bg1"/>
-                  </a:solidFill>
-                  <a:latin typeface="+mn-lt"/>
-                  <a:ea typeface="+mn-ea"/>
-                  <a:cs typeface="+mn-ea"/>
-                  <a:sym typeface="+mn-lt"/>
-                </a:rPr>
-                <a:t>万</a:t>
-              </a:r>
-            </a:p>
-          </p:txBody>
-        </p:sp>
-        <p:sp>
-          <p:nvSpPr>
-            <p:cNvPr id="45" name="TextBox 21"/>
-            <p:cNvSpPr txBox="1"/>
-            <p:nvPr/>
-          </p:nvSpPr>
-          <p:spPr>
-            <a:xfrm>
-              <a:off x="5507892" y="4219941"/>
-              <a:ext cx="1113091" cy="219109"/>
-            </a:xfrm>
-            <a:prstGeom prst="rect">
-              <a:avLst/>
-            </a:prstGeom>
-            <a:noFill/>
-          </p:spPr>
-          <p:txBody>
-            <a:bodyPr wrap="none">
-              <a:spAutoFit/>
-            </a:bodyPr>
-            <a:lstStyle/>
-            <a:p>
-              <a:pPr marR="0" defTabSz="685800" eaLnBrk="1" fontAlgn="auto" hangingPunct="1">
-                <a:spcBef>
-                  <a:spcPts val="0"/>
-                </a:spcBef>
-                <a:spcAft>
-                  <a:spcPts val="0"/>
-                </a:spcAft>
-                <a:buClrTx/>
-                <a:buSzTx/>
-                <a:buFontTx/>
-                <a:buNone/>
-                <a:defRPr/>
-              </a:pPr>
-              <a:r>
-                <a:rPr kumimoji="0" lang="zh-CN" altLang="en-US" sz="825" kern="1200" cap="none" spc="0" normalizeH="0" baseline="0" noProof="0" dirty="0">
-                  <a:solidFill>
-                    <a:schemeClr val="bg1"/>
-                  </a:solidFill>
-                  <a:latin typeface="+mn-lt"/>
-                  <a:ea typeface="+mn-ea"/>
-                  <a:cs typeface="+mn-ea"/>
-                  <a:sym typeface="+mn-lt"/>
-                </a:rPr>
-                <a:t>对比数据四：</a:t>
-              </a:r>
-              <a:r>
-                <a:rPr kumimoji="0" lang="en-US" altLang="zh-CN" sz="825" kern="1200" cap="none" spc="0" normalizeH="0" baseline="0" noProof="0" dirty="0">
-                  <a:solidFill>
-                    <a:schemeClr val="bg1"/>
-                  </a:solidFill>
-                  <a:latin typeface="+mn-lt"/>
-                  <a:ea typeface="+mn-ea"/>
-                  <a:cs typeface="+mn-ea"/>
-                  <a:sym typeface="+mn-lt"/>
-                </a:rPr>
-                <a:t>550</a:t>
-              </a:r>
-              <a:r>
-                <a:rPr kumimoji="0" lang="zh-CN" altLang="en-US" sz="825" kern="1200" cap="none" spc="0" normalizeH="0" baseline="0" noProof="0" dirty="0">
-                  <a:solidFill>
-                    <a:schemeClr val="bg1"/>
-                  </a:solidFill>
-                  <a:latin typeface="+mn-lt"/>
-                  <a:ea typeface="+mn-ea"/>
-                  <a:cs typeface="+mn-ea"/>
-                  <a:sym typeface="+mn-lt"/>
-                </a:rPr>
-                <a:t>万</a:t>
-              </a:r>
             </a:p>
           </p:txBody>
         </p:sp>
@@ -11949,6 +10701,74 @@
           </a:p>
         </p:txBody>
       </p:sp>
+      <p:pic>
+        <p:nvPicPr>
+          <p:cNvPr id="2" name="图片 1" descr="IMG_256">
+            <a:extLst>
+              <a:ext uri="{FF2B5EF4-FFF2-40B4-BE49-F238E27FC236}">
+                <a16:creationId xmlns:a16="http://schemas.microsoft.com/office/drawing/2014/main" id="{D0D1CC75-943B-86D6-16A1-488E1F60EA74}"/>
+              </a:ext>
+            </a:extLst>
+          </p:cNvPr>
+          <p:cNvPicPr>
+            <a:picLocks noChangeAspect="1"/>
+          </p:cNvPicPr>
+          <p:nvPr/>
+        </p:nvPicPr>
+        <p:blipFill>
+          <a:blip r:embed="rId3"/>
+          <a:stretch>
+            <a:fillRect/>
+          </a:stretch>
+        </p:blipFill>
+        <p:spPr>
+          <a:xfrm>
+            <a:off x="98169" y="1277470"/>
+            <a:ext cx="3495675" cy="3019425"/>
+          </a:xfrm>
+          <a:prstGeom prst="rect">
+            <a:avLst/>
+          </a:prstGeom>
+          <a:noFill/>
+          <a:ln w="9525">
+            <a:noFill/>
+          </a:ln>
+        </p:spPr>
+      </p:pic>
+      <p:pic>
+        <p:nvPicPr>
+          <p:cNvPr id="7" name="图片 6" descr="IMG_257">
+            <a:extLst>
+              <a:ext uri="{FF2B5EF4-FFF2-40B4-BE49-F238E27FC236}">
+                <a16:creationId xmlns:a16="http://schemas.microsoft.com/office/drawing/2014/main" id="{B672F20E-314E-A08F-B5D2-04E195C8D225}"/>
+              </a:ext>
+            </a:extLst>
+          </p:cNvPr>
+          <p:cNvPicPr>
+            <a:picLocks noChangeAspect="1"/>
+          </p:cNvPicPr>
+          <p:nvPr/>
+        </p:nvPicPr>
+        <p:blipFill>
+          <a:blip r:embed="rId4"/>
+          <a:stretch>
+            <a:fillRect/>
+          </a:stretch>
+        </p:blipFill>
+        <p:spPr>
+          <a:xfrm>
+            <a:off x="4047388" y="1519652"/>
+            <a:ext cx="4776066" cy="2166626"/>
+          </a:xfrm>
+          <a:prstGeom prst="rect">
+            <a:avLst/>
+          </a:prstGeom>
+          <a:noFill/>
+          <a:ln w="9525">
+            <a:noFill/>
+          </a:ln>
+        </p:spPr>
+      </p:pic>
     </p:spTree>
   </p:cSld>
   <p:clrMapOvr>
@@ -12156,7 +10976,7 @@
                         <p:par>
                           <p:cTn id="18" fill="hold">
                             <p:stCondLst>
-                              <p:cond delay="1000"/>
+                              <p:cond delay="1050"/>
                             </p:stCondLst>
                             <p:childTnLst>
                               <p:par>
@@ -12302,85 +11122,6 @@
                                         </p:tav>
                                       </p:tavLst>
                                     </p:anim>
-                                  </p:childTnLst>
-                                </p:cTn>
-                              </p:par>
-                            </p:childTnLst>
-                          </p:cTn>
-                        </p:par>
-                        <p:par>
-                          <p:cTn id="27" fill="hold">
-                            <p:stCondLst>
-                              <p:cond delay="1500"/>
-                            </p:stCondLst>
-                            <p:childTnLst>
-                              <p:par>
-                                <p:cTn id="28" presetID="22" presetClass="entr" presetSubtype="2" fill="hold" nodeType="afterEffect">
-                                  <p:stCondLst>
-                                    <p:cond delay="0"/>
-                                  </p:stCondLst>
-                                  <p:childTnLst>
-                                    <p:set>
-                                      <p:cBhvr>
-                                        <p:cTn id="29" dur="1" fill="hold">
-                                          <p:stCondLst>
-                                            <p:cond delay="0"/>
-                                          </p:stCondLst>
-                                        </p:cTn>
-                                        <p:tgtEl>
-                                          <p:spTgt spid="3"/>
-                                        </p:tgtEl>
-                                        <p:attrNameLst>
-                                          <p:attrName>style.visibility</p:attrName>
-                                        </p:attrNameLst>
-                                      </p:cBhvr>
-                                      <p:to>
-                                        <p:strVal val="visible"/>
-                                      </p:to>
-                                    </p:set>
-                                    <p:animEffect transition="in" filter="wipe(right)">
-                                      <p:cBhvr>
-                                        <p:cTn id="30" dur="500"/>
-                                        <p:tgtEl>
-                                          <p:spTgt spid="3"/>
-                                        </p:tgtEl>
-                                      </p:cBhvr>
-                                    </p:animEffect>
-                                  </p:childTnLst>
-                                </p:cTn>
-                              </p:par>
-                              <p:par>
-                                <p:cTn id="31" presetID="22" presetClass="entr" presetSubtype="8" fill="hold" nodeType="withEffect">
-                                  <p:stCondLst>
-                                    <p:cond delay="0"/>
-                                  </p:stCondLst>
-                                  <p:childTnLst>
-                                    <p:set>
-                                      <p:cBhvr>
-                                        <p:cTn id="32" dur="1" fill="hold">
-                                          <p:stCondLst>
-                                            <p:cond delay="0"/>
-                                          </p:stCondLst>
-                                        </p:cTn>
-                                        <p:tgtEl>
-                                          <p:spTgt spid="4"/>
-                                        </p:tgtEl>
-                                        <p:attrNameLst>
-                                          <p:attrName>style.visibility</p:attrName>
-                                        </p:attrNameLst>
-                                      </p:cBhvr>
-                                      <p:to>
-                                        <p:strVal val="visible"/>
-                                      </p:to>
-                                    </p:set>
-                                    <p:animEffect transition="in" filter="wipe(left)">
-                                      <p:cBhvr>
-                                        <p:cTn id="33" dur="500"/>
-                                        <p:tgtEl>
-                                          <p:spTgt spid="4"/>
-                                        </p:tgtEl>
-                                      </p:cBhvr>
-                                    </p:animEffect>
                                   </p:childTnLst>
                                 </p:cTn>
                               </p:par>
